--- a/2-Java-Programmer-Modulo-II/01.Capitulo01.pptx
+++ b/2-Java-Programmer-Modulo-II/01.Capitulo01.pptx
@@ -14,14 +14,14 @@
     <p:sldId id="265" r:id="rId5"/>
     <p:sldId id="270" r:id="rId6"/>
     <p:sldId id="271" r:id="rId7"/>
-    <p:sldId id="266" r:id="rId8"/>
+    <p:sldId id="277" r:id="rId8"/>
     <p:sldId id="264" r:id="rId9"/>
     <p:sldId id="267" r:id="rId10"/>
     <p:sldId id="272" r:id="rId11"/>
     <p:sldId id="262" r:id="rId12"/>
     <p:sldId id="273" r:id="rId13"/>
     <p:sldId id="268" r:id="rId14"/>
-    <p:sldId id="269" r:id="rId15"/>
+    <p:sldId id="278" r:id="rId15"/>
     <p:sldId id="263" r:id="rId16"/>
     <p:sldId id="274" r:id="rId17"/>
     <p:sldId id="275" r:id="rId18"/>
@@ -266,7 +266,7 @@
               <a:pPr>
                 <a:defRPr/>
               </a:pPr>
-              <a:t>25/02/2012</a:t>
+              <a:t>04/04/2012</a:t>
             </a:fld>
             <a:endParaRPr lang="pt-BR"/>
           </a:p>
@@ -3184,7 +3184,10 @@
             </a:pPr>
             <a:fld id="{FD894ED5-6078-472C-A95A-CBB33BE2BFA5}" type="datetime1">
               <a:rPr lang="pt-BR" smtClean="0"/>
-              <a:t>25/02/2012</a:t>
+              <a:pPr>
+                <a:defRPr/>
+              </a:pPr>
+              <a:t>04/04/2012</a:t>
             </a:fld>
             <a:endParaRPr lang="pt-BR"/>
           </a:p>
@@ -3373,7 +3376,10 @@
             </a:pPr>
             <a:fld id="{33FF2FFC-EC49-4233-8BDF-A0C76E4464D8}" type="datetime1">
               <a:rPr lang="pt-BR" smtClean="0"/>
-              <a:t>25/02/2012</a:t>
+              <a:pPr>
+                <a:defRPr/>
+              </a:pPr>
+              <a:t>04/04/2012</a:t>
             </a:fld>
             <a:endParaRPr lang="pt-BR"/>
           </a:p>
@@ -3572,7 +3578,10 @@
             </a:pPr>
             <a:fld id="{33681619-B924-4410-A88D-290A3DEA8BC8}" type="datetime1">
               <a:rPr lang="pt-BR" smtClean="0"/>
-              <a:t>25/02/2012</a:t>
+              <a:pPr>
+                <a:defRPr/>
+              </a:pPr>
+              <a:t>04/04/2012</a:t>
             </a:fld>
             <a:endParaRPr lang="pt-BR"/>
           </a:p>
@@ -3765,7 +3774,10 @@
             </a:pPr>
             <a:fld id="{A7389427-867F-4220-BC83-D39CEC57FD5B}" type="datetime1">
               <a:rPr lang="pt-BR" smtClean="0"/>
-              <a:t>25/02/2012</a:t>
+              <a:pPr>
+                <a:defRPr/>
+              </a:pPr>
+              <a:t>04/04/2012</a:t>
             </a:fld>
             <a:endParaRPr lang="pt-BR"/>
           </a:p>
@@ -4268,7 +4280,10 @@
             </a:pPr>
             <a:fld id="{363996E1-49C3-4863-8BC3-B7BDE407C010}" type="datetime1">
               <a:rPr lang="pt-BR" smtClean="0"/>
-              <a:t>25/02/2012</a:t>
+              <a:pPr>
+                <a:defRPr/>
+              </a:pPr>
+              <a:t>04/04/2012</a:t>
             </a:fld>
             <a:endParaRPr lang="pt-BR"/>
           </a:p>
@@ -4556,7 +4571,10 @@
             </a:pPr>
             <a:fld id="{21D7C798-12F5-48EE-AFA4-91ADE6EB26D9}" type="datetime1">
               <a:rPr lang="pt-BR" smtClean="0"/>
-              <a:t>25/02/2012</a:t>
+              <a:pPr>
+                <a:defRPr/>
+              </a:pPr>
+              <a:t>04/04/2012</a:t>
             </a:fld>
             <a:endParaRPr lang="pt-BR"/>
           </a:p>
@@ -4954,7 +4972,10 @@
             </a:pPr>
             <a:fld id="{40D36BE2-C424-4EC0-9C34-960A1DAA5CC8}" type="datetime1">
               <a:rPr lang="pt-BR" smtClean="0"/>
-              <a:t>25/02/2012</a:t>
+              <a:pPr>
+                <a:defRPr/>
+              </a:pPr>
+              <a:t>04/04/2012</a:t>
             </a:fld>
             <a:endParaRPr lang="pt-BR"/>
           </a:p>
@@ -5100,7 +5121,10 @@
             </a:pPr>
             <a:fld id="{7C230BD1-2464-464B-8FDE-531CC9481B40}" type="datetime1">
               <a:rPr lang="pt-BR" smtClean="0"/>
-              <a:t>25/02/2012</a:t>
+              <a:pPr>
+                <a:defRPr/>
+              </a:pPr>
+              <a:t>04/04/2012</a:t>
             </a:fld>
             <a:endParaRPr lang="pt-BR"/>
           </a:p>
@@ -5214,7 +5238,10 @@
             </a:pPr>
             <a:fld id="{E993BF23-FED0-4A9E-A313-FE991642AA8E}" type="datetime1">
               <a:rPr lang="pt-BR" smtClean="0"/>
-              <a:t>25/02/2012</a:t>
+              <a:pPr>
+                <a:defRPr/>
+              </a:pPr>
+              <a:t>04/04/2012</a:t>
             </a:fld>
             <a:endParaRPr lang="pt-BR"/>
           </a:p>
@@ -5487,7 +5514,10 @@
             </a:pPr>
             <a:fld id="{0C3609D4-67E4-4FA9-906A-F052F758B62F}" type="datetime1">
               <a:rPr lang="pt-BR" smtClean="0"/>
-              <a:t>25/02/2012</a:t>
+              <a:pPr>
+                <a:defRPr/>
+              </a:pPr>
+              <a:t>04/04/2012</a:t>
             </a:fld>
             <a:endParaRPr lang="pt-BR"/>
           </a:p>
@@ -5768,7 +5798,10 @@
             </a:pPr>
             <a:fld id="{8850B024-AFD0-45B1-B9EE-3AF75757F9C0}" type="datetime1">
               <a:rPr lang="pt-BR" smtClean="0"/>
-              <a:t>25/02/2012</a:t>
+              <a:pPr>
+                <a:defRPr/>
+              </a:pPr>
+              <a:t>04/04/2012</a:t>
             </a:fld>
             <a:endParaRPr lang="pt-BR"/>
           </a:p>
@@ -6243,7 +6276,10 @@
             </a:pPr>
             <a:fld id="{0C462961-E926-4DA0-88A8-FC74376A3B5E}" type="datetime1">
               <a:rPr lang="pt-BR" smtClean="0"/>
-              <a:t>25/02/2012</a:t>
+              <a:pPr>
+                <a:defRPr/>
+              </a:pPr>
+              <a:t>04/04/2012</a:t>
             </a:fld>
             <a:endParaRPr lang="pt-BR"/>
           </a:p>
@@ -6950,19 +6986,39 @@
               </a:tabLst>
             </a:pPr>
             <a:r>
+              <a:rPr lang="pt-BR" sz="2000" dirty="0" err="1" smtClean="0"/>
+              <a:t>public</a:t>
+            </a:r>
+            <a:r>
+              <a:rPr lang="pt-BR" sz="2000" dirty="0" smtClean="0"/>
+              <a:t> </a:t>
+            </a:r>
+            <a:r>
+              <a:rPr lang="pt-BR" sz="2000" dirty="0" err="1" smtClean="0"/>
+              <a:t>class</a:t>
+            </a:r>
+            <a:r>
+              <a:rPr lang="pt-BR" sz="2000" dirty="0" smtClean="0"/>
+              <a:t> </a:t>
+            </a:r>
+            <a:r>
               <a:rPr lang="pt-BR" sz="2000" dirty="0" err="1" smtClean="0">
                 <a:solidFill>
                   <a:srgbClr val="FFC000"/>
                 </a:solidFill>
               </a:rPr>
-              <a:t>public</a:t>
-            </a:r>
-            <a:r>
-              <a:rPr lang="pt-BR" sz="2000" dirty="0" smtClean="0">
-                <a:solidFill>
-                  <a:srgbClr val="FFC000"/>
-                </a:solidFill>
-              </a:rPr>
+              <a:t>CadastroAluno</a:t>
+            </a:r>
+            <a:r>
+              <a:rPr lang="pt-BR" sz="2000" dirty="0" smtClean="0"/>
+              <a:t> </a:t>
+            </a:r>
+            <a:r>
+              <a:rPr lang="pt-BR" sz="2000" dirty="0" err="1" smtClean="0"/>
+              <a:t>extends</a:t>
+            </a:r>
+            <a:r>
+              <a:rPr lang="pt-BR" sz="2000" dirty="0" smtClean="0"/>
               <a:t> </a:t>
             </a:r>
             <a:r>
@@ -6971,59 +7027,11 @@
                   <a:srgbClr val="FFC000"/>
                 </a:solidFill>
               </a:rPr>
-              <a:t>class</a:t>
-            </a:r>
-            <a:r>
-              <a:rPr lang="pt-BR" sz="2000" dirty="0" smtClean="0">
-                <a:solidFill>
-                  <a:srgbClr val="FFC000"/>
-                </a:solidFill>
-              </a:rPr>
-              <a:t> </a:t>
-            </a:r>
-            <a:r>
-              <a:rPr lang="pt-BR" sz="2000" dirty="0" err="1" smtClean="0"/>
-              <a:t>CadastroAluno</a:t>
-            </a:r>
-            <a:r>
-              <a:rPr lang="pt-BR" sz="2000" dirty="0" smtClean="0">
-                <a:solidFill>
-                  <a:srgbClr val="FFC000"/>
-                </a:solidFill>
-              </a:rPr>
-              <a:t> </a:t>
-            </a:r>
-            <a:r>
-              <a:rPr lang="pt-BR" sz="2000" dirty="0" err="1" smtClean="0">
-                <a:solidFill>
-                  <a:srgbClr val="FFC000"/>
-                </a:solidFill>
-              </a:rPr>
-              <a:t>extends</a:t>
-            </a:r>
-            <a:r>
-              <a:rPr lang="pt-BR" sz="2000" dirty="0" smtClean="0">
-                <a:solidFill>
-                  <a:srgbClr val="FFC000"/>
-                </a:solidFill>
-              </a:rPr>
-              <a:t> </a:t>
-            </a:r>
-            <a:r>
-              <a:rPr lang="pt-BR" sz="2000" dirty="0" err="1" smtClean="0"/>
               <a:t>JFrame</a:t>
             </a:r>
             <a:r>
               <a:rPr lang="pt-BR" sz="2000" dirty="0" smtClean="0"/>
-              <a:t> </a:t>
-            </a:r>
-            <a:r>
-              <a:rPr lang="pt-BR" sz="2000" dirty="0" smtClean="0">
-                <a:solidFill>
-                  <a:srgbClr val="FFC000"/>
-                </a:solidFill>
-              </a:rPr>
-              <a:t>{</a:t>
+              <a:t> {</a:t>
             </a:r>
           </a:p>
           <a:p>
@@ -7040,11 +7048,7 @@
                 <a:tab pos="1887538" algn="l"/>
               </a:tabLst>
             </a:pPr>
-            <a:endParaRPr lang="pt-BR" sz="2000" dirty="0" smtClean="0">
-              <a:solidFill>
-                <a:srgbClr val="FFC000"/>
-              </a:solidFill>
-            </a:endParaRPr>
+            <a:endParaRPr lang="pt-BR" sz="2000" dirty="0" smtClean="0"/>
           </a:p>
           <a:p>
             <a:pPr marL="0" indent="0" eaLnBrk="1" hangingPunct="1">
@@ -7061,12 +7065,24 @@
               </a:tabLst>
             </a:pPr>
             <a:r>
-              <a:rPr lang="pt-BR" sz="2000" dirty="0" smtClean="0">
-                <a:solidFill>
-                  <a:srgbClr val="FFC000"/>
-                </a:solidFill>
-              </a:rPr>
+              <a:rPr lang="pt-BR" sz="2000" dirty="0" smtClean="0"/>
               <a:t>	</a:t>
+            </a:r>
+            <a:r>
+              <a:rPr lang="pt-BR" sz="2000" dirty="0" err="1" smtClean="0"/>
+              <a:t>private</a:t>
+            </a:r>
+            <a:r>
+              <a:rPr lang="pt-BR" sz="2000" dirty="0" smtClean="0"/>
+              <a:t> </a:t>
+            </a:r>
+            <a:r>
+              <a:rPr lang="pt-BR" sz="2000" dirty="0" err="1" smtClean="0"/>
+              <a:t>JButton</a:t>
+            </a:r>
+            <a:r>
+              <a:rPr lang="pt-BR" sz="2000" dirty="0" smtClean="0"/>
+              <a:t> </a:t>
             </a:r>
             <a:r>
               <a:rPr lang="pt-BR" sz="2000" dirty="0" err="1" smtClean="0">
@@ -7074,74 +7090,26 @@
                   <a:srgbClr val="FFC000"/>
                 </a:solidFill>
               </a:rPr>
-              <a:t>private</a:t>
-            </a:r>
-            <a:r>
-              <a:rPr lang="pt-BR" sz="2000" dirty="0" smtClean="0">
-                <a:solidFill>
-                  <a:srgbClr val="FFC000"/>
-                </a:solidFill>
-              </a:rPr>
+              <a:t>btnOK</a:t>
+            </a:r>
+            <a:r>
+              <a:rPr lang="pt-BR" sz="2000" dirty="0" smtClean="0"/>
+              <a:t> = </a:t>
+            </a:r>
+            <a:r>
+              <a:rPr lang="pt-BR" sz="2000" dirty="0" err="1" smtClean="0"/>
+              <a:t>new</a:t>
+            </a:r>
+            <a:r>
+              <a:rPr lang="pt-BR" sz="2000" dirty="0" smtClean="0"/>
               <a:t> </a:t>
             </a:r>
             <a:r>
-              <a:rPr lang="pt-BR" sz="2000" dirty="0" err="1" smtClean="0">
-                <a:solidFill>
-                  <a:srgbClr val="FFC000"/>
-                </a:solidFill>
-              </a:rPr>
+              <a:rPr lang="pt-BR" sz="2000" dirty="0" err="1" smtClean="0"/>
               <a:t>JButton</a:t>
             </a:r>
             <a:r>
-              <a:rPr lang="pt-BR" sz="2000" dirty="0" smtClean="0">
-                <a:solidFill>
-                  <a:srgbClr val="FFC000"/>
-                </a:solidFill>
-              </a:rPr>
-              <a:t> </a:t>
-            </a:r>
-            <a:r>
-              <a:rPr lang="pt-BR" sz="2000" dirty="0" err="1" smtClean="0"/>
-              <a:t>btnOK</a:t>
-            </a:r>
-            <a:r>
-              <a:rPr lang="pt-BR" sz="2000" dirty="0" smtClean="0">
-                <a:solidFill>
-                  <a:srgbClr val="FFC000"/>
-                </a:solidFill>
-              </a:rPr>
-              <a:t> = </a:t>
-            </a:r>
-            <a:r>
-              <a:rPr lang="pt-BR" sz="2000" dirty="0" err="1" smtClean="0">
-                <a:solidFill>
-                  <a:srgbClr val="FFC000"/>
-                </a:solidFill>
-              </a:rPr>
-              <a:t>new</a:t>
-            </a:r>
-            <a:r>
-              <a:rPr lang="pt-BR" sz="2000" dirty="0" smtClean="0">
-                <a:solidFill>
-                  <a:srgbClr val="FFC000"/>
-                </a:solidFill>
-              </a:rPr>
-              <a:t> </a:t>
-            </a:r>
-            <a:r>
-              <a:rPr lang="pt-BR" sz="2000" dirty="0" err="1" smtClean="0">
-                <a:solidFill>
-                  <a:srgbClr val="FFC000"/>
-                </a:solidFill>
-              </a:rPr>
-              <a:t>JButton</a:t>
-            </a:r>
-            <a:r>
-              <a:rPr lang="pt-BR" sz="2000" dirty="0" smtClean="0">
-                <a:solidFill>
-                  <a:srgbClr val="FFC000"/>
-                </a:solidFill>
-              </a:rPr>
+              <a:rPr lang="pt-BR" sz="2000" dirty="0" smtClean="0"/>
               <a:t>();</a:t>
             </a:r>
           </a:p>
@@ -7160,12 +7128,24 @@
               </a:tabLst>
             </a:pPr>
             <a:r>
-              <a:rPr lang="pt-BR" sz="2000" dirty="0" smtClean="0">
-                <a:solidFill>
-                  <a:srgbClr val="FFC000"/>
-                </a:solidFill>
-              </a:rPr>
+              <a:rPr lang="pt-BR" sz="2000" dirty="0" smtClean="0"/>
               <a:t>	</a:t>
+            </a:r>
+            <a:r>
+              <a:rPr lang="pt-BR" sz="2000" dirty="0" err="1" smtClean="0"/>
+              <a:t>private</a:t>
+            </a:r>
+            <a:r>
+              <a:rPr lang="pt-BR" sz="2000" dirty="0" smtClean="0"/>
+              <a:t> </a:t>
+            </a:r>
+            <a:r>
+              <a:rPr lang="pt-BR" sz="2000" dirty="0" err="1" smtClean="0"/>
+              <a:t>JPanel</a:t>
+            </a:r>
+            <a:r>
+              <a:rPr lang="pt-BR" sz="2000" dirty="0" smtClean="0"/>
+              <a:t> </a:t>
             </a:r>
             <a:r>
               <a:rPr lang="pt-BR" sz="2000" dirty="0" err="1" smtClean="0">
@@ -7173,74 +7153,26 @@
                   <a:srgbClr val="FFC000"/>
                 </a:solidFill>
               </a:rPr>
-              <a:t>private</a:t>
-            </a:r>
-            <a:r>
-              <a:rPr lang="pt-BR" sz="2000" dirty="0" smtClean="0">
-                <a:solidFill>
-                  <a:srgbClr val="FFC000"/>
-                </a:solidFill>
-              </a:rPr>
-              <a:t> </a:t>
-            </a:r>
-            <a:r>
-              <a:rPr lang="pt-BR" sz="2000" dirty="0" err="1" smtClean="0">
-                <a:solidFill>
-                  <a:srgbClr val="FFC000"/>
-                </a:solidFill>
-              </a:rPr>
+              <a:t>pnlRaiz</a:t>
+            </a:r>
+            <a:r>
+              <a:rPr lang="pt-BR" sz="2000" dirty="0" smtClean="0"/>
+              <a:t> = (</a:t>
+            </a:r>
+            <a:r>
+              <a:rPr lang="pt-BR" sz="2000" dirty="0" err="1" smtClean="0"/>
               <a:t>JPanel</a:t>
             </a:r>
             <a:r>
-              <a:rPr lang="pt-BR" sz="2000" dirty="0" smtClean="0">
-                <a:solidFill>
-                  <a:srgbClr val="FFC000"/>
-                </a:solidFill>
-              </a:rPr>
-              <a:t> </a:t>
+              <a:rPr lang="pt-BR" sz="2000" dirty="0" smtClean="0"/>
+              <a:t>) </a:t>
             </a:r>
             <a:r>
               <a:rPr lang="pt-BR" sz="2000" dirty="0" err="1" smtClean="0"/>
-              <a:t>pnlRaiz</a:t>
-            </a:r>
-            <a:r>
-              <a:rPr lang="pt-BR" sz="2000" dirty="0" smtClean="0">
-                <a:solidFill>
-                  <a:srgbClr val="FFC000"/>
-                </a:solidFill>
-              </a:rPr>
-              <a:t> = (</a:t>
-            </a:r>
-            <a:r>
-              <a:rPr lang="pt-BR" sz="2000" dirty="0" err="1" smtClean="0">
-                <a:solidFill>
-                  <a:srgbClr val="FFC000"/>
-                </a:solidFill>
-              </a:rPr>
-              <a:t>JPanel</a:t>
-            </a:r>
-            <a:r>
-              <a:rPr lang="pt-BR" sz="2000" dirty="0" smtClean="0">
-                <a:solidFill>
-                  <a:srgbClr val="FFC000"/>
-                </a:solidFill>
-              </a:rPr>
-              <a:t>) </a:t>
-            </a:r>
-            <a:r>
-              <a:rPr lang="pt-BR" sz="2000" dirty="0" err="1" smtClean="0">
-                <a:solidFill>
-                  <a:srgbClr val="FFC000"/>
-                </a:solidFill>
-              </a:rPr>
               <a:t>getContentPane</a:t>
             </a:r>
             <a:r>
-              <a:rPr lang="pt-BR" sz="2000" dirty="0" smtClean="0">
-                <a:solidFill>
-                  <a:srgbClr val="FFC000"/>
-                </a:solidFill>
-              </a:rPr>
+              <a:rPr lang="pt-BR" sz="2000" dirty="0" smtClean="0"/>
               <a:t>();</a:t>
             </a:r>
           </a:p>
@@ -7258,11 +7190,7 @@
                 <a:tab pos="1887538" algn="l"/>
               </a:tabLst>
             </a:pPr>
-            <a:endParaRPr lang="pt-BR" sz="2000" dirty="0" smtClean="0">
-              <a:solidFill>
-                <a:srgbClr val="FFC000"/>
-              </a:solidFill>
-            </a:endParaRPr>
+            <a:endParaRPr lang="pt-BR" sz="2000" dirty="0" smtClean="0"/>
           </a:p>
           <a:p>
             <a:pPr marL="0" indent="0" eaLnBrk="1" hangingPunct="1">
@@ -7278,43 +7206,35 @@
               </a:tabLst>
             </a:pPr>
             <a:r>
+              <a:rPr lang="pt-BR" sz="2000" dirty="0" smtClean="0"/>
+              <a:t>	</a:t>
+            </a:r>
+            <a:r>
+              <a:rPr lang="pt-BR" sz="2000" dirty="0" err="1" smtClean="0"/>
+              <a:t>public</a:t>
+            </a:r>
+            <a:r>
+              <a:rPr lang="pt-BR" sz="2000" dirty="0" smtClean="0"/>
+              <a:t> </a:t>
+            </a:r>
+            <a:r>
+              <a:rPr lang="pt-BR" sz="2000" dirty="0" err="1" smtClean="0">
+                <a:solidFill>
+                  <a:srgbClr val="FFC000"/>
+                </a:solidFill>
+              </a:rPr>
+              <a:t>CadastroAluno</a:t>
+            </a:r>
+            <a:r>
               <a:rPr lang="pt-BR" sz="2000" dirty="0" smtClean="0">
                 <a:solidFill>
                   <a:srgbClr val="FFC000"/>
                 </a:solidFill>
               </a:rPr>
-              <a:t>	</a:t>
-            </a:r>
-            <a:r>
-              <a:rPr lang="pt-BR" sz="2000" dirty="0" err="1" smtClean="0">
-                <a:solidFill>
-                  <a:srgbClr val="FFC000"/>
-                </a:solidFill>
-              </a:rPr>
-              <a:t>public</a:t>
-            </a:r>
-            <a:r>
-              <a:rPr lang="pt-BR" sz="2000" dirty="0" smtClean="0">
-                <a:solidFill>
-                  <a:srgbClr val="FFC000"/>
-                </a:solidFill>
-              </a:rPr>
-              <a:t> </a:t>
-            </a:r>
-            <a:r>
-              <a:rPr lang="pt-BR" sz="2000" dirty="0" err="1" smtClean="0"/>
-              <a:t>CadastroAluno</a:t>
-            </a:r>
-            <a:r>
-              <a:rPr lang="pt-BR" sz="2000" dirty="0" smtClean="0"/>
               <a:t>()</a:t>
             </a:r>
             <a:r>
-              <a:rPr lang="pt-BR" sz="2000" dirty="0" smtClean="0">
-                <a:solidFill>
-                  <a:srgbClr val="FFC000"/>
-                </a:solidFill>
-              </a:rPr>
+              <a:rPr lang="pt-BR" sz="2000" dirty="0" smtClean="0"/>
               <a:t> {</a:t>
             </a:r>
           </a:p>
@@ -7332,24 +7252,8 @@
               </a:tabLst>
             </a:pPr>
             <a:r>
-              <a:rPr lang="pt-BR" sz="2000" dirty="0" smtClean="0">
-                <a:solidFill>
-                  <a:srgbClr val="FFC000"/>
-                </a:solidFill>
-              </a:rPr>
+              <a:rPr lang="pt-BR" sz="2000" dirty="0" smtClean="0"/>
               <a:t>		</a:t>
-            </a:r>
-            <a:r>
-              <a:rPr lang="pt-BR" sz="2000" dirty="0" err="1" smtClean="0"/>
-              <a:t>btnOk</a:t>
-            </a:r>
-            <a:r>
-              <a:rPr lang="pt-BR" sz="2000" dirty="0" smtClean="0">
-                <a:solidFill>
-                  <a:srgbClr val="FFC000"/>
-                </a:solidFill>
-              </a:rPr>
-              <a:t>.</a:t>
             </a:r>
             <a:r>
               <a:rPr lang="pt-BR" sz="2000" dirty="0" err="1" smtClean="0">
@@ -7357,14 +7261,18 @@
                   <a:srgbClr val="FFC000"/>
                 </a:solidFill>
               </a:rPr>
+              <a:t>btnOk</a:t>
+            </a:r>
+            <a:r>
+              <a:rPr lang="pt-BR" sz="2000" dirty="0" smtClean="0"/>
+              <a:t>.</a:t>
+            </a:r>
+            <a:r>
+              <a:rPr lang="pt-BR" sz="2000" dirty="0" err="1" smtClean="0"/>
               <a:t>setBounds</a:t>
             </a:r>
             <a:r>
-              <a:rPr lang="pt-BR" sz="2000" dirty="0" smtClean="0">
-                <a:solidFill>
-                  <a:srgbClr val="FFC000"/>
-                </a:solidFill>
-              </a:rPr>
+              <a:rPr lang="pt-BR" sz="2000" dirty="0" smtClean="0"/>
               <a:t>(100, 80, 60, 30);</a:t>
             </a:r>
           </a:p>
@@ -7382,24 +7290,8 @@
               </a:tabLst>
             </a:pPr>
             <a:r>
-              <a:rPr lang="pt-BR" sz="2000" dirty="0" smtClean="0">
-                <a:solidFill>
-                  <a:srgbClr val="FFC000"/>
-                </a:solidFill>
-              </a:rPr>
+              <a:rPr lang="pt-BR" sz="2000" dirty="0" smtClean="0"/>
               <a:t>		</a:t>
-            </a:r>
-            <a:r>
-              <a:rPr lang="pt-BR" sz="2000" dirty="0" err="1" smtClean="0"/>
-              <a:t>btnOk</a:t>
-            </a:r>
-            <a:r>
-              <a:rPr lang="pt-BR" sz="2000" dirty="0" smtClean="0">
-                <a:solidFill>
-                  <a:srgbClr val="FFC000"/>
-                </a:solidFill>
-              </a:rPr>
-              <a:t>.</a:t>
             </a:r>
             <a:r>
               <a:rPr lang="pt-BR" sz="2000" dirty="0" err="1" smtClean="0">
@@ -7407,14 +7299,18 @@
                   <a:srgbClr val="FFC000"/>
                 </a:solidFill>
               </a:rPr>
+              <a:t>btnOk</a:t>
+            </a:r>
+            <a:r>
+              <a:rPr lang="pt-BR" sz="2000" dirty="0" smtClean="0"/>
+              <a:t>.</a:t>
+            </a:r>
+            <a:r>
+              <a:rPr lang="pt-BR" sz="2000" dirty="0" err="1" smtClean="0"/>
               <a:t>setText</a:t>
             </a:r>
             <a:r>
-              <a:rPr lang="pt-BR" sz="2000" dirty="0" smtClean="0">
-                <a:solidFill>
-                  <a:srgbClr val="FFC000"/>
-                </a:solidFill>
-              </a:rPr>
+              <a:rPr lang="pt-BR" sz="2000" dirty="0" smtClean="0"/>
               <a:t>(“Clique aqui”);</a:t>
             </a:r>
           </a:p>
@@ -7433,71 +7329,55 @@
               </a:tabLst>
             </a:pPr>
             <a:r>
+              <a:rPr lang="pt-BR" sz="2000" dirty="0" smtClean="0"/>
+              <a:t>		</a:t>
+            </a:r>
+            <a:r>
+              <a:rPr lang="pt-BR" sz="2000" dirty="0" err="1" smtClean="0">
+                <a:solidFill>
+                  <a:srgbClr val="FFC000"/>
+                </a:solidFill>
+              </a:rPr>
+              <a:t>btnOk</a:t>
+            </a:r>
+            <a:r>
+              <a:rPr lang="pt-BR" sz="2000" dirty="0" smtClean="0"/>
+              <a:t>.</a:t>
+            </a:r>
+            <a:r>
+              <a:rPr lang="pt-BR" sz="2000" dirty="0" err="1" smtClean="0"/>
+              <a:t>addActionListener</a:t>
+            </a:r>
+            <a:r>
+              <a:rPr lang="pt-BR" sz="2000" dirty="0" smtClean="0"/>
+              <a:t>( </a:t>
+            </a:r>
+            <a:r>
+              <a:rPr lang="pt-BR" sz="2000" dirty="0" err="1" smtClean="0"/>
+              <a:t>new</a:t>
+            </a:r>
+            <a:r>
+              <a:rPr lang="pt-BR" sz="2000" dirty="0" smtClean="0"/>
+              <a:t> </a:t>
+            </a:r>
+            <a:r>
+              <a:rPr lang="pt-BR" sz="2000" dirty="0" err="1" smtClean="0">
+                <a:solidFill>
+                  <a:srgbClr val="FFC000"/>
+                </a:solidFill>
+              </a:rPr>
+              <a:t>ActionListener</a:t>
+            </a:r>
+            <a:r>
               <a:rPr lang="pt-BR" sz="2000" dirty="0" smtClean="0">
                 <a:solidFill>
                   <a:srgbClr val="FFC000"/>
                 </a:solidFill>
               </a:rPr>
-              <a:t>		</a:t>
-            </a:r>
-            <a:r>
-              <a:rPr lang="pt-BR" sz="2000" dirty="0" err="1" smtClean="0"/>
-              <a:t>btnOk</a:t>
-            </a:r>
-            <a:r>
-              <a:rPr lang="pt-BR" sz="2000" dirty="0" smtClean="0">
-                <a:solidFill>
-                  <a:srgbClr val="FFC000"/>
-                </a:solidFill>
-              </a:rPr>
-              <a:t>.</a:t>
-            </a:r>
-            <a:r>
-              <a:rPr lang="pt-BR" sz="2000" dirty="0" err="1" smtClean="0">
-                <a:solidFill>
-                  <a:srgbClr val="FFC000"/>
-                </a:solidFill>
-              </a:rPr>
-              <a:t>addActionListener</a:t>
-            </a:r>
-            <a:r>
-              <a:rPr lang="pt-BR" sz="2000" dirty="0" smtClean="0">
-                <a:solidFill>
-                  <a:srgbClr val="FFC000"/>
-                </a:solidFill>
-              </a:rPr>
-              <a:t>( </a:t>
-            </a:r>
-            <a:r>
-              <a:rPr lang="pt-BR" sz="2000" dirty="0" err="1" smtClean="0">
-                <a:solidFill>
-                  <a:srgbClr val="FFC000"/>
-                </a:solidFill>
-              </a:rPr>
-              <a:t>new</a:t>
-            </a:r>
-            <a:r>
-              <a:rPr lang="pt-BR" sz="2000" dirty="0" smtClean="0">
-                <a:solidFill>
-                  <a:srgbClr val="FFC000"/>
-                </a:solidFill>
-              </a:rPr>
-              <a:t> </a:t>
-            </a:r>
-            <a:r>
-              <a:rPr lang="pt-BR" sz="2000" dirty="0" err="1" smtClean="0"/>
-              <a:t>ActionListener</a:t>
-            </a:r>
-            <a:r>
-              <a:rPr lang="pt-BR" sz="2000" dirty="0" smtClean="0"/>
               <a:t>()</a:t>
             </a:r>
             <a:r>
-              <a:rPr lang="pt-BR" sz="2000" dirty="0" smtClean="0">
-                <a:solidFill>
-                  <a:srgbClr val="FFC000"/>
-                </a:solidFill>
-              </a:rPr>
+              <a:rPr lang="pt-BR" sz="2000" dirty="0" smtClean="0"/>
               <a:t> {</a:t>
             </a:r>
           </a:p>
@@ -7515,59 +7395,31 @@
               </a:tabLst>
             </a:pPr>
             <a:r>
-              <a:rPr lang="pt-BR" sz="2000" dirty="0" smtClean="0">
-                <a:solidFill>
-                  <a:srgbClr val="FFC000"/>
-                </a:solidFill>
-              </a:rPr>
+              <a:rPr lang="pt-BR" sz="2000" dirty="0" smtClean="0"/>
               <a:t>			</a:t>
             </a:r>
             <a:r>
-              <a:rPr lang="pt-BR" sz="2000" dirty="0" err="1" smtClean="0">
-                <a:solidFill>
-                  <a:srgbClr val="FFC000"/>
-                </a:solidFill>
-              </a:rPr>
+              <a:rPr lang="pt-BR" sz="2000" dirty="0" err="1" smtClean="0"/>
               <a:t>void</a:t>
             </a:r>
             <a:r>
-              <a:rPr lang="pt-BR" sz="2000" dirty="0" smtClean="0">
-                <a:solidFill>
-                  <a:srgbClr val="FFC000"/>
-                </a:solidFill>
-              </a:rPr>
+              <a:rPr lang="pt-BR" sz="2000" dirty="0" smtClean="0"/>
               <a:t> </a:t>
             </a:r>
             <a:r>
-              <a:rPr lang="pt-BR" sz="2000" dirty="0" err="1" smtClean="0">
-                <a:solidFill>
-                  <a:srgbClr val="FFC000"/>
-                </a:solidFill>
-              </a:rPr>
+              <a:rPr lang="pt-BR" sz="2000" dirty="0" err="1" smtClean="0"/>
               <a:t>actionPerformed</a:t>
             </a:r>
             <a:r>
-              <a:rPr lang="pt-BR" sz="2000" dirty="0" smtClean="0">
-                <a:solidFill>
-                  <a:srgbClr val="FFC000"/>
-                </a:solidFill>
-              </a:rPr>
+              <a:rPr lang="pt-BR" sz="2000" dirty="0" smtClean="0"/>
               <a:t>(</a:t>
             </a:r>
             <a:r>
-              <a:rPr lang="pt-BR" sz="2000" dirty="0" err="1" smtClean="0">
-                <a:solidFill>
-                  <a:srgbClr val="FFC000"/>
-                </a:solidFill>
-              </a:rPr>
+              <a:rPr lang="pt-BR" sz="2000" dirty="0" err="1" smtClean="0"/>
               <a:t>ActionEvent</a:t>
             </a:r>
             <a:r>
-              <a:rPr lang="pt-BR" sz="2000" dirty="0" smtClean="0">
-                <a:solidFill>
-                  <a:srgbClr val="FFC000"/>
-                </a:solidFill>
-              </a:rPr>
+              <a:rPr lang="pt-BR" sz="2000" dirty="0" smtClean="0"/>
               <a:t> e) {</a:t>
             </a:r>
           </a:p>
@@ -7585,59 +7437,31 @@
               </a:tabLst>
             </a:pPr>
             <a:r>
-              <a:rPr lang="pt-BR" sz="2000" dirty="0" smtClean="0">
-                <a:solidFill>
-                  <a:srgbClr val="FFC000"/>
-                </a:solidFill>
-              </a:rPr>
+              <a:rPr lang="pt-BR" sz="2000" dirty="0" smtClean="0"/>
               <a:t>				</a:t>
             </a:r>
             <a:r>
-              <a:rPr lang="pt-BR" sz="2000" dirty="0" err="1" smtClean="0">
-                <a:solidFill>
-                  <a:srgbClr val="FFC000"/>
-                </a:solidFill>
-              </a:rPr>
+              <a:rPr lang="pt-BR" sz="2000" dirty="0" err="1" smtClean="0"/>
               <a:t>JOptionPane</a:t>
             </a:r>
             <a:r>
-              <a:rPr lang="pt-BR" sz="2000" dirty="0" smtClean="0">
-                <a:solidFill>
-                  <a:srgbClr val="FFC000"/>
-                </a:solidFill>
-              </a:rPr>
+              <a:rPr lang="pt-BR" sz="2000" dirty="0" smtClean="0"/>
               <a:t>.</a:t>
             </a:r>
             <a:r>
-              <a:rPr lang="pt-BR" sz="2000" dirty="0" err="1" smtClean="0">
-                <a:solidFill>
-                  <a:srgbClr val="FFC000"/>
-                </a:solidFill>
-              </a:rPr>
+              <a:rPr lang="pt-BR" sz="2000" dirty="0" err="1" smtClean="0"/>
               <a:t>showMessageDialog</a:t>
             </a:r>
             <a:r>
-              <a:rPr lang="pt-BR" sz="2000" dirty="0" smtClean="0">
-                <a:solidFill>
-                  <a:srgbClr val="FFC000"/>
-                </a:solidFill>
-              </a:rPr>
+              <a:rPr lang="pt-BR" sz="2000" dirty="0" smtClean="0"/>
               <a:t>(</a:t>
             </a:r>
             <a:r>
-              <a:rPr lang="pt-BR" sz="2000" dirty="0" err="1" smtClean="0">
-                <a:solidFill>
-                  <a:srgbClr val="FFC000"/>
-                </a:solidFill>
-              </a:rPr>
+              <a:rPr lang="pt-BR" sz="2000" dirty="0" err="1" smtClean="0"/>
               <a:t>null</a:t>
             </a:r>
             <a:r>
-              <a:rPr lang="pt-BR" sz="2000" dirty="0" smtClean="0">
-                <a:solidFill>
-                  <a:srgbClr val="FFC000"/>
-                </a:solidFill>
-              </a:rPr>
+              <a:rPr lang="pt-BR" sz="2000" dirty="0" smtClean="0"/>
               <a:t>, “Olá!”);</a:t>
             </a:r>
           </a:p>
@@ -7655,11 +7479,7 @@
               </a:tabLst>
             </a:pPr>
             <a:r>
-              <a:rPr lang="pt-BR" sz="2000" dirty="0" smtClean="0">
-                <a:solidFill>
-                  <a:srgbClr val="FFC000"/>
-                </a:solidFill>
-              </a:rPr>
+              <a:rPr lang="pt-BR" sz="2000" dirty="0" smtClean="0"/>
               <a:t>			}</a:t>
             </a:r>
           </a:p>
@@ -7678,11 +7498,7 @@
               </a:tabLst>
             </a:pPr>
             <a:r>
-              <a:rPr lang="pt-BR" sz="2000" dirty="0" smtClean="0">
-                <a:solidFill>
-                  <a:srgbClr val="FFC000"/>
-                </a:solidFill>
-              </a:rPr>
+              <a:rPr lang="pt-BR" sz="2000" dirty="0" smtClean="0"/>
               <a:t>		} );</a:t>
             </a:r>
           </a:p>
@@ -7701,24 +7517,8 @@
               </a:tabLst>
             </a:pPr>
             <a:r>
-              <a:rPr lang="pt-BR" sz="2000" dirty="0" smtClean="0">
-                <a:solidFill>
-                  <a:srgbClr val="FFC000"/>
-                </a:solidFill>
-              </a:rPr>
+              <a:rPr lang="pt-BR" sz="2000" dirty="0" smtClean="0"/>
               <a:t>		</a:t>
-            </a:r>
-            <a:r>
-              <a:rPr lang="pt-BR" sz="2000" dirty="0" err="1" smtClean="0"/>
-              <a:t>pnlRaiz</a:t>
-            </a:r>
-            <a:r>
-              <a:rPr lang="pt-BR" sz="2000" dirty="0" smtClean="0">
-                <a:solidFill>
-                  <a:srgbClr val="FFC000"/>
-                </a:solidFill>
-              </a:rPr>
-              <a:t>.</a:t>
             </a:r>
             <a:r>
               <a:rPr lang="pt-BR" sz="2000" dirty="0" err="1" smtClean="0">
@@ -7726,30 +7526,26 @@
                   <a:srgbClr val="FFC000"/>
                 </a:solidFill>
               </a:rPr>
+              <a:t>pnlRaiz</a:t>
+            </a:r>
+            <a:r>
+              <a:rPr lang="pt-BR" sz="2000" dirty="0" smtClean="0"/>
+              <a:t>.</a:t>
+            </a:r>
+            <a:r>
+              <a:rPr lang="pt-BR" sz="2000" dirty="0" err="1" smtClean="0"/>
               <a:t>add</a:t>
             </a:r>
             <a:r>
-              <a:rPr lang="pt-BR" sz="2000" dirty="0" smtClean="0">
-                <a:solidFill>
-                  <a:srgbClr val="FFC000"/>
-                </a:solidFill>
-              </a:rPr>
+              <a:rPr lang="pt-BR" sz="2000" dirty="0" smtClean="0"/>
               <a:t>(</a:t>
             </a:r>
             <a:r>
-              <a:rPr lang="pt-BR" sz="2000" dirty="0" err="1" smtClean="0">
-                <a:solidFill>
-                  <a:srgbClr val="FFC000"/>
-                </a:solidFill>
-              </a:rPr>
+              <a:rPr lang="pt-BR" sz="2000" dirty="0" err="1" smtClean="0"/>
               <a:t>btnOk</a:t>
             </a:r>
             <a:r>
-              <a:rPr lang="pt-BR" sz="2000" dirty="0" smtClean="0">
-                <a:solidFill>
-                  <a:srgbClr val="FFC000"/>
-                </a:solidFill>
-              </a:rPr>
+              <a:rPr lang="pt-BR" sz="2000" dirty="0" smtClean="0"/>
               <a:t>);</a:t>
             </a:r>
           </a:p>
@@ -7768,11 +7564,7 @@
               </a:tabLst>
             </a:pPr>
             <a:r>
-              <a:rPr lang="pt-BR" sz="2000" dirty="0" smtClean="0">
-                <a:solidFill>
-                  <a:srgbClr val="FFC000"/>
-                </a:solidFill>
-              </a:rPr>
+              <a:rPr lang="pt-BR" sz="2000" dirty="0" smtClean="0"/>
               <a:t>	}</a:t>
             </a:r>
           </a:p>
@@ -7791,11 +7583,7 @@
               </a:tabLst>
             </a:pPr>
             <a:r>
-              <a:rPr lang="pt-BR" sz="2000" dirty="0" smtClean="0">
-                <a:solidFill>
-                  <a:srgbClr val="FFC000"/>
-                </a:solidFill>
-              </a:rPr>
+              <a:rPr lang="pt-BR" sz="2000" dirty="0" smtClean="0"/>
               <a:t>}</a:t>
             </a:r>
           </a:p>
@@ -8339,52 +8127,32 @@
               </a:tabLst>
             </a:pPr>
             <a:r>
+              <a:rPr lang="pt-BR" sz="1800" dirty="0" err="1" smtClean="0"/>
+              <a:t>public</a:t>
+            </a:r>
+            <a:r>
+              <a:rPr lang="pt-BR" sz="1800" dirty="0" smtClean="0"/>
+              <a:t> </a:t>
+            </a:r>
+            <a:r>
+              <a:rPr lang="pt-BR" sz="1800" dirty="0" err="1" smtClean="0"/>
+              <a:t>inteface</a:t>
+            </a:r>
+            <a:r>
+              <a:rPr lang="pt-BR" sz="1800" dirty="0" smtClean="0"/>
+              <a:t> </a:t>
+            </a:r>
+            <a:r>
               <a:rPr lang="pt-BR" sz="1800" dirty="0" err="1" smtClean="0">
                 <a:solidFill>
                   <a:srgbClr val="FFC000"/>
                 </a:solidFill>
               </a:rPr>
-              <a:t>public</a:t>
-            </a:r>
-            <a:r>
-              <a:rPr lang="pt-BR" sz="1800" dirty="0" smtClean="0">
-                <a:solidFill>
-                  <a:srgbClr val="FFC000"/>
-                </a:solidFill>
-              </a:rPr>
-              <a:t> </a:t>
-            </a:r>
-            <a:r>
-              <a:rPr lang="pt-BR" sz="1800" dirty="0" err="1" smtClean="0">
-                <a:solidFill>
-                  <a:srgbClr val="FFC000"/>
-                </a:solidFill>
-              </a:rPr>
-              <a:t>inteface</a:t>
-            </a:r>
-            <a:r>
-              <a:rPr lang="pt-BR" sz="1800" dirty="0" smtClean="0">
-                <a:solidFill>
-                  <a:srgbClr val="FFC000"/>
-                </a:solidFill>
-              </a:rPr>
-              <a:t> </a:t>
-            </a:r>
-            <a:r>
-              <a:rPr lang="pt-BR" sz="1800" dirty="0" err="1" smtClean="0"/>
               <a:t>InterfaceExemplo</a:t>
             </a:r>
             <a:r>
               <a:rPr lang="pt-BR" sz="1800" dirty="0" smtClean="0"/>
-              <a:t> </a:t>
-            </a:r>
-            <a:r>
-              <a:rPr lang="pt-BR" sz="1800" dirty="0" smtClean="0">
-                <a:solidFill>
-                  <a:srgbClr val="FFC000"/>
-                </a:solidFill>
-              </a:rPr>
-              <a:t>{</a:t>
+              <a:t> {</a:t>
             </a:r>
           </a:p>
           <a:p>
@@ -8401,55 +8169,35 @@
               </a:tabLst>
             </a:pPr>
             <a:r>
+              <a:rPr lang="pt-BR" sz="1800" dirty="0" smtClean="0"/>
+              <a:t>	</a:t>
+            </a:r>
+            <a:r>
+              <a:rPr lang="pt-BR" sz="1800" dirty="0" err="1" smtClean="0"/>
+              <a:t>public</a:t>
+            </a:r>
+            <a:r>
+              <a:rPr lang="pt-BR" sz="1800" dirty="0" smtClean="0"/>
+              <a:t> </a:t>
+            </a:r>
+            <a:r>
+              <a:rPr lang="pt-BR" sz="1800" dirty="0" err="1" smtClean="0"/>
+              <a:t>void</a:t>
+            </a:r>
+            <a:r>
+              <a:rPr lang="pt-BR" sz="1800" dirty="0" smtClean="0"/>
+              <a:t> </a:t>
+            </a:r>
+            <a:r>
               <a:rPr lang="pt-BR" sz="1800" dirty="0" smtClean="0">
                 <a:solidFill>
                   <a:srgbClr val="FFC000"/>
                 </a:solidFill>
               </a:rPr>
-              <a:t>	</a:t>
-            </a:r>
-            <a:r>
-              <a:rPr lang="pt-BR" sz="1800" dirty="0" err="1" smtClean="0">
-                <a:solidFill>
-                  <a:srgbClr val="FFC000"/>
-                </a:solidFill>
-              </a:rPr>
-              <a:t>public</a:t>
-            </a:r>
-            <a:r>
-              <a:rPr lang="pt-BR" sz="1800" dirty="0" smtClean="0">
-                <a:solidFill>
-                  <a:srgbClr val="FFC000"/>
-                </a:solidFill>
-              </a:rPr>
-              <a:t> </a:t>
-            </a:r>
-            <a:r>
-              <a:rPr lang="pt-BR" sz="1800" dirty="0" err="1" smtClean="0">
-                <a:solidFill>
-                  <a:srgbClr val="FFC000"/>
-                </a:solidFill>
-              </a:rPr>
-              <a:t>void</a:t>
-            </a:r>
-            <a:r>
-              <a:rPr lang="pt-BR" sz="1800" dirty="0" smtClean="0">
-                <a:solidFill>
-                  <a:srgbClr val="FFC000"/>
-                </a:solidFill>
-              </a:rPr>
-              <a:t> </a:t>
+              <a:t>metodo1()</a:t>
             </a:r>
             <a:r>
               <a:rPr lang="pt-BR" sz="1800" dirty="0" smtClean="0"/>
-              <a:t>metodo1()</a:t>
-            </a:r>
-            <a:r>
-              <a:rPr lang="pt-BR" sz="1800" dirty="0" smtClean="0">
-                <a:solidFill>
-                  <a:srgbClr val="FFC000"/>
-                </a:solidFill>
-              </a:rPr>
               <a:t>;</a:t>
             </a:r>
           </a:p>
@@ -8467,55 +8215,35 @@
               </a:tabLst>
             </a:pPr>
             <a:r>
+              <a:rPr lang="pt-BR" sz="1800" dirty="0" smtClean="0"/>
+              <a:t>	</a:t>
+            </a:r>
+            <a:r>
+              <a:rPr lang="pt-BR" sz="1800" dirty="0" err="1" smtClean="0"/>
+              <a:t>public</a:t>
+            </a:r>
+            <a:r>
+              <a:rPr lang="pt-BR" sz="1800" dirty="0" smtClean="0"/>
+              <a:t> </a:t>
+            </a:r>
+            <a:r>
+              <a:rPr lang="pt-BR" sz="1800" dirty="0" err="1" smtClean="0"/>
+              <a:t>void</a:t>
+            </a:r>
+            <a:r>
+              <a:rPr lang="pt-BR" sz="1800" dirty="0" smtClean="0"/>
+              <a:t> </a:t>
+            </a:r>
+            <a:r>
               <a:rPr lang="pt-BR" sz="1800" dirty="0" smtClean="0">
                 <a:solidFill>
                   <a:srgbClr val="FFC000"/>
                 </a:solidFill>
               </a:rPr>
-              <a:t>	</a:t>
-            </a:r>
-            <a:r>
-              <a:rPr lang="pt-BR" sz="1800" dirty="0" err="1" smtClean="0">
-                <a:solidFill>
-                  <a:srgbClr val="FFC000"/>
-                </a:solidFill>
-              </a:rPr>
-              <a:t>public</a:t>
-            </a:r>
-            <a:r>
-              <a:rPr lang="pt-BR" sz="1800" dirty="0" smtClean="0">
-                <a:solidFill>
-                  <a:srgbClr val="FFC000"/>
-                </a:solidFill>
-              </a:rPr>
-              <a:t> </a:t>
-            </a:r>
-            <a:r>
-              <a:rPr lang="pt-BR" sz="1800" dirty="0" err="1" smtClean="0">
-                <a:solidFill>
-                  <a:srgbClr val="FFC000"/>
-                </a:solidFill>
-              </a:rPr>
-              <a:t>void</a:t>
-            </a:r>
-            <a:r>
-              <a:rPr lang="pt-BR" sz="1800" dirty="0" smtClean="0">
-                <a:solidFill>
-                  <a:srgbClr val="FFC000"/>
-                </a:solidFill>
-              </a:rPr>
-              <a:t> </a:t>
+              <a:t>metodo2()</a:t>
             </a:r>
             <a:r>
               <a:rPr lang="pt-BR" sz="1800" dirty="0" smtClean="0"/>
-              <a:t>metodo2()</a:t>
-            </a:r>
-            <a:r>
-              <a:rPr lang="pt-BR" sz="1800" dirty="0" smtClean="0">
-                <a:solidFill>
-                  <a:srgbClr val="FFC000"/>
-                </a:solidFill>
-              </a:rPr>
               <a:t>;</a:t>
             </a:r>
           </a:p>
@@ -8534,11 +8262,7 @@
               </a:tabLst>
             </a:pPr>
             <a:r>
-              <a:rPr lang="pt-BR" sz="1800" dirty="0" smtClean="0">
-                <a:solidFill>
-                  <a:srgbClr val="FFC000"/>
-                </a:solidFill>
-              </a:rPr>
+              <a:rPr lang="pt-BR" sz="1800" dirty="0" smtClean="0"/>
               <a:t>}</a:t>
             </a:r>
           </a:p>
@@ -8556,11 +8280,7 @@
                 <a:tab pos="1887538" algn="l"/>
               </a:tabLst>
             </a:pPr>
-            <a:endParaRPr lang="pt-BR" sz="1800" dirty="0" smtClean="0">
-              <a:solidFill>
-                <a:srgbClr val="FFC000"/>
-              </a:solidFill>
-            </a:endParaRPr>
+            <a:endParaRPr lang="pt-BR" sz="1800" dirty="0" smtClean="0"/>
           </a:p>
           <a:p>
             <a:pPr marL="0" indent="0" eaLnBrk="1" hangingPunct="1">
@@ -8577,63 +8297,39 @@
               </a:tabLst>
             </a:pPr>
             <a:r>
+              <a:rPr lang="pt-BR" sz="1800" dirty="0" err="1" smtClean="0"/>
+              <a:t>InterfaceExemplo</a:t>
+            </a:r>
+            <a:r>
+              <a:rPr lang="pt-BR" sz="1800" dirty="0" smtClean="0"/>
+              <a:t> </a:t>
+            </a:r>
+            <a:r>
               <a:rPr lang="pt-BR" sz="1800" dirty="0" err="1" smtClean="0">
                 <a:solidFill>
                   <a:srgbClr val="FFC000"/>
                 </a:solidFill>
               </a:rPr>
+              <a:t>variavel</a:t>
+            </a:r>
+            <a:r>
+              <a:rPr lang="pt-BR" sz="1800" dirty="0" smtClean="0"/>
+              <a:t> = </a:t>
+            </a:r>
+            <a:r>
+              <a:rPr lang="pt-BR" sz="1800" dirty="0" err="1" smtClean="0"/>
+              <a:t>new</a:t>
+            </a:r>
+            <a:r>
+              <a:rPr lang="pt-BR" sz="1800" dirty="0" smtClean="0"/>
+              <a:t> </a:t>
+            </a:r>
+            <a:r>
+              <a:rPr lang="pt-BR" sz="1800" dirty="0" err="1" smtClean="0"/>
               <a:t>InterfaceExemplo</a:t>
             </a:r>
             <a:r>
-              <a:rPr lang="pt-BR" sz="1800" dirty="0" smtClean="0">
-                <a:solidFill>
-                  <a:srgbClr val="FFC000"/>
-                </a:solidFill>
-              </a:rPr>
-              <a:t> </a:t>
-            </a:r>
-            <a:r>
-              <a:rPr lang="pt-BR" sz="1800" dirty="0" err="1" smtClean="0"/>
-              <a:t>variavel</a:t>
-            </a:r>
-            <a:r>
-              <a:rPr lang="pt-BR" sz="1800" dirty="0" smtClean="0">
-                <a:solidFill>
-                  <a:srgbClr val="FFC000"/>
-                </a:solidFill>
-              </a:rPr>
-              <a:t> = </a:t>
-            </a:r>
-            <a:r>
-              <a:rPr lang="pt-BR" sz="1800" dirty="0" err="1" smtClean="0">
-                <a:solidFill>
-                  <a:srgbClr val="FFC000"/>
-                </a:solidFill>
-              </a:rPr>
-              <a:t>new</a:t>
-            </a:r>
-            <a:r>
-              <a:rPr lang="pt-BR" sz="1800" dirty="0" smtClean="0">
-                <a:solidFill>
-                  <a:srgbClr val="FFC000"/>
-                </a:solidFill>
-              </a:rPr>
-              <a:t> </a:t>
-            </a:r>
-            <a:r>
-              <a:rPr lang="pt-BR" sz="1800" dirty="0" err="1" smtClean="0">
-                <a:solidFill>
-                  <a:srgbClr val="FFC000"/>
-                </a:solidFill>
-              </a:rPr>
-              <a:t>InterfaceExemplo</a:t>
-            </a:r>
-            <a:r>
-              <a:rPr lang="pt-BR" sz="1800" dirty="0" smtClean="0">
-                <a:solidFill>
-                  <a:srgbClr val="FFC000"/>
-                </a:solidFill>
-              </a:rPr>
+              <a:rPr lang="pt-BR" sz="1800" dirty="0" smtClean="0"/>
               <a:t>() {</a:t>
             </a:r>
           </a:p>
@@ -8651,55 +8347,35 @@
               </a:tabLst>
             </a:pPr>
             <a:r>
+              <a:rPr lang="pt-BR" sz="1800" dirty="0" smtClean="0"/>
+              <a:t>	</a:t>
+            </a:r>
+            <a:r>
+              <a:rPr lang="pt-BR" sz="1800" dirty="0" err="1" smtClean="0"/>
+              <a:t>public</a:t>
+            </a:r>
+            <a:r>
+              <a:rPr lang="pt-BR" sz="1800" dirty="0" smtClean="0"/>
+              <a:t> </a:t>
+            </a:r>
+            <a:r>
+              <a:rPr lang="pt-BR" sz="1800" dirty="0" err="1" smtClean="0"/>
+              <a:t>void</a:t>
+            </a:r>
+            <a:r>
+              <a:rPr lang="pt-BR" sz="1800" dirty="0" smtClean="0"/>
+              <a:t> </a:t>
+            </a:r>
+            <a:r>
               <a:rPr lang="pt-BR" sz="1800" dirty="0" smtClean="0">
                 <a:solidFill>
                   <a:srgbClr val="FFC000"/>
                 </a:solidFill>
               </a:rPr>
-              <a:t>	</a:t>
-            </a:r>
-            <a:r>
-              <a:rPr lang="pt-BR" sz="1800" dirty="0" err="1" smtClean="0">
-                <a:solidFill>
-                  <a:srgbClr val="FFC000"/>
-                </a:solidFill>
-              </a:rPr>
-              <a:t>public</a:t>
-            </a:r>
-            <a:r>
-              <a:rPr lang="pt-BR" sz="1800" dirty="0" smtClean="0">
-                <a:solidFill>
-                  <a:srgbClr val="FFC000"/>
-                </a:solidFill>
-              </a:rPr>
-              <a:t> </a:t>
-            </a:r>
-            <a:r>
-              <a:rPr lang="pt-BR" sz="1800" dirty="0" err="1" smtClean="0">
-                <a:solidFill>
-                  <a:srgbClr val="FFC000"/>
-                </a:solidFill>
-              </a:rPr>
-              <a:t>void</a:t>
-            </a:r>
-            <a:r>
-              <a:rPr lang="pt-BR" sz="1800" dirty="0" smtClean="0">
-                <a:solidFill>
-                  <a:srgbClr val="FFC000"/>
-                </a:solidFill>
-              </a:rPr>
-              <a:t> </a:t>
+              <a:t>metodo1()</a:t>
             </a:r>
             <a:r>
               <a:rPr lang="pt-BR" sz="1800" dirty="0" smtClean="0"/>
-              <a:t>metodo1()</a:t>
-            </a:r>
-            <a:r>
-              <a:rPr lang="pt-BR" sz="1800" dirty="0" smtClean="0">
-                <a:solidFill>
-                  <a:srgbClr val="FFC000"/>
-                </a:solidFill>
-              </a:rPr>
               <a:t> {</a:t>
             </a:r>
           </a:p>
@@ -8717,11 +8393,7 @@
               </a:tabLst>
             </a:pPr>
             <a:r>
-              <a:rPr lang="pt-BR" sz="1800" dirty="0" smtClean="0">
-                <a:solidFill>
-                  <a:srgbClr val="FFC000"/>
-                </a:solidFill>
-              </a:rPr>
+              <a:rPr lang="pt-BR" sz="1800" dirty="0" smtClean="0"/>
               <a:t>		.....</a:t>
             </a:r>
           </a:p>
@@ -8739,11 +8411,7 @@
               </a:tabLst>
             </a:pPr>
             <a:r>
-              <a:rPr lang="pt-BR" sz="1800" dirty="0" smtClean="0">
-                <a:solidFill>
-                  <a:srgbClr val="FFC000"/>
-                </a:solidFill>
-              </a:rPr>
+              <a:rPr lang="pt-BR" sz="1800" dirty="0" smtClean="0"/>
               <a:t>	}</a:t>
             </a:r>
           </a:p>
@@ -8761,55 +8429,35 @@
               </a:tabLst>
             </a:pPr>
             <a:r>
+              <a:rPr lang="pt-BR" sz="1800" dirty="0" smtClean="0"/>
+              <a:t>	</a:t>
+            </a:r>
+            <a:r>
+              <a:rPr lang="pt-BR" sz="1800" dirty="0" err="1" smtClean="0"/>
+              <a:t>public</a:t>
+            </a:r>
+            <a:r>
+              <a:rPr lang="pt-BR" sz="1800" dirty="0" smtClean="0"/>
+              <a:t> </a:t>
+            </a:r>
+            <a:r>
+              <a:rPr lang="pt-BR" sz="1800" dirty="0" err="1" smtClean="0"/>
+              <a:t>void</a:t>
+            </a:r>
+            <a:r>
+              <a:rPr lang="pt-BR" sz="1800" dirty="0" smtClean="0"/>
+              <a:t> </a:t>
+            </a:r>
+            <a:r>
               <a:rPr lang="pt-BR" sz="1800" dirty="0" smtClean="0">
                 <a:solidFill>
                   <a:srgbClr val="FFC000"/>
                 </a:solidFill>
               </a:rPr>
-              <a:t>	</a:t>
-            </a:r>
-            <a:r>
-              <a:rPr lang="pt-BR" sz="1800" dirty="0" err="1" smtClean="0">
-                <a:solidFill>
-                  <a:srgbClr val="FFC000"/>
-                </a:solidFill>
-              </a:rPr>
-              <a:t>public</a:t>
-            </a:r>
-            <a:r>
-              <a:rPr lang="pt-BR" sz="1800" dirty="0" smtClean="0">
-                <a:solidFill>
-                  <a:srgbClr val="FFC000"/>
-                </a:solidFill>
-              </a:rPr>
-              <a:t> </a:t>
-            </a:r>
-            <a:r>
-              <a:rPr lang="pt-BR" sz="1800" dirty="0" err="1" smtClean="0">
-                <a:solidFill>
-                  <a:srgbClr val="FFC000"/>
-                </a:solidFill>
-              </a:rPr>
-              <a:t>void</a:t>
-            </a:r>
-            <a:r>
-              <a:rPr lang="pt-BR" sz="1800" dirty="0" smtClean="0">
-                <a:solidFill>
-                  <a:srgbClr val="FFC000"/>
-                </a:solidFill>
-              </a:rPr>
-              <a:t> </a:t>
+              <a:t>metodo2()</a:t>
             </a:r>
             <a:r>
               <a:rPr lang="pt-BR" sz="1800" dirty="0" smtClean="0"/>
-              <a:t>metodo2()</a:t>
-            </a:r>
-            <a:r>
-              <a:rPr lang="pt-BR" sz="1800" dirty="0" smtClean="0">
-                <a:solidFill>
-                  <a:srgbClr val="FFC000"/>
-                </a:solidFill>
-              </a:rPr>
               <a:t> {</a:t>
             </a:r>
           </a:p>
@@ -8827,11 +8475,7 @@
               </a:tabLst>
             </a:pPr>
             <a:r>
-              <a:rPr lang="pt-BR" sz="1800" dirty="0" smtClean="0">
-                <a:solidFill>
-                  <a:srgbClr val="FFC000"/>
-                </a:solidFill>
-              </a:rPr>
+              <a:rPr lang="pt-BR" sz="1800" dirty="0" smtClean="0"/>
               <a:t>		.....</a:t>
             </a:r>
           </a:p>
@@ -8849,11 +8493,7 @@
               </a:tabLst>
             </a:pPr>
             <a:r>
-              <a:rPr lang="pt-BR" sz="1800" dirty="0" smtClean="0">
-                <a:solidFill>
-                  <a:srgbClr val="FFC000"/>
-                </a:solidFill>
-              </a:rPr>
+              <a:rPr lang="pt-BR" sz="1800" dirty="0" smtClean="0"/>
               <a:t>	}</a:t>
             </a:r>
           </a:p>
@@ -8872,11 +8512,7 @@
               </a:tabLst>
             </a:pPr>
             <a:r>
-              <a:rPr lang="pt-BR" sz="1800" dirty="0" smtClean="0">
-                <a:solidFill>
-                  <a:srgbClr val="FFC000"/>
-                </a:solidFill>
-              </a:rPr>
+              <a:rPr lang="pt-BR" sz="1800" dirty="0" smtClean="0"/>
               <a:t>};</a:t>
             </a:r>
           </a:p>
@@ -8894,11 +8530,7 @@
                 <a:tab pos="1887538" algn="l"/>
               </a:tabLst>
             </a:pPr>
-            <a:endParaRPr lang="pt-BR" sz="1800" dirty="0" smtClean="0">
-              <a:solidFill>
-                <a:srgbClr val="FFC000"/>
-              </a:solidFill>
-            </a:endParaRPr>
+            <a:endParaRPr lang="pt-BR" sz="1800" dirty="0" smtClean="0"/>
           </a:p>
           <a:p>
             <a:pPr marL="0" indent="0" eaLnBrk="1" hangingPunct="1">
@@ -8915,12 +8547,12 @@
               </a:tabLst>
             </a:pPr>
             <a:r>
-              <a:rPr lang="pt-BR" sz="1800" dirty="0" err="1" smtClean="0"/>
+              <a:rPr lang="pt-BR" sz="1800" dirty="0" err="1" smtClean="0">
+                <a:solidFill>
+                  <a:srgbClr val="FFC000"/>
+                </a:solidFill>
+              </a:rPr>
               <a:t>variavel</a:t>
-            </a:r>
-            <a:r>
-              <a:rPr lang="pt-BR" sz="1800" dirty="0" smtClean="0"/>
-              <a:t>.metodo1()</a:t>
             </a:r>
             <a:r>
               <a:rPr lang="pt-BR" sz="1800" dirty="0" smtClean="0">
@@ -8928,6 +8560,10 @@
                   <a:srgbClr val="FFC000"/>
                 </a:solidFill>
               </a:rPr>
+              <a:t>.metodo1()</a:t>
+            </a:r>
+            <a:r>
+              <a:rPr lang="pt-BR" sz="1800" dirty="0" smtClean="0"/>
               <a:t>;</a:t>
             </a:r>
           </a:p>
@@ -8946,12 +8582,12 @@
               </a:tabLst>
             </a:pPr>
             <a:r>
-              <a:rPr lang="pt-BR" sz="1800" dirty="0" err="1" smtClean="0"/>
+              <a:rPr lang="pt-BR" sz="1800" dirty="0" err="1" smtClean="0">
+                <a:solidFill>
+                  <a:srgbClr val="FFC000"/>
+                </a:solidFill>
+              </a:rPr>
               <a:t>variavel</a:t>
-            </a:r>
-            <a:r>
-              <a:rPr lang="pt-BR" sz="1800" dirty="0" smtClean="0"/>
-              <a:t>.metodo2()</a:t>
             </a:r>
             <a:r>
               <a:rPr lang="pt-BR" sz="1800" dirty="0" smtClean="0">
@@ -8959,6 +8595,10 @@
                   <a:srgbClr val="FFC000"/>
                 </a:solidFill>
               </a:rPr>
+              <a:t>.metodo2()</a:t>
+            </a:r>
+            <a:r>
+              <a:rPr lang="pt-BR" sz="1800" dirty="0" smtClean="0"/>
               <a:t>;</a:t>
             </a:r>
           </a:p>
@@ -9108,24 +8748,78 @@
               <a:buNone/>
             </a:pPr>
             <a:r>
-              <a:rPr lang="pt-BR" sz="2000" smtClean="0">
+              <a:rPr lang="pt-BR" sz="2000" dirty="0" err="1" smtClean="0"/>
+              <a:t>public</a:t>
+            </a:r>
+            <a:r>
+              <a:rPr lang="pt-BR" sz="2000" dirty="0" smtClean="0"/>
+              <a:t> </a:t>
+            </a:r>
+            <a:r>
+              <a:rPr lang="pt-BR" sz="2000" dirty="0" err="1" smtClean="0"/>
+              <a:t>class</a:t>
+            </a:r>
+            <a:r>
+              <a:rPr lang="pt-BR" sz="2000" dirty="0" smtClean="0"/>
+              <a:t> </a:t>
+            </a:r>
+            <a:r>
+              <a:rPr lang="pt-BR" sz="2000" dirty="0" err="1" smtClean="0">
                 <a:solidFill>
                   <a:srgbClr val="FFC000"/>
                 </a:solidFill>
               </a:rPr>
-              <a:t>public class </a:t>
-            </a:r>
-            <a:r>
-              <a:rPr lang="pt-BR" sz="2000" smtClean="0"/>
               <a:t>ClasseExterna</a:t>
             </a:r>
             <a:r>
-              <a:rPr lang="pt-BR" sz="2000" smtClean="0">
+              <a:rPr lang="pt-BR" sz="2000" dirty="0" smtClean="0"/>
+              <a:t> {</a:t>
+            </a:r>
+          </a:p>
+          <a:p>
+            <a:pPr marL="0" indent="0" eaLnBrk="1" hangingPunct="1">
+              <a:buFont typeface="Wingdings 2" pitchFamily="18" charset="2"/>
+              <a:buNone/>
+            </a:pPr>
+            <a:r>
+              <a:rPr lang="pt-BR" sz="2000" dirty="0" smtClean="0"/>
+              <a:t>	</a:t>
+            </a:r>
+            <a:r>
+              <a:rPr lang="pt-BR" sz="2000" dirty="0" err="1" smtClean="0"/>
+              <a:t>public</a:t>
+            </a:r>
+            <a:r>
+              <a:rPr lang="pt-BR" sz="2000" dirty="0" smtClean="0"/>
+              <a:t> </a:t>
+            </a:r>
+            <a:r>
+              <a:rPr lang="pt-BR" sz="2000" b="1" u="sng" dirty="0" err="1" smtClean="0"/>
+              <a:t>static</a:t>
+            </a:r>
+            <a:r>
+              <a:rPr lang="pt-BR" sz="2000" dirty="0" smtClean="0"/>
+              <a:t> </a:t>
+            </a:r>
+            <a:r>
+              <a:rPr lang="pt-BR" sz="2000" dirty="0" err="1" smtClean="0"/>
+              <a:t>int</a:t>
+            </a:r>
+            <a:r>
+              <a:rPr lang="pt-BR" sz="2000" dirty="0" smtClean="0"/>
+              <a:t> </a:t>
+            </a:r>
+            <a:r>
+              <a:rPr lang="pt-BR" sz="2000" dirty="0" smtClean="0">
                 <a:solidFill>
                   <a:srgbClr val="FFC000"/>
                 </a:solidFill>
               </a:rPr>
-              <a:t> {</a:t>
+              <a:t>valor</a:t>
+            </a:r>
+            <a:r>
+              <a:rPr lang="pt-BR" sz="2000" dirty="0" smtClean="0"/>
+              <a:t> = 10;</a:t>
             </a:r>
           </a:p>
           <a:p>
@@ -9133,41 +8827,193 @@
               <a:buFont typeface="Wingdings 2" pitchFamily="18" charset="2"/>
               <a:buNone/>
             </a:pPr>
-            <a:r>
-              <a:rPr lang="pt-BR" sz="2000" smtClean="0">
+            <a:endParaRPr lang="pt-BR" sz="2000" dirty="0" smtClean="0"/>
+          </a:p>
+          <a:p>
+            <a:pPr marL="0" indent="0" eaLnBrk="1" hangingPunct="1">
+              <a:buFont typeface="Wingdings 2" pitchFamily="18" charset="2"/>
+              <a:buNone/>
+            </a:pPr>
+            <a:r>
+              <a:rPr lang="pt-BR" sz="2000" dirty="0" smtClean="0"/>
+              <a:t>	</a:t>
+            </a:r>
+            <a:r>
+              <a:rPr lang="pt-BR" sz="2000" dirty="0" err="1" smtClean="0"/>
+              <a:t>public</a:t>
+            </a:r>
+            <a:r>
+              <a:rPr lang="pt-BR" sz="2000" dirty="0" smtClean="0"/>
+              <a:t> </a:t>
+            </a:r>
+            <a:r>
+              <a:rPr lang="pt-BR" sz="2000" b="1" u="sng" dirty="0" err="1" smtClean="0"/>
+              <a:t>static</a:t>
+            </a:r>
+            <a:r>
+              <a:rPr lang="pt-BR" sz="2000" dirty="0" smtClean="0"/>
+              <a:t> </a:t>
+            </a:r>
+            <a:r>
+              <a:rPr lang="pt-BR" sz="2000" dirty="0" err="1" smtClean="0"/>
+              <a:t>void</a:t>
+            </a:r>
+            <a:r>
+              <a:rPr lang="pt-BR" sz="2000" dirty="0" smtClean="0"/>
+              <a:t> </a:t>
+            </a:r>
+            <a:r>
+              <a:rPr lang="pt-BR" sz="2000" dirty="0" err="1" smtClean="0">
                 <a:solidFill>
                   <a:srgbClr val="FFC000"/>
                 </a:solidFill>
               </a:rPr>
-              <a:t>	public </a:t>
-            </a:r>
-            <a:r>
-              <a:rPr lang="pt-BR" sz="2000" b="1" u="sng" smtClean="0">
+              <a:t>calculaValor</a:t>
+            </a:r>
+            <a:r>
+              <a:rPr lang="pt-BR" sz="2000" dirty="0" smtClean="0"/>
+              <a:t>() {</a:t>
+            </a:r>
+          </a:p>
+          <a:p>
+            <a:pPr marL="0" indent="0" eaLnBrk="1" hangingPunct="1">
+              <a:buFont typeface="Wingdings 2" pitchFamily="18" charset="2"/>
+              <a:buNone/>
+            </a:pPr>
+            <a:r>
+              <a:rPr lang="pt-BR" sz="2000" dirty="0" smtClean="0"/>
+              <a:t>		.......</a:t>
+            </a:r>
+          </a:p>
+          <a:p>
+            <a:pPr marL="0" indent="0" eaLnBrk="1" hangingPunct="1">
+              <a:buFont typeface="Wingdings 2" pitchFamily="18" charset="2"/>
+              <a:buNone/>
+            </a:pPr>
+            <a:r>
+              <a:rPr lang="pt-BR" sz="2000" dirty="0" smtClean="0"/>
+              <a:t>	}</a:t>
+            </a:r>
+          </a:p>
+          <a:p>
+            <a:pPr marL="0" indent="0" eaLnBrk="1" hangingPunct="1">
+              <a:buFont typeface="Wingdings 2" pitchFamily="18" charset="2"/>
+              <a:buNone/>
+            </a:pPr>
+            <a:endParaRPr lang="pt-BR" sz="2000" dirty="0" smtClean="0"/>
+          </a:p>
+          <a:p>
+            <a:pPr marL="0" indent="0" eaLnBrk="1" hangingPunct="1">
+              <a:buFont typeface="Wingdings 2" pitchFamily="18" charset="2"/>
+              <a:buNone/>
+            </a:pPr>
+            <a:r>
+              <a:rPr lang="pt-BR" sz="2000" dirty="0" smtClean="0"/>
+              <a:t>	</a:t>
+            </a:r>
+            <a:r>
+              <a:rPr lang="pt-BR" sz="2000" dirty="0" err="1" smtClean="0"/>
+              <a:t>public</a:t>
+            </a:r>
+            <a:r>
+              <a:rPr lang="pt-BR" sz="2000" dirty="0" smtClean="0"/>
+              <a:t> </a:t>
+            </a:r>
+            <a:r>
+              <a:rPr lang="pt-BR" sz="2000" b="1" u="sng" dirty="0" err="1" smtClean="0"/>
+              <a:t>static</a:t>
+            </a:r>
+            <a:r>
+              <a:rPr lang="pt-BR" sz="2000" dirty="0" smtClean="0"/>
+              <a:t> </a:t>
+            </a:r>
+            <a:r>
+              <a:rPr lang="pt-BR" sz="2000" dirty="0" err="1" smtClean="0"/>
+              <a:t>class</a:t>
+            </a:r>
+            <a:r>
+              <a:rPr lang="pt-BR" sz="2000" dirty="0" smtClean="0"/>
+              <a:t> </a:t>
+            </a:r>
+            <a:r>
+              <a:rPr lang="pt-BR" sz="2000" dirty="0" err="1" smtClean="0">
                 <a:solidFill>
                   <a:srgbClr val="FFC000"/>
                 </a:solidFill>
               </a:rPr>
-              <a:t>static</a:t>
-            </a:r>
-            <a:r>
-              <a:rPr lang="pt-BR" sz="2000" smtClean="0">
+              <a:t>ClasseInterna</a:t>
+            </a:r>
+            <a:r>
+              <a:rPr lang="pt-BR" sz="2000" dirty="0" smtClean="0"/>
+              <a:t> {</a:t>
+            </a:r>
+          </a:p>
+          <a:p>
+            <a:pPr marL="0" indent="0" eaLnBrk="1" hangingPunct="1">
+              <a:buFont typeface="Wingdings 2" pitchFamily="18" charset="2"/>
+              <a:buNone/>
+            </a:pPr>
+            <a:r>
+              <a:rPr lang="pt-BR" sz="2000" dirty="0" smtClean="0"/>
+              <a:t>		</a:t>
+            </a:r>
+            <a:r>
+              <a:rPr lang="pt-BR" sz="2000" dirty="0" err="1" smtClean="0"/>
+              <a:t>private</a:t>
+            </a:r>
+            <a:r>
+              <a:rPr lang="pt-BR" sz="2000" dirty="0" smtClean="0"/>
+              <a:t> String </a:t>
+            </a:r>
+            <a:r>
+              <a:rPr lang="pt-BR" sz="2000" dirty="0" err="1" smtClean="0">
                 <a:solidFill>
                   <a:srgbClr val="FFC000"/>
                 </a:solidFill>
               </a:rPr>
-              <a:t> int </a:t>
-            </a:r>
-            <a:r>
-              <a:rPr lang="pt-BR" sz="2000" smtClean="0"/>
-              <a:t>valor</a:t>
-            </a:r>
-            <a:r>
-              <a:rPr lang="pt-BR" sz="2000" smtClean="0">
+              <a:t>temp</a:t>
+            </a:r>
+            <a:r>
+              <a:rPr lang="pt-BR" sz="2000" dirty="0" smtClean="0"/>
+              <a:t>;</a:t>
+            </a:r>
+          </a:p>
+          <a:p>
+            <a:pPr marL="0" indent="0" eaLnBrk="1" hangingPunct="1">
+              <a:buFont typeface="Wingdings 2" pitchFamily="18" charset="2"/>
+              <a:buNone/>
+            </a:pPr>
+            <a:r>
+              <a:rPr lang="pt-BR" sz="2000" dirty="0" smtClean="0"/>
+              <a:t>		</a:t>
+            </a:r>
+            <a:r>
+              <a:rPr lang="pt-BR" sz="2000" dirty="0" err="1" smtClean="0"/>
+              <a:t>public</a:t>
+            </a:r>
+            <a:r>
+              <a:rPr lang="pt-BR" sz="2000" dirty="0" smtClean="0"/>
+              <a:t> </a:t>
+            </a:r>
+            <a:r>
+              <a:rPr lang="pt-BR" sz="2000" dirty="0" err="1" smtClean="0"/>
+              <a:t>void</a:t>
+            </a:r>
+            <a:r>
+              <a:rPr lang="pt-BR" sz="2000" dirty="0" smtClean="0"/>
+              <a:t> </a:t>
+            </a:r>
+            <a:r>
+              <a:rPr lang="pt-BR" sz="2000" dirty="0" err="1" smtClean="0">
                 <a:solidFill>
                   <a:srgbClr val="FFC000"/>
                 </a:solidFill>
               </a:rPr>
-              <a:t> = 10;</a:t>
+              <a:t>calcTemp</a:t>
+            </a:r>
+            <a:r>
+              <a:rPr lang="pt-BR" sz="2000" dirty="0" smtClean="0"/>
+              <a:t>() {</a:t>
             </a:r>
           </a:p>
           <a:p>
@@ -9175,11 +9021,10 @@
               <a:buFont typeface="Wingdings 2" pitchFamily="18" charset="2"/>
               <a:buNone/>
             </a:pPr>
-            <a:endParaRPr lang="pt-BR" sz="2000" smtClean="0">
-              <a:solidFill>
-                <a:srgbClr val="FFC000"/>
-              </a:solidFill>
-            </a:endParaRPr>
+            <a:r>
+              <a:rPr lang="pt-BR" sz="2000" dirty="0" smtClean="0"/>
+              <a:t>			...</a:t>
+            </a:r>
           </a:p>
           <a:p>
             <a:pPr marL="0" indent="0" eaLnBrk="1" hangingPunct="1">
@@ -9187,40 +9032,8 @@
               <a:buNone/>
             </a:pPr>
             <a:r>
-              <a:rPr lang="pt-BR" sz="2000" smtClean="0">
-                <a:solidFill>
-                  <a:srgbClr val="FFC000"/>
-                </a:solidFill>
-              </a:rPr>
-              <a:t>	public </a:t>
-            </a:r>
-            <a:r>
-              <a:rPr lang="pt-BR" sz="2000" b="1" u="sng" smtClean="0">
-                <a:solidFill>
-                  <a:srgbClr val="FFC000"/>
-                </a:solidFill>
-              </a:rPr>
-              <a:t>static</a:t>
-            </a:r>
-            <a:r>
-              <a:rPr lang="pt-BR" sz="2000" smtClean="0">
-                <a:solidFill>
-                  <a:srgbClr val="FFC000"/>
-                </a:solidFill>
-              </a:rPr>
-              <a:t> void </a:t>
-            </a:r>
-            <a:r>
-              <a:rPr lang="pt-BR" sz="2000" smtClean="0"/>
-              <a:t>calculaValor</a:t>
-            </a:r>
-            <a:r>
-              <a:rPr lang="pt-BR" sz="2000" smtClean="0">
-                <a:solidFill>
-                  <a:srgbClr val="FFC000"/>
-                </a:solidFill>
-              </a:rPr>
-              <a:t>() {</a:t>
+              <a:rPr lang="pt-BR" sz="2000" dirty="0" smtClean="0"/>
+              <a:t>		}</a:t>
             </a:r>
           </a:p>
           <a:p>
@@ -9229,12 +9042,8 @@
               <a:buNone/>
             </a:pPr>
             <a:r>
-              <a:rPr lang="pt-BR" sz="2000" smtClean="0">
-                <a:solidFill>
-                  <a:srgbClr val="FFC000"/>
-                </a:solidFill>
-              </a:rPr>
-              <a:t>		.......</a:t>
+              <a:rPr lang="pt-BR" sz="2000" dirty="0" smtClean="0"/>
+              <a:t>	}</a:t>
             </a:r>
           </a:p>
           <a:p>
@@ -9243,172 +9052,7 @@
               <a:buNone/>
             </a:pPr>
             <a:r>
-              <a:rPr lang="pt-BR" sz="2000" smtClean="0">
-                <a:solidFill>
-                  <a:srgbClr val="FFC000"/>
-                </a:solidFill>
-              </a:rPr>
-              <a:t>	}</a:t>
-            </a:r>
-          </a:p>
-          <a:p>
-            <a:pPr marL="0" indent="0" eaLnBrk="1" hangingPunct="1">
-              <a:buFont typeface="Wingdings 2" pitchFamily="18" charset="2"/>
-              <a:buNone/>
-            </a:pPr>
-            <a:endParaRPr lang="pt-BR" sz="2000" smtClean="0">
-              <a:solidFill>
-                <a:srgbClr val="FFC000"/>
-              </a:solidFill>
-            </a:endParaRPr>
-          </a:p>
-          <a:p>
-            <a:pPr marL="0" indent="0" eaLnBrk="1" hangingPunct="1">
-              <a:buFont typeface="Wingdings 2" pitchFamily="18" charset="2"/>
-              <a:buNone/>
-            </a:pPr>
-            <a:r>
-              <a:rPr lang="pt-BR" sz="2000" smtClean="0">
-                <a:solidFill>
-                  <a:srgbClr val="FFC000"/>
-                </a:solidFill>
-              </a:rPr>
-              <a:t>	public </a:t>
-            </a:r>
-            <a:r>
-              <a:rPr lang="pt-BR" sz="2000" b="1" u="sng" smtClean="0">
-                <a:solidFill>
-                  <a:srgbClr val="FFC000"/>
-                </a:solidFill>
-              </a:rPr>
-              <a:t>static</a:t>
-            </a:r>
-            <a:r>
-              <a:rPr lang="pt-BR" sz="2000" smtClean="0">
-                <a:solidFill>
-                  <a:srgbClr val="FFC000"/>
-                </a:solidFill>
-              </a:rPr>
-              <a:t> class </a:t>
-            </a:r>
-            <a:r>
-              <a:rPr lang="pt-BR" sz="2000" smtClean="0"/>
-              <a:t>ClasseInterna</a:t>
-            </a:r>
-            <a:r>
-              <a:rPr lang="pt-BR" sz="2000" smtClean="0">
-                <a:solidFill>
-                  <a:srgbClr val="FFC000"/>
-                </a:solidFill>
-              </a:rPr>
-              <a:t> {</a:t>
-            </a:r>
-          </a:p>
-          <a:p>
-            <a:pPr marL="0" indent="0" eaLnBrk="1" hangingPunct="1">
-              <a:buFont typeface="Wingdings 2" pitchFamily="18" charset="2"/>
-              <a:buNone/>
-            </a:pPr>
-            <a:r>
-              <a:rPr lang="pt-BR" sz="2000" smtClean="0">
-                <a:solidFill>
-                  <a:srgbClr val="FFC000"/>
-                </a:solidFill>
-              </a:rPr>
-              <a:t>		private String </a:t>
-            </a:r>
-            <a:r>
-              <a:rPr lang="pt-BR" sz="2000" smtClean="0"/>
-              <a:t>temp</a:t>
-            </a:r>
-            <a:r>
-              <a:rPr lang="pt-BR" sz="2000" smtClean="0">
-                <a:solidFill>
-                  <a:srgbClr val="FFC000"/>
-                </a:solidFill>
-              </a:rPr>
-              <a:t>;</a:t>
-            </a:r>
-          </a:p>
-          <a:p>
-            <a:pPr marL="0" indent="0" eaLnBrk="1" hangingPunct="1">
-              <a:buFont typeface="Wingdings 2" pitchFamily="18" charset="2"/>
-              <a:buNone/>
-            </a:pPr>
-            <a:r>
-              <a:rPr lang="pt-BR" sz="2000" smtClean="0">
-                <a:solidFill>
-                  <a:srgbClr val="FFC000"/>
-                </a:solidFill>
-              </a:rPr>
-              <a:t>		public void </a:t>
-            </a:r>
-            <a:r>
-              <a:rPr lang="pt-BR" sz="2000" smtClean="0"/>
-              <a:t>calcTemp</a:t>
-            </a:r>
-            <a:r>
-              <a:rPr lang="pt-BR" sz="2000" smtClean="0">
-                <a:solidFill>
-                  <a:srgbClr val="FFC000"/>
-                </a:solidFill>
-              </a:rPr>
-              <a:t>() {</a:t>
-            </a:r>
-          </a:p>
-          <a:p>
-            <a:pPr marL="0" indent="0" eaLnBrk="1" hangingPunct="1">
-              <a:buFont typeface="Wingdings 2" pitchFamily="18" charset="2"/>
-              <a:buNone/>
-            </a:pPr>
-            <a:r>
-              <a:rPr lang="pt-BR" sz="2000" smtClean="0">
-                <a:solidFill>
-                  <a:srgbClr val="FFC000"/>
-                </a:solidFill>
-              </a:rPr>
-              <a:t>			...</a:t>
-            </a:r>
-          </a:p>
-          <a:p>
-            <a:pPr marL="0" indent="0" eaLnBrk="1" hangingPunct="1">
-              <a:buFont typeface="Wingdings 2" pitchFamily="18" charset="2"/>
-              <a:buNone/>
-            </a:pPr>
-            <a:r>
-              <a:rPr lang="pt-BR" sz="2000" smtClean="0">
-                <a:solidFill>
-                  <a:srgbClr val="FFC000"/>
-                </a:solidFill>
-              </a:rPr>
-              <a:t>		}</a:t>
-            </a:r>
-          </a:p>
-          <a:p>
-            <a:pPr marL="0" indent="0" eaLnBrk="1" hangingPunct="1">
-              <a:buFont typeface="Wingdings 2" pitchFamily="18" charset="2"/>
-              <a:buNone/>
-            </a:pPr>
-            <a:r>
-              <a:rPr lang="pt-BR" sz="2000" smtClean="0">
-                <a:solidFill>
-                  <a:srgbClr val="FFC000"/>
-                </a:solidFill>
-              </a:rPr>
-              <a:t>	}</a:t>
-            </a:r>
-          </a:p>
-          <a:p>
-            <a:pPr marL="0" indent="0" eaLnBrk="1" hangingPunct="1">
-              <a:buFont typeface="Wingdings 2" pitchFamily="18" charset="2"/>
-              <a:buNone/>
-            </a:pPr>
-            <a:r>
-              <a:rPr lang="pt-BR" sz="2000" smtClean="0">
-                <a:solidFill>
-                  <a:srgbClr val="FFC000"/>
-                </a:solidFill>
-              </a:rPr>
+              <a:rPr lang="pt-BR" sz="2000" dirty="0" smtClean="0"/>
               <a:t>}</a:t>
             </a:r>
           </a:p>
@@ -10441,12 +10085,12 @@
           <a:lstStyle/>
           <a:p>
             <a:r>
-              <a:rPr lang="pt-BR" smtClean="0"/>
+              <a:rPr lang="pt-BR" dirty="0" smtClean="0"/>
               <a:t>Na aplicação principal...</a:t>
             </a:r>
           </a:p>
           <a:p>
-            <a:endParaRPr lang="pt-BR" smtClean="0"/>
+            <a:endParaRPr lang="pt-BR" dirty="0" smtClean="0"/>
           </a:p>
           <a:p>
             <a:pPr lvl="1">
@@ -10457,20 +10101,60 @@
               <a:buNone/>
             </a:pPr>
             <a:r>
-              <a:rPr lang="pt-BR" sz="2400" smtClean="0"/>
-              <a:t>ClasseExterna </a:t>
-            </a:r>
-            <a:r>
-              <a:rPr lang="pt-BR" sz="2400" smtClean="0">
+              <a:rPr lang="pt-BR" sz="2400" dirty="0" err="1" smtClean="0">
                 <a:solidFill>
                   <a:srgbClr val="FFC000"/>
                 </a:solidFill>
               </a:rPr>
+              <a:t>ClasseExterna</a:t>
+            </a:r>
+            <a:r>
+              <a:rPr lang="pt-BR" sz="2400" dirty="0" smtClean="0"/>
+              <a:t> </a:t>
+            </a:r>
+            <a:r>
+              <a:rPr lang="pt-BR" sz="2400" dirty="0" err="1" smtClean="0"/>
               <a:t>objExt</a:t>
             </a:r>
             <a:r>
-              <a:rPr lang="pt-BR" sz="2400" smtClean="0"/>
-              <a:t> = new ClasseExterna();</a:t>
+              <a:rPr lang="pt-BR" sz="2400" dirty="0" smtClean="0"/>
+              <a:t> = </a:t>
+            </a:r>
+            <a:r>
+              <a:rPr lang="pt-BR" sz="2400" dirty="0" err="1" smtClean="0">
+                <a:solidFill>
+                  <a:srgbClr val="FFC000"/>
+                </a:solidFill>
+              </a:rPr>
+              <a:t>new</a:t>
+            </a:r>
+            <a:r>
+              <a:rPr lang="pt-BR" sz="2400" dirty="0" smtClean="0">
+                <a:solidFill>
+                  <a:srgbClr val="FFC000"/>
+                </a:solidFill>
+              </a:rPr>
+              <a:t> </a:t>
+            </a:r>
+            <a:r>
+              <a:rPr lang="pt-BR" sz="2400" dirty="0" err="1" smtClean="0">
+                <a:solidFill>
+                  <a:srgbClr val="FFC000"/>
+                </a:solidFill>
+              </a:rPr>
+              <a:t>ClasseExterna</a:t>
+            </a:r>
+            <a:r>
+              <a:rPr lang="pt-BR" sz="2400" dirty="0" smtClean="0">
+                <a:solidFill>
+                  <a:srgbClr val="FFC000"/>
+                </a:solidFill>
+              </a:rPr>
+              <a:t>()</a:t>
+            </a:r>
+            <a:r>
+              <a:rPr lang="pt-BR" sz="2400" dirty="0" smtClean="0"/>
+              <a:t>;</a:t>
             </a:r>
           </a:p>
           <a:p>
@@ -10482,27 +10166,35 @@
               <a:buNone/>
             </a:pPr>
             <a:r>
-              <a:rPr lang="pt-BR" sz="2400" smtClean="0">
+              <a:rPr lang="pt-BR" sz="2400" dirty="0" smtClean="0"/>
+              <a:t>System.</a:t>
+            </a:r>
+            <a:r>
+              <a:rPr lang="pt-BR" sz="2400" dirty="0" err="1" smtClean="0"/>
+              <a:t>out.println</a:t>
+            </a:r>
+            <a:r>
+              <a:rPr lang="pt-BR" sz="2400" dirty="0" smtClean="0"/>
+              <a:t>(</a:t>
+            </a:r>
+            <a:r>
+              <a:rPr lang="pt-BR" sz="2400" u="sng" dirty="0" err="1" smtClean="0">
                 <a:solidFill>
                   <a:srgbClr val="FFC000"/>
                 </a:solidFill>
               </a:rPr>
-              <a:t>System.out.println(</a:t>
-            </a:r>
-            <a:r>
-              <a:rPr lang="pt-BR" sz="2400" u="sng" smtClean="0"/>
               <a:t>ClasseExterna</a:t>
             </a:r>
             <a:r>
-              <a:rPr lang="pt-BR" sz="2400" smtClean="0"/>
-              <a:t>.valor</a:t>
-            </a:r>
-            <a:r>
-              <a:rPr lang="pt-BR" sz="2400" smtClean="0">
+              <a:rPr lang="pt-BR" sz="2400" dirty="0" smtClean="0">
                 <a:solidFill>
                   <a:srgbClr val="FFC000"/>
                 </a:solidFill>
               </a:rPr>
+              <a:t>.valor</a:t>
+            </a:r>
+            <a:r>
+              <a:rPr lang="pt-BR" sz="2400" dirty="0" smtClean="0"/>
               <a:t>);</a:t>
             </a:r>
           </a:p>
@@ -10515,19 +10207,39 @@
               <a:buNone/>
             </a:pPr>
             <a:r>
-              <a:rPr lang="pt-BR" sz="2400" u="sng" smtClean="0"/>
-              <a:t>ClasseExterna</a:t>
-            </a:r>
-            <a:r>
-              <a:rPr lang="pt-BR" sz="2400" smtClean="0"/>
-              <a:t>.calculaValor()</a:t>
-            </a:r>
-            <a:r>
-              <a:rPr lang="pt-BR" sz="2400" smtClean="0">
+              <a:rPr lang="pt-BR" sz="2400" u="sng" dirty="0" err="1" smtClean="0">
                 <a:solidFill>
                   <a:srgbClr val="FFC000"/>
                 </a:solidFill>
               </a:rPr>
+              <a:t>ClasseExterna</a:t>
+            </a:r>
+            <a:r>
+              <a:rPr lang="pt-BR" sz="2400" dirty="0" smtClean="0">
+                <a:solidFill>
+                  <a:srgbClr val="FFC000"/>
+                </a:solidFill>
+              </a:rPr>
+              <a:t>.</a:t>
+            </a:r>
+            <a:r>
+              <a:rPr lang="pt-BR" sz="2400" dirty="0" err="1" smtClean="0">
+                <a:solidFill>
+                  <a:srgbClr val="FFC000"/>
+                </a:solidFill>
+              </a:rPr>
+              <a:t>calculaValor</a:t>
+            </a:r>
+            <a:r>
+              <a:rPr lang="pt-BR" sz="2400" dirty="0" smtClean="0">
+                <a:solidFill>
+                  <a:srgbClr val="FFC000"/>
+                </a:solidFill>
+              </a:rPr>
+              <a:t>()</a:t>
+            </a:r>
+            <a:r>
+              <a:rPr lang="pt-BR" sz="2400" dirty="0" smtClean="0"/>
               <a:t>;</a:t>
             </a:r>
           </a:p>
@@ -10540,23 +10252,31 @@
               <a:buNone/>
             </a:pPr>
             <a:r>
-              <a:rPr lang="pt-BR" sz="2400" smtClean="0">
+              <a:rPr lang="pt-BR" sz="2400" dirty="0" err="1" smtClean="0"/>
+              <a:t>ClasseExterna</a:t>
+            </a:r>
+            <a:r>
+              <a:rPr lang="pt-BR" sz="2400" dirty="0" smtClean="0"/>
+              <a:t>.</a:t>
+            </a:r>
+            <a:r>
+              <a:rPr lang="pt-BR" sz="2400" dirty="0" err="1" smtClean="0"/>
+              <a:t>ClasseInterna</a:t>
+            </a:r>
+            <a:r>
+              <a:rPr lang="pt-BR" sz="2400" dirty="0" smtClean="0"/>
+              <a:t> </a:t>
+            </a:r>
+            <a:r>
+              <a:rPr lang="pt-BR" sz="2400" dirty="0" err="1" smtClean="0">
                 <a:solidFill>
                   <a:srgbClr val="FFC000"/>
                 </a:solidFill>
               </a:rPr>
-              <a:t>ClasseExterna.ClasseInterna</a:t>
-            </a:r>
-            <a:r>
-              <a:rPr lang="pt-BR" sz="2400" smtClean="0"/>
-              <a:t> objInt</a:t>
-            </a:r>
-            <a:r>
-              <a:rPr lang="pt-BR" sz="2400" smtClean="0">
-                <a:solidFill>
-                  <a:srgbClr val="FFC000"/>
-                </a:solidFill>
-              </a:rPr>
+              <a:t>objInt</a:t>
+            </a:r>
+            <a:r>
+              <a:rPr lang="pt-BR" sz="2400" dirty="0" smtClean="0"/>
               <a:t>;</a:t>
             </a:r>
           </a:p>
@@ -10569,46 +10289,61 @@
               <a:buNone/>
             </a:pPr>
             <a:r>
-              <a:rPr lang="pt-BR" sz="2400" smtClean="0"/>
-              <a:t>objInt</a:t>
-            </a:r>
-            <a:r>
-              <a:rPr lang="pt-BR" sz="2400" smtClean="0">
+              <a:rPr lang="pt-BR" sz="2400" dirty="0" err="1" smtClean="0">
                 <a:solidFill>
                   <a:srgbClr val="FFC000"/>
                 </a:solidFill>
               </a:rPr>
+              <a:t>objInt</a:t>
+            </a:r>
+            <a:r>
+              <a:rPr lang="pt-BR" sz="2400" dirty="0" smtClean="0"/>
               <a:t> = </a:t>
             </a:r>
             <a:r>
-              <a:rPr lang="pt-BR" sz="2400" b="1" smtClean="0">
+              <a:rPr lang="pt-BR" sz="2400" b="1" dirty="0" err="1" smtClean="0"/>
+              <a:t>new</a:t>
+            </a:r>
+            <a:r>
+              <a:rPr lang="pt-BR" sz="2400" dirty="0" smtClean="0"/>
+              <a:t> </a:t>
+            </a:r>
+            <a:r>
+              <a:rPr lang="pt-BR" sz="2400" u="sng" dirty="0" err="1" smtClean="0">
                 <a:solidFill>
                   <a:srgbClr val="FFC000"/>
                 </a:solidFill>
               </a:rPr>
-              <a:t>new</a:t>
-            </a:r>
-            <a:r>
-              <a:rPr lang="pt-BR" sz="2400" smtClean="0"/>
-              <a:t> </a:t>
-            </a:r>
-            <a:r>
-              <a:rPr lang="pt-BR" sz="2400" u="sng" smtClean="0"/>
               <a:t>ClasseExterna</a:t>
             </a:r>
             <a:r>
-              <a:rPr lang="pt-BR" sz="2400" smtClean="0"/>
-              <a:t>.ClasseInterna()</a:t>
-            </a:r>
-            <a:r>
-              <a:rPr lang="pt-BR" sz="2400" smtClean="0">
+              <a:rPr lang="pt-BR" sz="2400" dirty="0" smtClean="0">
                 <a:solidFill>
                   <a:srgbClr val="FFC000"/>
                 </a:solidFill>
               </a:rPr>
+              <a:t>.</a:t>
+            </a:r>
+            <a:r>
+              <a:rPr lang="pt-BR" sz="2400" dirty="0" err="1" smtClean="0">
+                <a:solidFill>
+                  <a:srgbClr val="FFC000"/>
+                </a:solidFill>
+              </a:rPr>
+              <a:t>ClasseInterna</a:t>
+            </a:r>
+            <a:r>
+              <a:rPr lang="pt-BR" sz="2400" dirty="0" smtClean="0">
+                <a:solidFill>
+                  <a:srgbClr val="FFC000"/>
+                </a:solidFill>
+              </a:rPr>
+              <a:t>()</a:t>
+            </a:r>
+            <a:r>
+              <a:rPr lang="pt-BR" sz="2400" dirty="0" smtClean="0"/>
               <a:t>;</a:t>
             </a:r>
-            <a:endParaRPr lang="pt-BR" sz="2400" smtClean="0"/>
           </a:p>
         </p:txBody>
       </p:sp>
@@ -10666,7 +10401,7 @@
           <a:noFill/>
           <a:ln w="9525">
             <a:solidFill>
-              <a:srgbClr val="FFC000"/>
+              <a:schemeClr val="tx1"/>
             </a:solidFill>
             <a:miter lim="800000"/>
             <a:headEnd/>
@@ -13394,24 +13129,70 @@
               <a:buNone/>
             </a:pPr>
             <a:r>
-              <a:rPr lang="pt-BR" sz="2000" smtClean="0">
+              <a:rPr lang="pt-BR" sz="2000" dirty="0" err="1" smtClean="0"/>
+              <a:t>public</a:t>
+            </a:r>
+            <a:r>
+              <a:rPr lang="pt-BR" sz="2000" dirty="0" smtClean="0"/>
+              <a:t> </a:t>
+            </a:r>
+            <a:r>
+              <a:rPr lang="pt-BR" sz="2000" dirty="0" err="1" smtClean="0"/>
+              <a:t>class</a:t>
+            </a:r>
+            <a:r>
+              <a:rPr lang="pt-BR" sz="2000" dirty="0" smtClean="0"/>
+              <a:t> </a:t>
+            </a:r>
+            <a:r>
+              <a:rPr lang="pt-BR" sz="2000" dirty="0" err="1" smtClean="0">
                 <a:solidFill>
                   <a:srgbClr val="FFC000"/>
                 </a:solidFill>
               </a:rPr>
-              <a:t>public class </a:t>
-            </a:r>
-            <a:r>
-              <a:rPr lang="pt-BR" sz="2000" smtClean="0"/>
               <a:t>ClasseExterna</a:t>
             </a:r>
             <a:r>
-              <a:rPr lang="pt-BR" sz="2000" smtClean="0">
+              <a:rPr lang="pt-BR" sz="2000" dirty="0" smtClean="0"/>
+              <a:t> {</a:t>
+            </a:r>
+          </a:p>
+          <a:p>
+            <a:pPr marL="0" indent="0" eaLnBrk="1" hangingPunct="1">
+              <a:buFont typeface="Wingdings 2" pitchFamily="18" charset="2"/>
+              <a:buNone/>
+            </a:pPr>
+            <a:r>
+              <a:rPr lang="pt-BR" sz="2000" dirty="0" smtClean="0"/>
+              <a:t>	</a:t>
+            </a:r>
+            <a:r>
+              <a:rPr lang="pt-BR" sz="2000" dirty="0" err="1" smtClean="0"/>
+              <a:t>public</a:t>
+            </a:r>
+            <a:r>
+              <a:rPr lang="pt-BR" sz="2000" dirty="0" smtClean="0"/>
+              <a:t> </a:t>
+            </a:r>
+            <a:r>
+              <a:rPr lang="pt-BR" sz="2000" dirty="0" err="1" smtClean="0"/>
+              <a:t>int</a:t>
+            </a:r>
+            <a:r>
+              <a:rPr lang="pt-BR" sz="2000" dirty="0" smtClean="0"/>
+              <a:t> </a:t>
+            </a:r>
+            <a:r>
+              <a:rPr lang="pt-BR" sz="2000" dirty="0" smtClean="0">
                 <a:solidFill>
                   <a:srgbClr val="FFC000"/>
                 </a:solidFill>
               </a:rPr>
-              <a:t> {</a:t>
+              <a:t>valor</a:t>
+            </a:r>
+            <a:r>
+              <a:rPr lang="pt-BR" sz="2000" dirty="0" smtClean="0"/>
+              <a:t> = 10;</a:t>
             </a:r>
           </a:p>
           <a:p>
@@ -13419,25 +13200,109 @@
               <a:buFont typeface="Wingdings 2" pitchFamily="18" charset="2"/>
               <a:buNone/>
             </a:pPr>
-            <a:r>
-              <a:rPr lang="pt-BR" sz="2000" smtClean="0">
+            <a:endParaRPr lang="pt-BR" sz="2000" dirty="0" smtClean="0"/>
+          </a:p>
+          <a:p>
+            <a:pPr marL="0" indent="0" eaLnBrk="1" hangingPunct="1">
+              <a:buFont typeface="Wingdings 2" pitchFamily="18" charset="2"/>
+              <a:buNone/>
+            </a:pPr>
+            <a:r>
+              <a:rPr lang="pt-BR" sz="2000" dirty="0" smtClean="0"/>
+              <a:t>	</a:t>
+            </a:r>
+            <a:r>
+              <a:rPr lang="pt-BR" sz="2000" dirty="0" err="1" smtClean="0"/>
+              <a:t>public</a:t>
+            </a:r>
+            <a:r>
+              <a:rPr lang="pt-BR" sz="2000" dirty="0" smtClean="0"/>
+              <a:t> </a:t>
+            </a:r>
+            <a:r>
+              <a:rPr lang="pt-BR" sz="2000" dirty="0" err="1" smtClean="0"/>
+              <a:t>void</a:t>
+            </a:r>
+            <a:r>
+              <a:rPr lang="pt-BR" sz="2000" dirty="0" smtClean="0"/>
+              <a:t> </a:t>
+            </a:r>
+            <a:r>
+              <a:rPr lang="pt-BR" sz="2000" dirty="0" err="1" smtClean="0">
                 <a:solidFill>
                   <a:srgbClr val="FFC000"/>
                 </a:solidFill>
               </a:rPr>
-              <a:t>	public int </a:t>
-            </a:r>
-            <a:r>
-              <a:rPr lang="pt-BR" sz="2000" smtClean="0"/>
-              <a:t>valor</a:t>
-            </a:r>
-            <a:r>
-              <a:rPr lang="pt-BR" sz="2000" smtClean="0">
+              <a:t>calculaValor</a:t>
+            </a:r>
+            <a:r>
+              <a:rPr lang="pt-BR" sz="2000" dirty="0" smtClean="0"/>
+              <a:t>() {</a:t>
+            </a:r>
+          </a:p>
+          <a:p>
+            <a:pPr marL="0" indent="0" eaLnBrk="1" hangingPunct="1">
+              <a:buFont typeface="Wingdings 2" pitchFamily="18" charset="2"/>
+              <a:buNone/>
+            </a:pPr>
+            <a:r>
+              <a:rPr lang="pt-BR" sz="2000" dirty="0" smtClean="0"/>
+              <a:t>		.......</a:t>
+            </a:r>
+          </a:p>
+          <a:p>
+            <a:pPr marL="0" indent="0" eaLnBrk="1" hangingPunct="1">
+              <a:buFont typeface="Wingdings 2" pitchFamily="18" charset="2"/>
+              <a:buNone/>
+            </a:pPr>
+            <a:r>
+              <a:rPr lang="pt-BR" sz="2000" dirty="0" smtClean="0"/>
+              <a:t>	}</a:t>
+            </a:r>
+          </a:p>
+          <a:p>
+            <a:pPr marL="0" indent="0" eaLnBrk="1" hangingPunct="1">
+              <a:buFont typeface="Wingdings 2" pitchFamily="18" charset="2"/>
+              <a:buNone/>
+            </a:pPr>
+            <a:endParaRPr lang="pt-BR" sz="2000" dirty="0" smtClean="0"/>
+          </a:p>
+          <a:p>
+            <a:pPr marL="0" indent="0" eaLnBrk="1" hangingPunct="1">
+              <a:buFont typeface="Wingdings 2" pitchFamily="18" charset="2"/>
+              <a:buNone/>
+            </a:pPr>
+            <a:r>
+              <a:rPr lang="pt-BR" sz="2000" dirty="0" smtClean="0"/>
+              <a:t>	</a:t>
+            </a:r>
+            <a:r>
+              <a:rPr lang="pt-BR" sz="2000" dirty="0" err="1" smtClean="0"/>
+              <a:t>public</a:t>
+            </a:r>
+            <a:r>
+              <a:rPr lang="pt-BR" sz="2000" dirty="0" smtClean="0"/>
+              <a:t> </a:t>
+            </a:r>
+            <a:r>
+              <a:rPr lang="pt-BR" sz="2000" dirty="0" err="1" smtClean="0"/>
+              <a:t>class</a:t>
+            </a:r>
+            <a:r>
+              <a:rPr lang="pt-BR" sz="2000" dirty="0" smtClean="0"/>
+              <a:t> </a:t>
+            </a:r>
+            <a:r>
+              <a:rPr lang="pt-BR" sz="2000" dirty="0" err="1" smtClean="0">
                 <a:solidFill>
                   <a:srgbClr val="FFC000"/>
                 </a:solidFill>
               </a:rPr>
-              <a:t> = 10;</a:t>
+              <a:t>ClasseInterna</a:t>
+            </a:r>
+            <a:r>
+              <a:rPr lang="pt-BR" sz="2000" dirty="0" smtClean="0"/>
+              <a:t> {</a:t>
             </a:r>
           </a:p>
           <a:p>
@@ -13445,35 +13310,66 @@
               <a:buFont typeface="Wingdings 2" pitchFamily="18" charset="2"/>
               <a:buNone/>
             </a:pPr>
-            <a:endParaRPr lang="pt-BR" sz="2000" smtClean="0">
-              <a:solidFill>
-                <a:srgbClr val="FFC000"/>
-              </a:solidFill>
-            </a:endParaRPr>
-          </a:p>
-          <a:p>
-            <a:pPr marL="0" indent="0" eaLnBrk="1" hangingPunct="1">
-              <a:buFont typeface="Wingdings 2" pitchFamily="18" charset="2"/>
-              <a:buNone/>
-            </a:pPr>
-            <a:r>
-              <a:rPr lang="pt-BR" sz="2000" smtClean="0">
+            <a:r>
+              <a:rPr lang="pt-BR" sz="2000" dirty="0" smtClean="0"/>
+              <a:t>		</a:t>
+            </a:r>
+            <a:r>
+              <a:rPr lang="pt-BR" sz="2000" dirty="0" err="1" smtClean="0"/>
+              <a:t>private</a:t>
+            </a:r>
+            <a:r>
+              <a:rPr lang="pt-BR" sz="2000" dirty="0" smtClean="0"/>
+              <a:t> String </a:t>
+            </a:r>
+            <a:r>
+              <a:rPr lang="pt-BR" sz="2000" dirty="0" err="1" smtClean="0">
                 <a:solidFill>
                   <a:srgbClr val="FFC000"/>
                 </a:solidFill>
               </a:rPr>
-              <a:t>	public void </a:t>
-            </a:r>
-            <a:r>
-              <a:rPr lang="pt-BR" sz="2000" smtClean="0"/>
-              <a:t>calculaValor</a:t>
-            </a:r>
-            <a:r>
-              <a:rPr lang="pt-BR" sz="2000" smtClean="0">
+              <a:t>temp</a:t>
+            </a:r>
+            <a:r>
+              <a:rPr lang="pt-BR" sz="2000" dirty="0" smtClean="0"/>
+              <a:t>;</a:t>
+            </a:r>
+          </a:p>
+          <a:p>
+            <a:pPr marL="0" indent="0" eaLnBrk="1" hangingPunct="1">
+              <a:buFont typeface="Wingdings 2" pitchFamily="18" charset="2"/>
+              <a:buNone/>
+            </a:pPr>
+            <a:r>
+              <a:rPr lang="pt-BR" sz="2000" dirty="0" smtClean="0"/>
+              <a:t>		</a:t>
+            </a:r>
+            <a:r>
+              <a:rPr lang="pt-BR" sz="2000" dirty="0" err="1" smtClean="0"/>
+              <a:t>public</a:t>
+            </a:r>
+            <a:r>
+              <a:rPr lang="pt-BR" sz="2000" dirty="0" smtClean="0"/>
+              <a:t> </a:t>
+            </a:r>
+            <a:r>
+              <a:rPr lang="pt-BR" sz="2000" dirty="0" err="1" smtClean="0"/>
+              <a:t>void</a:t>
+            </a:r>
+            <a:r>
+              <a:rPr lang="pt-BR" sz="2000" dirty="0" smtClean="0"/>
+              <a:t> </a:t>
+            </a:r>
+            <a:r>
+              <a:rPr lang="pt-BR" sz="2000" dirty="0" err="1" smtClean="0">
                 <a:solidFill>
                   <a:srgbClr val="FFC000"/>
                 </a:solidFill>
               </a:rPr>
+              <a:t>calcTemp</a:t>
+            </a:r>
+            <a:r>
+              <a:rPr lang="pt-BR" sz="2000" dirty="0" smtClean="0"/>
               <a:t>() {</a:t>
             </a:r>
           </a:p>
@@ -13483,12 +13379,8 @@
               <a:buNone/>
             </a:pPr>
             <a:r>
-              <a:rPr lang="pt-BR" sz="2000" smtClean="0">
-                <a:solidFill>
-                  <a:srgbClr val="FFC000"/>
-                </a:solidFill>
-              </a:rPr>
-              <a:t>		.......</a:t>
+              <a:rPr lang="pt-BR" sz="2000" dirty="0" smtClean="0"/>
+              <a:t>			...</a:t>
             </a:r>
           </a:p>
           <a:p>
@@ -13497,12 +13389,8 @@
               <a:buNone/>
             </a:pPr>
             <a:r>
-              <a:rPr lang="pt-BR" sz="2000" smtClean="0">
-                <a:solidFill>
-                  <a:srgbClr val="FFC000"/>
-                </a:solidFill>
-              </a:rPr>
-              <a:t>	}</a:t>
+              <a:rPr lang="pt-BR" sz="2000" dirty="0" smtClean="0"/>
+              <a:t>		}</a:t>
             </a:r>
           </a:p>
           <a:p>
@@ -13510,11 +13398,10 @@
               <a:buFont typeface="Wingdings 2" pitchFamily="18" charset="2"/>
               <a:buNone/>
             </a:pPr>
-            <a:endParaRPr lang="pt-BR" sz="2000" smtClean="0">
-              <a:solidFill>
-                <a:srgbClr val="FFC000"/>
-              </a:solidFill>
-            </a:endParaRPr>
+            <a:r>
+              <a:rPr lang="pt-BR" sz="2000" dirty="0" smtClean="0"/>
+              <a:t>	}</a:t>
+            </a:r>
           </a:p>
           <a:p>
             <a:pPr marL="0" indent="0" eaLnBrk="1" hangingPunct="1">
@@ -13522,131 +13409,7 @@
               <a:buNone/>
             </a:pPr>
             <a:r>
-              <a:rPr lang="pt-BR" sz="2000" smtClean="0">
-                <a:solidFill>
-                  <a:srgbClr val="FFC000"/>
-                </a:solidFill>
-              </a:rPr>
-              <a:t>	public class </a:t>
-            </a:r>
-            <a:r>
-              <a:rPr lang="pt-BR" sz="2000" smtClean="0"/>
-              <a:t>ClasseInterna</a:t>
-            </a:r>
-            <a:r>
-              <a:rPr lang="pt-BR" sz="2000" smtClean="0">
-                <a:solidFill>
-                  <a:srgbClr val="FFC000"/>
-                </a:solidFill>
-              </a:rPr>
-              <a:t> {</a:t>
-            </a:r>
-          </a:p>
-          <a:p>
-            <a:pPr marL="0" indent="0" eaLnBrk="1" hangingPunct="1">
-              <a:buFont typeface="Wingdings 2" pitchFamily="18" charset="2"/>
-              <a:buNone/>
-            </a:pPr>
-            <a:r>
-              <a:rPr lang="pt-BR" sz="2000" smtClean="0">
-                <a:solidFill>
-                  <a:srgbClr val="FFC000"/>
-                </a:solidFill>
-              </a:rPr>
-              <a:t>		private String </a:t>
-            </a:r>
-            <a:r>
-              <a:rPr lang="pt-BR" sz="2000" smtClean="0"/>
-              <a:t>temp</a:t>
-            </a:r>
-            <a:r>
-              <a:rPr lang="pt-BR" sz="2000" smtClean="0">
-                <a:solidFill>
-                  <a:srgbClr val="FFC000"/>
-                </a:solidFill>
-              </a:rPr>
-              <a:t>;</a:t>
-            </a:r>
-          </a:p>
-          <a:p>
-            <a:pPr marL="0" indent="0" eaLnBrk="1" hangingPunct="1">
-              <a:buFont typeface="Wingdings 2" pitchFamily="18" charset="2"/>
-              <a:buNone/>
-            </a:pPr>
-            <a:r>
-              <a:rPr lang="pt-BR" sz="2000" smtClean="0">
-                <a:solidFill>
-                  <a:srgbClr val="FFC000"/>
-                </a:solidFill>
-              </a:rPr>
-              <a:t>		public void </a:t>
-            </a:r>
-            <a:r>
-              <a:rPr lang="pt-BR" sz="2000" smtClean="0"/>
-              <a:t>calcTemp</a:t>
-            </a:r>
-            <a:r>
-              <a:rPr lang="pt-BR" sz="2000" smtClean="0">
-                <a:solidFill>
-                  <a:srgbClr val="FFC000"/>
-                </a:solidFill>
-              </a:rPr>
-              <a:t>() {</a:t>
-            </a:r>
-          </a:p>
-          <a:p>
-            <a:pPr marL="0" indent="0" eaLnBrk="1" hangingPunct="1">
-              <a:buFont typeface="Wingdings 2" pitchFamily="18" charset="2"/>
-              <a:buNone/>
-            </a:pPr>
-            <a:r>
-              <a:rPr lang="pt-BR" sz="2000" smtClean="0">
-                <a:solidFill>
-                  <a:srgbClr val="FFC000"/>
-                </a:solidFill>
-              </a:rPr>
-              <a:t>			...</a:t>
-            </a:r>
-          </a:p>
-          <a:p>
-            <a:pPr marL="0" indent="0" eaLnBrk="1" hangingPunct="1">
-              <a:buFont typeface="Wingdings 2" pitchFamily="18" charset="2"/>
-              <a:buNone/>
-            </a:pPr>
-            <a:r>
-              <a:rPr lang="pt-BR" sz="2000" smtClean="0">
-                <a:solidFill>
-                  <a:srgbClr val="FFC000"/>
-                </a:solidFill>
-              </a:rPr>
-              <a:t>		}</a:t>
-            </a:r>
-          </a:p>
-          <a:p>
-            <a:pPr marL="0" indent="0" eaLnBrk="1" hangingPunct="1">
-              <a:buFont typeface="Wingdings 2" pitchFamily="18" charset="2"/>
-              <a:buNone/>
-            </a:pPr>
-            <a:r>
-              <a:rPr lang="pt-BR" sz="2000" smtClean="0">
-                <a:solidFill>
-                  <a:srgbClr val="FFC000"/>
-                </a:solidFill>
-              </a:rPr>
-              <a:t>	}</a:t>
-            </a:r>
-          </a:p>
-          <a:p>
-            <a:pPr marL="0" indent="0" eaLnBrk="1" hangingPunct="1">
-              <a:buFont typeface="Wingdings 2" pitchFamily="18" charset="2"/>
-              <a:buNone/>
-            </a:pPr>
-            <a:r>
-              <a:rPr lang="pt-BR" sz="2000" smtClean="0">
-                <a:solidFill>
-                  <a:srgbClr val="FFC000"/>
-                </a:solidFill>
-              </a:rPr>
+              <a:rPr lang="pt-BR" sz="2000" dirty="0" smtClean="0"/>
               <a:t>}</a:t>
             </a:r>
           </a:p>
@@ -14679,12 +14442,12 @@
           <a:lstStyle/>
           <a:p>
             <a:r>
-              <a:rPr lang="pt-BR" smtClean="0"/>
+              <a:rPr lang="pt-BR" dirty="0" smtClean="0"/>
               <a:t>Na aplicação principal...</a:t>
             </a:r>
           </a:p>
           <a:p>
-            <a:endParaRPr lang="pt-BR" smtClean="0"/>
+            <a:endParaRPr lang="pt-BR" dirty="0" smtClean="0"/>
           </a:p>
           <a:p>
             <a:pPr lvl="1">
@@ -14695,24 +14458,40 @@
               <a:buNone/>
             </a:pPr>
             <a:r>
-              <a:rPr lang="pt-BR" sz="2400" smtClean="0">
+              <a:rPr lang="pt-BR" sz="2400" dirty="0" err="1" smtClean="0"/>
+              <a:t>ClasseExterna</a:t>
+            </a:r>
+            <a:r>
+              <a:rPr lang="pt-BR" sz="2400" dirty="0" smtClean="0"/>
+              <a:t> </a:t>
+            </a:r>
+            <a:r>
+              <a:rPr lang="pt-BR" sz="2400" dirty="0" err="1" smtClean="0">
                 <a:solidFill>
                   <a:srgbClr val="FFC000"/>
                 </a:solidFill>
               </a:rPr>
-              <a:t>ClasseExterna </a:t>
-            </a:r>
-            <a:r>
-              <a:rPr lang="pt-BR" sz="2400" smtClean="0"/>
               <a:t>objExt</a:t>
             </a:r>
             <a:r>
-              <a:rPr lang="pt-BR" sz="2400" smtClean="0">
-                <a:solidFill>
-                  <a:srgbClr val="FFC000"/>
-                </a:solidFill>
-              </a:rPr>
-              <a:t> = new ClasseExterna();</a:t>
+              <a:rPr lang="pt-BR" sz="2400" dirty="0" smtClean="0"/>
+              <a:t> = </a:t>
+            </a:r>
+            <a:r>
+              <a:rPr lang="pt-BR" sz="2400" dirty="0" err="1" smtClean="0"/>
+              <a:t>new</a:t>
+            </a:r>
+            <a:r>
+              <a:rPr lang="pt-BR" sz="2400" dirty="0" smtClean="0"/>
+              <a:t> </a:t>
+            </a:r>
+            <a:r>
+              <a:rPr lang="pt-BR" sz="2400" dirty="0" err="1" smtClean="0"/>
+              <a:t>ClasseExterna</a:t>
+            </a:r>
+            <a:r>
+              <a:rPr lang="pt-BR" sz="2400" dirty="0" smtClean="0"/>
+              <a:t>();</a:t>
             </a:r>
           </a:p>
           <a:p>
@@ -14724,23 +14503,35 @@
               <a:buNone/>
             </a:pPr>
             <a:r>
-              <a:rPr lang="pt-BR" sz="2400" smtClean="0">
+              <a:rPr lang="pt-BR" sz="2400" dirty="0" smtClean="0"/>
+              <a:t>System.</a:t>
+            </a:r>
+            <a:r>
+              <a:rPr lang="pt-BR" sz="2400" dirty="0" err="1" smtClean="0"/>
+              <a:t>out.println</a:t>
+            </a:r>
+            <a:r>
+              <a:rPr lang="pt-BR" sz="2400" dirty="0" smtClean="0"/>
+              <a:t>(</a:t>
+            </a:r>
+            <a:r>
+              <a:rPr lang="pt-BR" sz="2400" dirty="0" err="1" smtClean="0">
                 <a:solidFill>
                   <a:srgbClr val="FFC000"/>
                 </a:solidFill>
               </a:rPr>
-              <a:t>System.out.println(</a:t>
-            </a:r>
-            <a:r>
-              <a:rPr lang="pt-BR" sz="2400" smtClean="0"/>
-              <a:t>objExt.valor</a:t>
-            </a:r>
-            <a:r>
-              <a:rPr lang="pt-BR" sz="2400" smtClean="0">
+              <a:t>objExt</a:t>
+            </a:r>
+            <a:r>
+              <a:rPr lang="pt-BR" sz="2400" dirty="0" smtClean="0">
                 <a:solidFill>
                   <a:srgbClr val="FFC000"/>
                 </a:solidFill>
               </a:rPr>
+              <a:t>.valor</a:t>
+            </a:r>
+            <a:r>
+              <a:rPr lang="pt-BR" sz="2400" dirty="0" smtClean="0"/>
               <a:t>);</a:t>
             </a:r>
           </a:p>
@@ -14753,15 +14544,39 @@
               <a:buNone/>
             </a:pPr>
             <a:r>
-              <a:rPr lang="pt-BR" sz="2400" smtClean="0"/>
-              <a:t>objExt.calculaValor()</a:t>
-            </a:r>
-            <a:r>
-              <a:rPr lang="pt-BR" sz="2400" smtClean="0">
+              <a:rPr lang="pt-BR" sz="2400" dirty="0" err="1" smtClean="0">
                 <a:solidFill>
                   <a:srgbClr val="FFC000"/>
                 </a:solidFill>
               </a:rPr>
+              <a:t>objExt</a:t>
+            </a:r>
+            <a:r>
+              <a:rPr lang="pt-BR" sz="2400" dirty="0" smtClean="0">
+                <a:solidFill>
+                  <a:srgbClr val="FFC000"/>
+                </a:solidFill>
+              </a:rPr>
+              <a:t>.</a:t>
+            </a:r>
+            <a:r>
+              <a:rPr lang="pt-BR" sz="2400" dirty="0" err="1" smtClean="0">
+                <a:solidFill>
+                  <a:srgbClr val="FFC000"/>
+                </a:solidFill>
+              </a:rPr>
+              <a:t>calculaValor</a:t>
+            </a:r>
+            <a:r>
+              <a:rPr lang="pt-BR" sz="2400" dirty="0" smtClean="0">
+                <a:solidFill>
+                  <a:srgbClr val="FFC000"/>
+                </a:solidFill>
+              </a:rPr>
+              <a:t>()</a:t>
+            </a:r>
+            <a:r>
+              <a:rPr lang="pt-BR" sz="2400" dirty="0" smtClean="0"/>
               <a:t>;</a:t>
             </a:r>
           </a:p>
@@ -14774,23 +14589,31 @@
               <a:buNone/>
             </a:pPr>
             <a:r>
-              <a:rPr lang="pt-BR" sz="2400" smtClean="0">
+              <a:rPr lang="pt-BR" sz="2400" dirty="0" err="1" smtClean="0"/>
+              <a:t>ClasseExterna</a:t>
+            </a:r>
+            <a:r>
+              <a:rPr lang="pt-BR" sz="2400" dirty="0" smtClean="0"/>
+              <a:t>.</a:t>
+            </a:r>
+            <a:r>
+              <a:rPr lang="pt-BR" sz="2400" dirty="0" err="1" smtClean="0"/>
+              <a:t>ClasseInterna</a:t>
+            </a:r>
+            <a:r>
+              <a:rPr lang="pt-BR" sz="2400" dirty="0" smtClean="0"/>
+              <a:t> </a:t>
+            </a:r>
+            <a:r>
+              <a:rPr lang="pt-BR" sz="2400" dirty="0" err="1" smtClean="0">
                 <a:solidFill>
                   <a:srgbClr val="FFC000"/>
                 </a:solidFill>
               </a:rPr>
-              <a:t>ClasseExterna.ClasseInterna</a:t>
-            </a:r>
-            <a:r>
-              <a:rPr lang="pt-BR" sz="2400" smtClean="0"/>
-              <a:t> objInt</a:t>
-            </a:r>
-            <a:r>
-              <a:rPr lang="pt-BR" sz="2400" smtClean="0">
-                <a:solidFill>
-                  <a:srgbClr val="FFC000"/>
-                </a:solidFill>
-              </a:rPr>
+              <a:t>objInt</a:t>
+            </a:r>
+            <a:r>
+              <a:rPr lang="pt-BR" sz="2400" dirty="0" smtClean="0"/>
               <a:t>;</a:t>
             </a:r>
           </a:p>
@@ -14803,42 +14626,57 @@
               <a:buNone/>
             </a:pPr>
             <a:r>
-              <a:rPr lang="pt-BR" sz="2400" smtClean="0"/>
-              <a:t>objInt</a:t>
-            </a:r>
-            <a:r>
-              <a:rPr lang="pt-BR" sz="2400" smtClean="0">
+              <a:rPr lang="pt-BR" sz="2400" dirty="0" err="1" smtClean="0">
                 <a:solidFill>
                   <a:srgbClr val="FFC000"/>
                 </a:solidFill>
               </a:rPr>
+              <a:t>objInt</a:t>
+            </a:r>
+            <a:r>
+              <a:rPr lang="pt-BR" sz="2400" dirty="0" smtClean="0"/>
               <a:t> = </a:t>
             </a:r>
             <a:r>
-              <a:rPr lang="pt-BR" sz="2400" smtClean="0"/>
-              <a:t>objExt.</a:t>
-            </a:r>
-            <a:r>
-              <a:rPr lang="pt-BR" sz="2400" b="1" smtClean="0">
+              <a:rPr lang="pt-BR" sz="2400" dirty="0" err="1" smtClean="0">
                 <a:solidFill>
                   <a:srgbClr val="FFC000"/>
                 </a:solidFill>
               </a:rPr>
+              <a:t>objExt</a:t>
+            </a:r>
+            <a:r>
+              <a:rPr lang="pt-BR" sz="2400" dirty="0" smtClean="0"/>
+              <a:t>.</a:t>
+            </a:r>
+            <a:r>
+              <a:rPr lang="pt-BR" sz="2400" b="1" dirty="0" err="1" smtClean="0"/>
               <a:t>new</a:t>
             </a:r>
             <a:r>
-              <a:rPr lang="pt-BR" sz="2400" smtClean="0"/>
-              <a:t> ClasseInterna()</a:t>
-            </a:r>
-            <a:r>
-              <a:rPr lang="pt-BR" sz="2400" smtClean="0">
+              <a:rPr lang="pt-BR" sz="2400" dirty="0" smtClean="0"/>
+              <a:t> </a:t>
+            </a:r>
+            <a:r>
+              <a:rPr lang="pt-BR" sz="2400" dirty="0" err="1" smtClean="0">
                 <a:solidFill>
                   <a:srgbClr val="FFC000"/>
                 </a:solidFill>
               </a:rPr>
+              <a:t>ClasseInterna</a:t>
+            </a:r>
+            <a:r>
+              <a:rPr lang="pt-BR" sz="2400" dirty="0" smtClean="0">
+                <a:solidFill>
+                  <a:srgbClr val="FFC000"/>
+                </a:solidFill>
+              </a:rPr>
+              <a:t>()</a:t>
+            </a:r>
+            <a:r>
+              <a:rPr lang="pt-BR" sz="2400" dirty="0" smtClean="0"/>
               <a:t>;</a:t>
             </a:r>
-            <a:endParaRPr lang="pt-BR" sz="2400" smtClean="0"/>
           </a:p>
         </p:txBody>
       </p:sp>
@@ -15184,47 +15022,31 @@
               </a:tabLst>
             </a:pPr>
             <a:r>
+              <a:rPr lang="pt-BR" sz="2000" dirty="0" err="1" smtClean="0"/>
+              <a:t>public</a:t>
+            </a:r>
+            <a:r>
+              <a:rPr lang="pt-BR" sz="2000" dirty="0" smtClean="0"/>
+              <a:t> </a:t>
+            </a:r>
+            <a:r>
+              <a:rPr lang="pt-BR" sz="2000" dirty="0" err="1" smtClean="0"/>
+              <a:t>class</a:t>
+            </a:r>
+            <a:r>
+              <a:rPr lang="pt-BR" sz="2000" dirty="0" smtClean="0"/>
+              <a:t> </a:t>
+            </a:r>
+            <a:r>
               <a:rPr lang="pt-BR" sz="2000" dirty="0" err="1" smtClean="0">
                 <a:solidFill>
                   <a:srgbClr val="FFC000"/>
                 </a:solidFill>
               </a:rPr>
-              <a:t>public</a:t>
-            </a:r>
-            <a:r>
-              <a:rPr lang="pt-BR" sz="2000" dirty="0" smtClean="0">
-                <a:solidFill>
-                  <a:srgbClr val="FFC000"/>
-                </a:solidFill>
-              </a:rPr>
-              <a:t> </a:t>
-            </a:r>
-            <a:r>
-              <a:rPr lang="pt-BR" sz="2000" dirty="0" err="1" smtClean="0">
-                <a:solidFill>
-                  <a:srgbClr val="FFC000"/>
-                </a:solidFill>
-              </a:rPr>
-              <a:t>class</a:t>
-            </a:r>
-            <a:r>
-              <a:rPr lang="pt-BR" sz="2000" dirty="0" smtClean="0">
-                <a:solidFill>
-                  <a:srgbClr val="FFC000"/>
-                </a:solidFill>
-              </a:rPr>
-              <a:t> </a:t>
-            </a:r>
-            <a:r>
-              <a:rPr lang="pt-BR" sz="2000" dirty="0" err="1" smtClean="0"/>
               <a:t>AlunoService</a:t>
             </a:r>
             <a:r>
-              <a:rPr lang="pt-BR" sz="2000" dirty="0" smtClean="0">
-                <a:solidFill>
-                  <a:srgbClr val="FFC000"/>
-                </a:solidFill>
-              </a:rPr>
+              <a:rPr lang="pt-BR" sz="2000" dirty="0" smtClean="0"/>
               <a:t> {</a:t>
             </a:r>
           </a:p>
@@ -15238,12 +15060,24 @@
               </a:tabLst>
             </a:pPr>
             <a:r>
-              <a:rPr lang="pt-BR" sz="2000" dirty="0" smtClean="0">
-                <a:solidFill>
-                  <a:srgbClr val="FFC000"/>
-                </a:solidFill>
-              </a:rPr>
+              <a:rPr lang="pt-BR" sz="2000" dirty="0" smtClean="0"/>
               <a:t>	</a:t>
+            </a:r>
+            <a:r>
+              <a:rPr lang="pt-BR" sz="2000" dirty="0" err="1" smtClean="0"/>
+              <a:t>public</a:t>
+            </a:r>
+            <a:r>
+              <a:rPr lang="pt-BR" sz="2000" dirty="0" smtClean="0"/>
+              <a:t> </a:t>
+            </a:r>
+            <a:r>
+              <a:rPr lang="pt-BR" sz="2000" dirty="0" err="1" smtClean="0"/>
+              <a:t>void</a:t>
+            </a:r>
+            <a:r>
+              <a:rPr lang="pt-BR" sz="2000" dirty="0" smtClean="0"/>
+              <a:t> </a:t>
             </a:r>
             <a:r>
               <a:rPr lang="pt-BR" sz="2000" dirty="0" err="1" smtClean="0">
@@ -15251,58 +15085,18 @@
                   <a:srgbClr val="FFC000"/>
                 </a:solidFill>
               </a:rPr>
-              <a:t>public</a:t>
-            </a:r>
-            <a:r>
-              <a:rPr lang="pt-BR" sz="2000" dirty="0" smtClean="0">
-                <a:solidFill>
-                  <a:srgbClr val="FFC000"/>
-                </a:solidFill>
-              </a:rPr>
-              <a:t> </a:t>
-            </a:r>
-            <a:r>
-              <a:rPr lang="pt-BR" sz="2000" dirty="0" err="1" smtClean="0">
-                <a:solidFill>
-                  <a:srgbClr val="FFC000"/>
-                </a:solidFill>
-              </a:rPr>
-              <a:t>void</a:t>
-            </a:r>
-            <a:r>
-              <a:rPr lang="pt-BR" sz="2000" dirty="0" smtClean="0">
-                <a:solidFill>
-                  <a:srgbClr val="FFC000"/>
-                </a:solidFill>
-              </a:rPr>
-              <a:t> </a:t>
+              <a:t>gravarAluno</a:t>
+            </a:r>
+            <a:r>
+              <a:rPr lang="pt-BR" sz="2000" dirty="0" smtClean="0"/>
+              <a:t>(</a:t>
             </a:r>
             <a:r>
               <a:rPr lang="pt-BR" sz="2000" dirty="0" err="1" smtClean="0"/>
-              <a:t>gravarAluno</a:t>
-            </a:r>
-            <a:r>
-              <a:rPr lang="pt-BR" sz="2000" dirty="0" smtClean="0">
-                <a:solidFill>
-                  <a:srgbClr val="FFC000"/>
-                </a:solidFill>
-              </a:rPr>
-              <a:t>(</a:t>
-            </a:r>
-            <a:r>
-              <a:rPr lang="pt-BR" sz="2000" dirty="0" err="1" smtClean="0">
-                <a:solidFill>
-                  <a:srgbClr val="FFC000"/>
-                </a:solidFill>
-              </a:rPr>
               <a:t>int</a:t>
             </a:r>
             <a:r>
-              <a:rPr lang="pt-BR" sz="2000" dirty="0" smtClean="0">
-                <a:solidFill>
-                  <a:srgbClr val="FFC000"/>
-                </a:solidFill>
-              </a:rPr>
+              <a:rPr lang="pt-BR" sz="2000" dirty="0" smtClean="0"/>
               <a:t> matricula, String nome, String email) {</a:t>
             </a:r>
           </a:p>
@@ -15316,11 +15110,7 @@
               </a:tabLst>
             </a:pPr>
             <a:r>
-              <a:rPr lang="pt-BR" sz="2000" dirty="0" smtClean="0">
-                <a:solidFill>
-                  <a:srgbClr val="FFC000"/>
-                </a:solidFill>
-              </a:rPr>
+              <a:rPr lang="pt-BR" sz="2000" dirty="0" smtClean="0"/>
               <a:t>		.......</a:t>
             </a:r>
           </a:p>
@@ -15334,11 +15124,7 @@
               </a:tabLst>
             </a:pPr>
             <a:r>
-              <a:rPr lang="pt-BR" sz="2000" dirty="0" smtClean="0">
-                <a:solidFill>
-                  <a:srgbClr val="FFC000"/>
-                </a:solidFill>
-              </a:rPr>
+              <a:rPr lang="pt-BR" sz="2000" dirty="0" smtClean="0"/>
               <a:t>	}</a:t>
             </a:r>
           </a:p>
@@ -15352,12 +15138,24 @@
               </a:tabLst>
             </a:pPr>
             <a:r>
-              <a:rPr lang="pt-BR" sz="2000" dirty="0" smtClean="0">
-                <a:solidFill>
-                  <a:srgbClr val="FFC000"/>
-                </a:solidFill>
-              </a:rPr>
+              <a:rPr lang="pt-BR" sz="2000" dirty="0" smtClean="0"/>
               <a:t>	</a:t>
+            </a:r>
+            <a:r>
+              <a:rPr lang="pt-BR" sz="2000" dirty="0" err="1" smtClean="0"/>
+              <a:t>public</a:t>
+            </a:r>
+            <a:r>
+              <a:rPr lang="pt-BR" sz="2000" dirty="0" smtClean="0"/>
+              <a:t> </a:t>
+            </a:r>
+            <a:r>
+              <a:rPr lang="pt-BR" sz="2000" dirty="0" err="1" smtClean="0"/>
+              <a:t>void</a:t>
+            </a:r>
+            <a:r>
+              <a:rPr lang="pt-BR" sz="2000" dirty="0" smtClean="0"/>
+              <a:t> </a:t>
             </a:r>
             <a:r>
               <a:rPr lang="pt-BR" sz="2000" dirty="0" err="1" smtClean="0">
@@ -15365,42 +15163,10 @@
                   <a:srgbClr val="FFC000"/>
                 </a:solidFill>
               </a:rPr>
-              <a:t>public</a:t>
-            </a:r>
-            <a:r>
-              <a:rPr lang="pt-BR" sz="2000" dirty="0" smtClean="0">
-                <a:solidFill>
-                  <a:srgbClr val="FFC000"/>
-                </a:solidFill>
-              </a:rPr>
-              <a:t> </a:t>
-            </a:r>
-            <a:r>
-              <a:rPr lang="pt-BR" sz="2000" dirty="0" err="1" smtClean="0">
-                <a:solidFill>
-                  <a:srgbClr val="FFC000"/>
-                </a:solidFill>
-              </a:rPr>
-              <a:t>void</a:t>
-            </a:r>
-            <a:r>
-              <a:rPr lang="pt-BR" sz="2000" dirty="0" smtClean="0">
-                <a:solidFill>
-                  <a:srgbClr val="FFC000"/>
-                </a:solidFill>
-              </a:rPr>
-              <a:t> </a:t>
-            </a:r>
-            <a:r>
-              <a:rPr lang="pt-BR" sz="2000" dirty="0" err="1" smtClean="0"/>
               <a:t>enviarEmailAoAluno</a:t>
             </a:r>
             <a:r>
-              <a:rPr lang="pt-BR" sz="2000" dirty="0" smtClean="0">
-                <a:solidFill>
-                  <a:srgbClr val="FFC000"/>
-                </a:solidFill>
-              </a:rPr>
+              <a:rPr lang="pt-BR" sz="2000" dirty="0" smtClean="0"/>
               <a:t>(String nome, String email) {</a:t>
             </a:r>
           </a:p>
@@ -15414,12 +15180,24 @@
               </a:tabLst>
             </a:pPr>
             <a:r>
-              <a:rPr lang="pt-BR" sz="2000" dirty="0" smtClean="0">
-                <a:solidFill>
-                  <a:srgbClr val="FFC000"/>
-                </a:solidFill>
-              </a:rPr>
+              <a:rPr lang="pt-BR" sz="2000" dirty="0" smtClean="0"/>
               <a:t>		Thread </a:t>
+            </a:r>
+            <a:r>
+              <a:rPr lang="pt-BR" sz="2000" dirty="0" err="1" smtClean="0"/>
+              <a:t>thread</a:t>
+            </a:r>
+            <a:r>
+              <a:rPr lang="pt-BR" sz="2000" dirty="0" smtClean="0"/>
+              <a:t> = </a:t>
+            </a:r>
+            <a:r>
+              <a:rPr lang="pt-BR" sz="2000" dirty="0" err="1" smtClean="0"/>
+              <a:t>new</a:t>
+            </a:r>
+            <a:r>
+              <a:rPr lang="pt-BR" sz="2000" dirty="0" smtClean="0"/>
+              <a:t> </a:t>
             </a:r>
             <a:r>
               <a:rPr lang="pt-BR" sz="2000" dirty="0" err="1" smtClean="0">
@@ -15427,47 +15205,11 @@
                   <a:srgbClr val="FFC000"/>
                 </a:solidFill>
               </a:rPr>
-              <a:t>thread</a:t>
-            </a:r>
-            <a:r>
-              <a:rPr lang="pt-BR" sz="2000" dirty="0" smtClean="0">
-                <a:solidFill>
-                  <a:srgbClr val="FFC000"/>
-                </a:solidFill>
-              </a:rPr>
-              <a:t> = </a:t>
-            </a:r>
-            <a:r>
-              <a:rPr lang="pt-BR" sz="2000" dirty="0" err="1" smtClean="0">
-                <a:solidFill>
-                  <a:srgbClr val="FFC000"/>
-                </a:solidFill>
-              </a:rPr>
-              <a:t>new</a:t>
-            </a:r>
-            <a:r>
-              <a:rPr lang="pt-BR" sz="2000" dirty="0" smtClean="0">
-                <a:solidFill>
-                  <a:srgbClr val="FFC000"/>
-                </a:solidFill>
-              </a:rPr>
-              <a:t> </a:t>
-            </a:r>
-            <a:r>
-              <a:rPr lang="pt-BR" sz="2000" dirty="0" err="1" smtClean="0"/>
               <a:t>EmailAoAlunoThread</a:t>
             </a:r>
             <a:r>
-              <a:rPr lang="pt-BR" sz="2000" dirty="0" smtClean="0">
-                <a:solidFill>
-                  <a:srgbClr val="FFC000"/>
-                </a:solidFill>
-              </a:rPr>
-              <a:t>()</a:t>
-            </a:r>
-            <a:r>
-              <a:rPr lang="pt-BR" sz="2000" dirty="0" smtClean="0"/>
-              <a:t>;</a:t>
+              <a:rPr lang="pt-BR" sz="2000" dirty="0" smtClean="0"/>
+              <a:t>();</a:t>
             </a:r>
           </a:p>
           <a:p>
@@ -15480,11 +15222,7 @@
               </a:tabLst>
             </a:pPr>
             <a:r>
-              <a:rPr lang="pt-BR" sz="2000" dirty="0" smtClean="0">
-                <a:solidFill>
-                  <a:srgbClr val="FFC000"/>
-                </a:solidFill>
-              </a:rPr>
+              <a:rPr lang="pt-BR" sz="2000" dirty="0" smtClean="0"/>
               <a:t>		thread.start();</a:t>
             </a:r>
           </a:p>
@@ -15498,11 +15236,7 @@
               </a:tabLst>
             </a:pPr>
             <a:r>
-              <a:rPr lang="pt-BR" sz="2000" dirty="0" smtClean="0">
-                <a:solidFill>
-                  <a:srgbClr val="FFC000"/>
-                </a:solidFill>
-              </a:rPr>
+              <a:rPr lang="pt-BR" sz="2000" dirty="0" smtClean="0"/>
               <a:t>	}</a:t>
             </a:r>
           </a:p>
@@ -15516,12 +15250,24 @@
               </a:tabLst>
             </a:pPr>
             <a:r>
-              <a:rPr lang="pt-BR" sz="2000" dirty="0" smtClean="0">
-                <a:solidFill>
-                  <a:srgbClr val="FFC000"/>
-                </a:solidFill>
-              </a:rPr>
+              <a:rPr lang="pt-BR" sz="2000" dirty="0" smtClean="0"/>
               <a:t>	</a:t>
+            </a:r>
+            <a:r>
+              <a:rPr lang="pt-BR" sz="2000" dirty="0" err="1" smtClean="0"/>
+              <a:t>private</a:t>
+            </a:r>
+            <a:r>
+              <a:rPr lang="pt-BR" sz="2000" dirty="0" smtClean="0"/>
+              <a:t> </a:t>
+            </a:r>
+            <a:r>
+              <a:rPr lang="pt-BR" sz="2000" dirty="0" err="1" smtClean="0"/>
+              <a:t>class</a:t>
+            </a:r>
+            <a:r>
+              <a:rPr lang="pt-BR" sz="2000" dirty="0" smtClean="0"/>
+              <a:t> </a:t>
             </a:r>
             <a:r>
               <a:rPr lang="pt-BR" sz="2000" dirty="0" err="1" smtClean="0">
@@ -15529,58 +15275,18 @@
                   <a:srgbClr val="FFC000"/>
                 </a:solidFill>
               </a:rPr>
-              <a:t>private</a:t>
-            </a:r>
-            <a:r>
-              <a:rPr lang="pt-BR" sz="2000" dirty="0" smtClean="0">
-                <a:solidFill>
-                  <a:srgbClr val="FFC000"/>
-                </a:solidFill>
-              </a:rPr>
+              <a:t>EmailAoAlunoThread</a:t>
+            </a:r>
+            <a:r>
+              <a:rPr lang="pt-BR" sz="2000" dirty="0" smtClean="0"/>
               <a:t> </a:t>
             </a:r>
             <a:r>
-              <a:rPr lang="pt-BR" sz="2000" dirty="0" err="1" smtClean="0">
-                <a:solidFill>
-                  <a:srgbClr val="FFC000"/>
-                </a:solidFill>
-              </a:rPr>
-              <a:t>class</a:t>
-            </a:r>
-            <a:r>
-              <a:rPr lang="pt-BR" sz="2000" dirty="0" smtClean="0">
-                <a:solidFill>
-                  <a:srgbClr val="FFC000"/>
-                </a:solidFill>
-              </a:rPr>
-              <a:t> </a:t>
-            </a:r>
-            <a:r>
               <a:rPr lang="pt-BR" sz="2000" dirty="0" err="1" smtClean="0"/>
-              <a:t>EmailAoAlunoThread</a:t>
-            </a:r>
-            <a:r>
-              <a:rPr lang="pt-BR" sz="2000" dirty="0" smtClean="0">
-                <a:solidFill>
-                  <a:srgbClr val="FFC000"/>
-                </a:solidFill>
-              </a:rPr>
-              <a:t> </a:t>
-            </a:r>
-            <a:r>
-              <a:rPr lang="pt-BR" sz="2000" dirty="0" err="1" smtClean="0">
-                <a:solidFill>
-                  <a:srgbClr val="FFC000"/>
-                </a:solidFill>
-              </a:rPr>
               <a:t>extends</a:t>
             </a:r>
             <a:r>
-              <a:rPr lang="pt-BR" sz="2000" dirty="0" smtClean="0">
-                <a:solidFill>
-                  <a:srgbClr val="FFC000"/>
-                </a:solidFill>
-              </a:rPr>
+              <a:rPr lang="pt-BR" sz="2000" dirty="0" smtClean="0"/>
               <a:t> Thread {</a:t>
             </a:r>
           </a:p>
@@ -15594,59 +15300,31 @@
               </a:tabLst>
             </a:pPr>
             <a:r>
-              <a:rPr lang="pt-BR" sz="2000" dirty="0" smtClean="0">
-                <a:solidFill>
-                  <a:srgbClr val="FFC000"/>
-                </a:solidFill>
-              </a:rPr>
+              <a:rPr lang="pt-BR" sz="2000" dirty="0" smtClean="0"/>
               <a:t>		</a:t>
             </a:r>
             <a:r>
-              <a:rPr lang="pt-BR" sz="2000" dirty="0" err="1" smtClean="0">
-                <a:solidFill>
-                  <a:srgbClr val="FFC000"/>
-                </a:solidFill>
-              </a:rPr>
+              <a:rPr lang="pt-BR" sz="2000" dirty="0" err="1" smtClean="0"/>
               <a:t>public</a:t>
             </a:r>
             <a:r>
-              <a:rPr lang="pt-BR" sz="2000" dirty="0" smtClean="0">
-                <a:solidFill>
-                  <a:srgbClr val="FFC000"/>
-                </a:solidFill>
-              </a:rPr>
+              <a:rPr lang="pt-BR" sz="2000" dirty="0" smtClean="0"/>
               <a:t> </a:t>
             </a:r>
             <a:r>
-              <a:rPr lang="pt-BR" sz="2000" dirty="0" err="1" smtClean="0">
-                <a:solidFill>
-                  <a:srgbClr val="FFC000"/>
-                </a:solidFill>
-              </a:rPr>
+              <a:rPr lang="pt-BR" sz="2000" dirty="0" err="1" smtClean="0"/>
               <a:t>void</a:t>
             </a:r>
             <a:r>
-              <a:rPr lang="pt-BR" sz="2000" dirty="0" smtClean="0">
-                <a:solidFill>
-                  <a:srgbClr val="FFC000"/>
-                </a:solidFill>
-              </a:rPr>
+              <a:rPr lang="pt-BR" sz="2000" dirty="0" smtClean="0"/>
               <a:t> </a:t>
             </a:r>
             <a:r>
-              <a:rPr lang="pt-BR" sz="2000" dirty="0" err="1" smtClean="0">
-                <a:solidFill>
-                  <a:srgbClr val="FFC000"/>
-                </a:solidFill>
-              </a:rPr>
+              <a:rPr lang="pt-BR" sz="2000" dirty="0" err="1" smtClean="0"/>
               <a:t>run</a:t>
             </a:r>
             <a:r>
-              <a:rPr lang="pt-BR" sz="2000" dirty="0" smtClean="0">
-                <a:solidFill>
-                  <a:srgbClr val="FFC000"/>
-                </a:solidFill>
-              </a:rPr>
+              <a:rPr lang="pt-BR" sz="2000" dirty="0" smtClean="0"/>
               <a:t>() {</a:t>
             </a:r>
           </a:p>
@@ -15660,11 +15338,7 @@
               </a:tabLst>
             </a:pPr>
             <a:r>
-              <a:rPr lang="pt-BR" sz="2000" dirty="0" smtClean="0">
-                <a:solidFill>
-                  <a:srgbClr val="FFC000"/>
-                </a:solidFill>
-              </a:rPr>
+              <a:rPr lang="pt-BR" sz="2000" dirty="0" smtClean="0"/>
               <a:t>			.......</a:t>
             </a:r>
           </a:p>
@@ -15678,11 +15352,7 @@
               </a:tabLst>
             </a:pPr>
             <a:r>
-              <a:rPr lang="pt-BR" sz="2000" dirty="0" smtClean="0">
-                <a:solidFill>
-                  <a:srgbClr val="FFC000"/>
-                </a:solidFill>
-              </a:rPr>
+              <a:rPr lang="pt-BR" sz="2000" dirty="0" smtClean="0"/>
               <a:t>		}</a:t>
             </a:r>
           </a:p>
@@ -15696,11 +15366,7 @@
               </a:tabLst>
             </a:pPr>
             <a:r>
-              <a:rPr lang="pt-BR" sz="2000" dirty="0" smtClean="0">
-                <a:solidFill>
-                  <a:srgbClr val="FFC000"/>
-                </a:solidFill>
-              </a:rPr>
+              <a:rPr lang="pt-BR" sz="2000" dirty="0" smtClean="0"/>
               <a:t>	}</a:t>
             </a:r>
           </a:p>
@@ -15714,11 +15380,7 @@
               </a:tabLst>
             </a:pPr>
             <a:r>
-              <a:rPr lang="pt-BR" sz="2000" dirty="0" smtClean="0">
-                <a:solidFill>
-                  <a:srgbClr val="FFC000"/>
-                </a:solidFill>
-              </a:rPr>
+              <a:rPr lang="pt-BR" sz="2000" dirty="0" smtClean="0"/>
               <a:t>}</a:t>
             </a:r>
           </a:p>
@@ -15829,11 +15491,7 @@
           <a:lstStyle/>
           <a:p>
             <a:r>
-              <a:rPr lang="pt-BR" sz="2400" dirty="0" smtClean="0">
-                <a:solidFill>
-                  <a:srgbClr val="FFC000"/>
-                </a:solidFill>
-              </a:rPr>
+              <a:rPr lang="pt-BR" sz="2400" dirty="0" smtClean="0"/>
               <a:t>Na aplicação principal...</a:t>
             </a:r>
           </a:p>
@@ -15846,11 +15504,7 @@
                 <a:tab pos="722313" algn="l"/>
               </a:tabLst>
             </a:pPr>
-            <a:endParaRPr lang="pt-BR" sz="2000" dirty="0" smtClean="0">
-              <a:solidFill>
-                <a:srgbClr val="FFC000"/>
-              </a:solidFill>
-            </a:endParaRPr>
+            <a:endParaRPr lang="pt-BR" sz="2000" dirty="0" smtClean="0"/>
           </a:p>
           <a:p>
             <a:pPr marL="0" lvl="1" indent="0">
@@ -15862,12 +15516,20 @@
               </a:tabLst>
             </a:pPr>
             <a:r>
-              <a:rPr lang="pt-BR" sz="2000" dirty="0" err="1" smtClean="0">
-                <a:solidFill>
-                  <a:srgbClr val="FFC000"/>
-                </a:solidFill>
-              </a:rPr>
+              <a:rPr lang="pt-BR" sz="2000" dirty="0" err="1" smtClean="0"/>
               <a:t>public</a:t>
+            </a:r>
+            <a:r>
+              <a:rPr lang="pt-BR" sz="2000" dirty="0" smtClean="0"/>
+              <a:t> </a:t>
+            </a:r>
+            <a:r>
+              <a:rPr lang="pt-BR" sz="2000" dirty="0" err="1" smtClean="0"/>
+              <a:t>class</a:t>
+            </a:r>
+            <a:r>
+              <a:rPr lang="pt-BR" sz="2000" dirty="0" smtClean="0"/>
+              <a:t> </a:t>
             </a:r>
             <a:r>
               <a:rPr lang="pt-BR" sz="2000" dirty="0" smtClean="0">
@@ -15875,34 +15537,10 @@
                   <a:srgbClr val="FFC000"/>
                 </a:solidFill>
               </a:rPr>
-              <a:t> </a:t>
-            </a:r>
-            <a:r>
-              <a:rPr lang="pt-BR" sz="2000" dirty="0" err="1" smtClean="0">
-                <a:solidFill>
-                  <a:srgbClr val="FFC000"/>
-                </a:solidFill>
-              </a:rPr>
-              <a:t>class</a:t>
-            </a:r>
-            <a:r>
-              <a:rPr lang="pt-BR" sz="2000" dirty="0" smtClean="0">
-                <a:solidFill>
-                  <a:srgbClr val="FFC000"/>
-                </a:solidFill>
-              </a:rPr>
-              <a:t> </a:t>
-            </a:r>
-            <a:r>
-              <a:rPr lang="pt-BR" sz="2000" dirty="0" smtClean="0"/>
               <a:t>Inicio</a:t>
             </a:r>
             <a:r>
-              <a:rPr lang="pt-BR" sz="2000" dirty="0" smtClean="0">
-                <a:solidFill>
-                  <a:srgbClr val="FFC000"/>
-                </a:solidFill>
-              </a:rPr>
+              <a:rPr lang="pt-BR" sz="2000" dirty="0" smtClean="0"/>
               <a:t> {</a:t>
             </a:r>
           </a:p>
@@ -15916,12 +15554,32 @@
               </a:tabLst>
             </a:pPr>
             <a:r>
-              <a:rPr lang="pt-BR" sz="2000" dirty="0" smtClean="0">
-                <a:solidFill>
-                  <a:srgbClr val="FFC000"/>
-                </a:solidFill>
-              </a:rPr>
+              <a:rPr lang="pt-BR" sz="2000" dirty="0" smtClean="0"/>
               <a:t>	</a:t>
+            </a:r>
+            <a:r>
+              <a:rPr lang="pt-BR" sz="2000" dirty="0" err="1" smtClean="0"/>
+              <a:t>public</a:t>
+            </a:r>
+            <a:r>
+              <a:rPr lang="pt-BR" sz="2000" dirty="0" smtClean="0"/>
+              <a:t> </a:t>
+            </a:r>
+            <a:r>
+              <a:rPr lang="pt-BR" sz="2000" dirty="0" err="1" smtClean="0"/>
+              <a:t>static</a:t>
+            </a:r>
+            <a:r>
+              <a:rPr lang="pt-BR" sz="2000" dirty="0" smtClean="0"/>
+              <a:t> </a:t>
+            </a:r>
+            <a:r>
+              <a:rPr lang="pt-BR" sz="2000" dirty="0" err="1" smtClean="0"/>
+              <a:t>void</a:t>
+            </a:r>
+            <a:r>
+              <a:rPr lang="pt-BR" sz="2000" dirty="0" smtClean="0"/>
+              <a:t> </a:t>
             </a:r>
             <a:r>
               <a:rPr lang="pt-BR" sz="2000" dirty="0" err="1" smtClean="0">
@@ -15929,74 +15587,18 @@
                   <a:srgbClr val="FFC000"/>
                 </a:solidFill>
               </a:rPr>
-              <a:t>public</a:t>
-            </a:r>
-            <a:r>
-              <a:rPr lang="pt-BR" sz="2000" dirty="0" smtClean="0">
-                <a:solidFill>
-                  <a:srgbClr val="FFC000"/>
-                </a:solidFill>
-              </a:rPr>
-              <a:t> </a:t>
-            </a:r>
-            <a:r>
-              <a:rPr lang="pt-BR" sz="2000" dirty="0" err="1" smtClean="0">
-                <a:solidFill>
-                  <a:srgbClr val="FFC000"/>
-                </a:solidFill>
-              </a:rPr>
-              <a:t>static</a:t>
-            </a:r>
-            <a:r>
-              <a:rPr lang="pt-BR" sz="2000" dirty="0" smtClean="0">
-                <a:solidFill>
-                  <a:srgbClr val="FFC000"/>
-                </a:solidFill>
-              </a:rPr>
-              <a:t> </a:t>
-            </a:r>
-            <a:r>
-              <a:rPr lang="pt-BR" sz="2000" dirty="0" err="1" smtClean="0">
-                <a:solidFill>
-                  <a:srgbClr val="FFC000"/>
-                </a:solidFill>
-              </a:rPr>
-              <a:t>void</a:t>
-            </a:r>
-            <a:r>
-              <a:rPr lang="pt-BR" sz="2000" dirty="0" smtClean="0">
-                <a:solidFill>
-                  <a:srgbClr val="FFC000"/>
-                </a:solidFill>
-              </a:rPr>
-              <a:t> </a:t>
+              <a:t>main</a:t>
+            </a:r>
+            <a:r>
+              <a:rPr lang="pt-BR" sz="2000" dirty="0" smtClean="0"/>
+              <a:t>(String </a:t>
             </a:r>
             <a:r>
               <a:rPr lang="pt-BR" sz="2000" dirty="0" err="1" smtClean="0"/>
-              <a:t>main</a:t>
-            </a:r>
-            <a:r>
-              <a:rPr lang="pt-BR" sz="2000" dirty="0" smtClean="0">
-                <a:solidFill>
-                  <a:srgbClr val="FFC000"/>
-                </a:solidFill>
-              </a:rPr>
-              <a:t>(String </a:t>
-            </a:r>
-            <a:r>
-              <a:rPr lang="pt-BR" sz="2000" dirty="0" err="1" smtClean="0">
-                <a:solidFill>
-                  <a:srgbClr val="FFC000"/>
-                </a:solidFill>
-              </a:rPr>
               <a:t>args</a:t>
             </a:r>
             <a:r>
-              <a:rPr lang="pt-BR" sz="2000" dirty="0" smtClean="0">
-                <a:solidFill>
-                  <a:srgbClr val="FFC000"/>
-                </a:solidFill>
-              </a:rPr>
+              <a:rPr lang="pt-BR" sz="2000" dirty="0" smtClean="0"/>
               <a:t>[]) {</a:t>
             </a:r>
           </a:p>
@@ -16009,11 +15611,7 @@
                 <a:tab pos="722313" algn="l"/>
               </a:tabLst>
             </a:pPr>
-            <a:endParaRPr lang="pt-BR" sz="2000" dirty="0" smtClean="0">
-              <a:solidFill>
-                <a:srgbClr val="FFC000"/>
-              </a:solidFill>
-            </a:endParaRPr>
+            <a:endParaRPr lang="pt-BR" sz="2000" dirty="0" smtClean="0"/>
           </a:p>
           <a:p>
             <a:pPr marL="0" lvl="1" indent="0">
@@ -16025,20 +15623,8 @@
               </a:tabLst>
             </a:pPr>
             <a:r>
-              <a:rPr lang="pt-BR" sz="2000" dirty="0" smtClean="0">
-                <a:solidFill>
-                  <a:srgbClr val="FFC000"/>
-                </a:solidFill>
-              </a:rPr>
+              <a:rPr lang="pt-BR" sz="2000" dirty="0" smtClean="0"/>
               <a:t>		</a:t>
-            </a:r>
-            <a:r>
-              <a:rPr lang="pt-BR" sz="2000" dirty="0" err="1" smtClean="0"/>
-              <a:t>AlunoService</a:t>
-            </a:r>
-            <a:r>
-              <a:rPr lang="pt-BR" sz="2000" dirty="0" smtClean="0"/>
-              <a:t> </a:t>
             </a:r>
             <a:r>
               <a:rPr lang="pt-BR" sz="2000" dirty="0" err="1" smtClean="0">
@@ -16046,15 +15632,27 @@
                   <a:srgbClr val="FFC000"/>
                 </a:solidFill>
               </a:rPr>
+              <a:t>AlunoService</a:t>
+            </a:r>
+            <a:r>
+              <a:rPr lang="pt-BR" sz="2000" dirty="0" smtClean="0"/>
+              <a:t> </a:t>
+            </a:r>
+            <a:r>
+              <a:rPr lang="pt-BR" sz="2000" dirty="0" err="1" smtClean="0"/>
               <a:t>service</a:t>
             </a:r>
             <a:r>
-              <a:rPr lang="pt-BR" sz="2000" dirty="0" smtClean="0">
-                <a:solidFill>
-                  <a:srgbClr val="FFC000"/>
-                </a:solidFill>
-              </a:rPr>
+              <a:rPr lang="pt-BR" sz="2000" dirty="0" smtClean="0"/>
               <a:t> = </a:t>
+            </a:r>
+            <a:r>
+              <a:rPr lang="pt-BR" sz="2000" dirty="0" err="1" smtClean="0"/>
+              <a:t>new</a:t>
+            </a:r>
+            <a:r>
+              <a:rPr lang="pt-BR" sz="2000" dirty="0" smtClean="0"/>
+              <a:t> </a:t>
             </a:r>
             <a:r>
               <a:rPr lang="pt-BR" sz="2000" dirty="0" err="1" smtClean="0">
@@ -16062,26 +15660,10 @@
                   <a:srgbClr val="FFC000"/>
                 </a:solidFill>
               </a:rPr>
-              <a:t>new</a:t>
-            </a:r>
-            <a:r>
-              <a:rPr lang="pt-BR" sz="2000" dirty="0" smtClean="0">
-                <a:solidFill>
-                  <a:srgbClr val="FFC000"/>
-                </a:solidFill>
-              </a:rPr>
-              <a:t> </a:t>
-            </a:r>
-            <a:r>
-              <a:rPr lang="pt-BR" sz="2000" dirty="0" err="1" smtClean="0"/>
               <a:t>AlunoService</a:t>
             </a:r>
             <a:r>
-              <a:rPr lang="pt-BR" sz="2000" dirty="0" smtClean="0">
-                <a:solidFill>
-                  <a:srgbClr val="FFC000"/>
-                </a:solidFill>
-              </a:rPr>
+              <a:rPr lang="pt-BR" sz="2000" dirty="0" smtClean="0"/>
               <a:t>();</a:t>
             </a:r>
           </a:p>
@@ -16094,11 +15676,24 @@
                 <a:tab pos="722313" algn="l"/>
               </a:tabLst>
             </a:pPr>
-            <a:endParaRPr lang="pt-BR" sz="2000" dirty="0" smtClean="0">
-              <a:solidFill>
-                <a:srgbClr val="FFC000"/>
-              </a:solidFill>
-            </a:endParaRPr>
+            <a:endParaRPr lang="pt-BR" sz="2000" dirty="0" smtClean="0"/>
+          </a:p>
+          <a:p>
+            <a:pPr marL="0" lvl="1" indent="0">
+              <a:buNone/>
+              <a:tabLst>
+                <a:tab pos="354013" algn="l"/>
+                <a:tab pos="722313" algn="l"/>
+              </a:tabLst>
+            </a:pPr>
+            <a:r>
+              <a:rPr lang="pt-BR" sz="2000" dirty="0" smtClean="0">
+                <a:solidFill>
+                  <a:srgbClr val="00B050"/>
+                </a:solidFill>
+              </a:rPr>
+              <a:t>		/* Grava os dados do aluno na base de dados (síncrono). */</a:t>
+            </a:r>
           </a:p>
           <a:p>
             <a:pPr marL="0" lvl="1" indent="0">
@@ -16110,12 +15705,28 @@
               </a:tabLst>
             </a:pPr>
             <a:r>
-              <a:rPr lang="pt-BR" sz="2000" dirty="0" smtClean="0">
+              <a:rPr lang="pt-BR" sz="2000" dirty="0" smtClean="0"/>
+              <a:t>		</a:t>
+            </a:r>
+            <a:r>
+              <a:rPr lang="pt-BR" sz="2000" dirty="0" err="1" smtClean="0"/>
+              <a:t>service</a:t>
+            </a:r>
+            <a:r>
+              <a:rPr lang="pt-BR" sz="2000" dirty="0" smtClean="0"/>
+              <a:t>.</a:t>
+            </a:r>
+            <a:r>
+              <a:rPr lang="pt-BR" sz="2000" dirty="0" err="1" smtClean="0">
                 <a:solidFill>
-                  <a:srgbClr val="00B050"/>
+                  <a:srgbClr val="FFC000"/>
                 </a:solidFill>
               </a:rPr>
-              <a:t>		/* Grava os dados do aluno na base de dados (síncrono). */</a:t>
+              <a:t>gravarAluno</a:t>
+            </a:r>
+            <a:r>
+              <a:rPr lang="pt-BR" sz="2000" dirty="0" smtClean="0"/>
+              <a:t>(1022, “Manuel”, “manuel@portugal.com”);</a:t>
             </a:r>
           </a:p>
           <a:p>
@@ -16127,41 +15738,23 @@
                 <a:tab pos="722313" algn="l"/>
               </a:tabLst>
             </a:pPr>
+            <a:endParaRPr lang="pt-BR" sz="2000" dirty="0" smtClean="0"/>
+          </a:p>
+          <a:p>
+            <a:pPr marL="0" lvl="1" indent="0">
+              <a:buNone/>
+              <a:tabLst>
+                <a:tab pos="354013" algn="l"/>
+                <a:tab pos="722313" algn="l"/>
+              </a:tabLst>
+            </a:pPr>
             <a:r>
               <a:rPr lang="pt-BR" sz="2000" dirty="0" smtClean="0">
                 <a:solidFill>
-                  <a:srgbClr val="FFC000"/>
+                  <a:srgbClr val="00B050"/>
                 </a:solidFill>
               </a:rPr>
-              <a:t>		</a:t>
-            </a:r>
-            <a:r>
-              <a:rPr lang="pt-BR" sz="2000" dirty="0" err="1" smtClean="0">
-                <a:solidFill>
-                  <a:srgbClr val="FFC000"/>
-                </a:solidFill>
-              </a:rPr>
-              <a:t>service</a:t>
-            </a:r>
-            <a:r>
-              <a:rPr lang="pt-BR" sz="2000" dirty="0" smtClean="0">
-                <a:solidFill>
-                  <a:srgbClr val="FFC000"/>
-                </a:solidFill>
-              </a:rPr>
-              <a:t>.</a:t>
-            </a:r>
-            <a:r>
-              <a:rPr lang="pt-BR" sz="2000" dirty="0" err="1" smtClean="0"/>
-              <a:t>gravarAluno</a:t>
-            </a:r>
-            <a:r>
-              <a:rPr lang="pt-BR" sz="2000" dirty="0" smtClean="0">
-                <a:solidFill>
-                  <a:srgbClr val="FFC000"/>
-                </a:solidFill>
-              </a:rPr>
-              <a:t>(1022, “Manuel”, “manuel@portugal.com”);</a:t>
+              <a:t>		/* Envia um email ao aluno (assíncrono). */</a:t>
             </a:r>
           </a:p>
           <a:p>
@@ -16173,11 +15766,30 @@
                 <a:tab pos="722313" algn="l"/>
               </a:tabLst>
             </a:pPr>
-            <a:endParaRPr lang="pt-BR" sz="2000" dirty="0" smtClean="0">
-              <a:solidFill>
-                <a:srgbClr val="FFC000"/>
-              </a:solidFill>
-            </a:endParaRPr>
+            <a:r>
+              <a:rPr lang="pt-BR" sz="2000" dirty="0" smtClean="0"/>
+              <a:t>		</a:t>
+            </a:r>
+            <a:r>
+              <a:rPr lang="pt-BR" sz="2000" dirty="0" err="1" smtClean="0"/>
+              <a:t>service</a:t>
+            </a:r>
+            <a:r>
+              <a:rPr lang="pt-BR" sz="2000" dirty="0" smtClean="0"/>
+              <a:t>.</a:t>
+            </a:r>
+            <a:r>
+              <a:rPr lang="pt-BR" sz="2000" dirty="0" err="1" smtClean="0">
+                <a:solidFill>
+                  <a:srgbClr val="FFC000"/>
+                </a:solidFill>
+              </a:rPr>
+              <a:t>enviarEmailAoAluno</a:t>
+            </a:r>
+            <a:r>
+              <a:rPr lang="pt-BR" sz="2000" dirty="0" smtClean="0"/>
+              <a:t>(“Manuel”, “manuel@portugal.com”);</a:t>
+            </a:r>
           </a:p>
           <a:p>
             <a:pPr marL="0" lvl="1" indent="0">
@@ -16189,12 +15801,8 @@
               </a:tabLst>
             </a:pPr>
             <a:r>
-              <a:rPr lang="pt-BR" sz="2000" dirty="0" smtClean="0">
-                <a:solidFill>
-                  <a:srgbClr val="00B050"/>
-                </a:solidFill>
-              </a:rPr>
-              <a:t>		/* Envia um email ao aluno (assíncrono). */</a:t>
+              <a:rPr lang="pt-BR" sz="2000" dirty="0" smtClean="0"/>
+              <a:t>	}</a:t>
             </a:r>
           </a:p>
           <a:p>
@@ -16207,75 +15815,7 @@
               </a:tabLst>
             </a:pPr>
             <a:r>
-              <a:rPr lang="pt-BR" sz="2000" dirty="0" smtClean="0">
-                <a:solidFill>
-                  <a:srgbClr val="FFC000"/>
-                </a:solidFill>
-              </a:rPr>
-              <a:t>		</a:t>
-            </a:r>
-            <a:r>
-              <a:rPr lang="pt-BR" sz="2000" dirty="0" err="1" smtClean="0">
-                <a:solidFill>
-                  <a:srgbClr val="FFC000"/>
-                </a:solidFill>
-              </a:rPr>
-              <a:t>service</a:t>
-            </a:r>
-            <a:r>
-              <a:rPr lang="pt-BR" sz="2000" dirty="0" smtClean="0">
-                <a:solidFill>
-                  <a:srgbClr val="FFC000"/>
-                </a:solidFill>
-              </a:rPr>
-              <a:t>.</a:t>
-            </a:r>
-            <a:r>
-              <a:rPr lang="pt-BR" sz="2000" dirty="0" err="1" smtClean="0"/>
-              <a:t>enviarEmailAoAluno</a:t>
-            </a:r>
-            <a:r>
-              <a:rPr lang="pt-BR" sz="2000" dirty="0" smtClean="0">
-                <a:solidFill>
-                  <a:srgbClr val="FFC000"/>
-                </a:solidFill>
-              </a:rPr>
-              <a:t>(“Manuel”, “manuel@portugal.com”);</a:t>
-            </a:r>
-          </a:p>
-          <a:p>
-            <a:pPr marL="0" lvl="1" indent="0">
-              <a:buFont typeface="Wingdings 2" pitchFamily="18" charset="2"/>
-              <a:buNone/>
-              <a:tabLst>
-                <a:tab pos="354013" algn="l"/>
-                <a:tab pos="722313" algn="l"/>
-              </a:tabLst>
-            </a:pPr>
-            <a:r>
-              <a:rPr lang="pt-BR" sz="2000" dirty="0" smtClean="0">
-                <a:solidFill>
-                  <a:srgbClr val="FFC000"/>
-                </a:solidFill>
-              </a:rPr>
-              <a:t>	}</a:t>
-            </a:r>
-          </a:p>
-          <a:p>
-            <a:pPr marL="0" lvl="1" indent="0">
-              <a:buFont typeface="Wingdings 2" pitchFamily="18" charset="2"/>
-              <a:buNone/>
-              <a:tabLst>
-                <a:tab pos="354013" algn="l"/>
-                <a:tab pos="722313" algn="l"/>
-              </a:tabLst>
-            </a:pPr>
-            <a:r>
-              <a:rPr lang="pt-BR" sz="2000" dirty="0" smtClean="0">
-                <a:solidFill>
-                  <a:srgbClr val="FFC000"/>
-                </a:solidFill>
-              </a:rPr>
+              <a:rPr lang="pt-BR" sz="2000" dirty="0" smtClean="0"/>
               <a:t>}</a:t>
             </a:r>
           </a:p>
@@ -16393,23 +15933,31 @@
               <a:buNone/>
             </a:pPr>
             <a:r>
-              <a:rPr lang="pt-BR" sz="2000" smtClean="0">
+              <a:rPr lang="pt-BR" sz="2000" dirty="0" err="1" smtClean="0"/>
+              <a:t>public</a:t>
+            </a:r>
+            <a:r>
+              <a:rPr lang="pt-BR" sz="2000" dirty="0" smtClean="0"/>
+              <a:t> </a:t>
+            </a:r>
+            <a:r>
+              <a:rPr lang="pt-BR" sz="2000" dirty="0" err="1" smtClean="0"/>
+              <a:t>class</a:t>
+            </a:r>
+            <a:r>
+              <a:rPr lang="pt-BR" sz="2000" dirty="0" smtClean="0"/>
+              <a:t> </a:t>
+            </a:r>
+            <a:r>
+              <a:rPr lang="pt-BR" sz="2000" dirty="0" err="1" smtClean="0">
                 <a:solidFill>
                   <a:srgbClr val="FFC000"/>
                 </a:solidFill>
               </a:rPr>
-              <a:t>public class </a:t>
-            </a:r>
-            <a:r>
-              <a:rPr lang="pt-BR" sz="2000" smtClean="0"/>
               <a:t>ClasseExterna</a:t>
             </a:r>
             <a:r>
-              <a:rPr lang="pt-BR" sz="2000" smtClean="0">
-                <a:solidFill>
-                  <a:srgbClr val="FFC000"/>
-                </a:solidFill>
-              </a:rPr>
+              <a:rPr lang="pt-BR" sz="2000" dirty="0" smtClean="0"/>
               <a:t> {</a:t>
             </a:r>
           </a:p>
@@ -16422,23 +15970,35 @@
               <a:buNone/>
             </a:pPr>
             <a:r>
-              <a:rPr lang="pt-BR" sz="2000" smtClean="0">
+              <a:rPr lang="pt-BR" sz="2000" dirty="0" smtClean="0"/>
+              <a:t>	</a:t>
+            </a:r>
+            <a:r>
+              <a:rPr lang="pt-BR" sz="2000" dirty="0" err="1" smtClean="0"/>
+              <a:t>public</a:t>
+            </a:r>
+            <a:r>
+              <a:rPr lang="pt-BR" sz="2000" dirty="0" smtClean="0"/>
+              <a:t> </a:t>
+            </a:r>
+            <a:r>
+              <a:rPr lang="pt-BR" sz="2000" dirty="0" err="1" smtClean="0"/>
+              <a:t>int</a:t>
+            </a:r>
+            <a:r>
+              <a:rPr lang="pt-BR" sz="2000" dirty="0" smtClean="0"/>
+              <a:t> </a:t>
+            </a:r>
+            <a:r>
+              <a:rPr lang="pt-BR" sz="2000" dirty="0" smtClean="0">
                 <a:solidFill>
                   <a:srgbClr val="FFC000"/>
                 </a:solidFill>
               </a:rPr>
-              <a:t>	public int </a:t>
-            </a:r>
-            <a:r>
-              <a:rPr lang="pt-BR" sz="2000" smtClean="0"/>
               <a:t>valor</a:t>
             </a:r>
             <a:r>
-              <a:rPr lang="pt-BR" sz="2000" smtClean="0">
-                <a:solidFill>
-                  <a:srgbClr val="FFC000"/>
-                </a:solidFill>
-              </a:rPr>
+              <a:rPr lang="pt-BR" sz="2000" dirty="0" smtClean="0"/>
               <a:t> = 10;</a:t>
             </a:r>
           </a:p>
@@ -16450,11 +16010,7 @@
               <a:buFont typeface="Wingdings 2" pitchFamily="18" charset="2"/>
               <a:buNone/>
             </a:pPr>
-            <a:endParaRPr lang="pt-BR" sz="2000" smtClean="0">
-              <a:solidFill>
-                <a:srgbClr val="FFC000"/>
-              </a:solidFill>
-            </a:endParaRPr>
+            <a:endParaRPr lang="pt-BR" sz="2000" dirty="0" smtClean="0"/>
           </a:p>
           <a:p>
             <a:pPr marL="0" indent="0" eaLnBrk="1" hangingPunct="1">
@@ -16465,23 +16021,35 @@
               <a:buNone/>
             </a:pPr>
             <a:r>
-              <a:rPr lang="pt-BR" sz="2000" smtClean="0">
+              <a:rPr lang="pt-BR" sz="2000" dirty="0" smtClean="0"/>
+              <a:t>	</a:t>
+            </a:r>
+            <a:r>
+              <a:rPr lang="pt-BR" sz="2000" dirty="0" err="1" smtClean="0"/>
+              <a:t>public</a:t>
+            </a:r>
+            <a:r>
+              <a:rPr lang="pt-BR" sz="2000" dirty="0" smtClean="0"/>
+              <a:t> </a:t>
+            </a:r>
+            <a:r>
+              <a:rPr lang="pt-BR" sz="2000" dirty="0" err="1" smtClean="0"/>
+              <a:t>void</a:t>
+            </a:r>
+            <a:r>
+              <a:rPr lang="pt-BR" sz="2000" dirty="0" smtClean="0"/>
+              <a:t> </a:t>
+            </a:r>
+            <a:r>
+              <a:rPr lang="pt-BR" sz="2000" dirty="0" err="1" smtClean="0">
                 <a:solidFill>
                   <a:srgbClr val="FFC000"/>
                 </a:solidFill>
               </a:rPr>
-              <a:t>	public void </a:t>
-            </a:r>
-            <a:r>
-              <a:rPr lang="pt-BR" sz="2000" smtClean="0"/>
               <a:t>calculaValor</a:t>
             </a:r>
             <a:r>
-              <a:rPr lang="pt-BR" sz="2000" smtClean="0">
-                <a:solidFill>
-                  <a:srgbClr val="FFC000"/>
-                </a:solidFill>
-              </a:rPr>
+              <a:rPr lang="pt-BR" sz="2000" dirty="0" smtClean="0"/>
               <a:t>() {</a:t>
             </a:r>
           </a:p>
@@ -16494,23 +16062,35 @@
               <a:buNone/>
             </a:pPr>
             <a:r>
-              <a:rPr lang="pt-BR" sz="2000" smtClean="0">
+              <a:rPr lang="pt-BR" sz="2000" dirty="0" smtClean="0"/>
+              <a:t>		</a:t>
+            </a:r>
+            <a:r>
+              <a:rPr lang="pt-BR" sz="2000" dirty="0" err="1" smtClean="0"/>
+              <a:t>public</a:t>
+            </a:r>
+            <a:r>
+              <a:rPr lang="pt-BR" sz="2000" dirty="0" smtClean="0"/>
+              <a:t> </a:t>
+            </a:r>
+            <a:r>
+              <a:rPr lang="pt-BR" sz="2000" dirty="0" err="1" smtClean="0"/>
+              <a:t>class</a:t>
+            </a:r>
+            <a:r>
+              <a:rPr lang="pt-BR" sz="2000" dirty="0" smtClean="0"/>
+              <a:t> </a:t>
+            </a:r>
+            <a:r>
+              <a:rPr lang="pt-BR" sz="2000" dirty="0" err="1" smtClean="0">
                 <a:solidFill>
                   <a:srgbClr val="FFC000"/>
                 </a:solidFill>
               </a:rPr>
-              <a:t>		public class </a:t>
-            </a:r>
-            <a:r>
-              <a:rPr lang="pt-BR" sz="2000" smtClean="0"/>
               <a:t>ClasseLocal</a:t>
             </a:r>
             <a:r>
-              <a:rPr lang="pt-BR" sz="2000" smtClean="0">
-                <a:solidFill>
-                  <a:srgbClr val="FFC000"/>
-                </a:solidFill>
-              </a:rPr>
+              <a:rPr lang="pt-BR" sz="2000" dirty="0" smtClean="0"/>
               <a:t> {</a:t>
             </a:r>
           </a:p>
@@ -16523,12 +16103,24 @@
               <a:buNone/>
             </a:pPr>
             <a:r>
-              <a:rPr lang="pt-BR" sz="2000" smtClean="0">
-                <a:solidFill>
-                  <a:srgbClr val="FFC000"/>
-                </a:solidFill>
-              </a:rPr>
-              <a:t>			private String temp;</a:t>
+              <a:rPr lang="pt-BR" sz="2000" dirty="0" smtClean="0"/>
+              <a:t>			</a:t>
+            </a:r>
+            <a:r>
+              <a:rPr lang="pt-BR" sz="2000" dirty="0" err="1" smtClean="0"/>
+              <a:t>private</a:t>
+            </a:r>
+            <a:r>
+              <a:rPr lang="pt-BR" sz="2000" dirty="0" smtClean="0"/>
+              <a:t> String </a:t>
+            </a:r>
+            <a:r>
+              <a:rPr lang="pt-BR" sz="2000" dirty="0" err="1" smtClean="0"/>
+              <a:t>temp</a:t>
+            </a:r>
+            <a:r>
+              <a:rPr lang="pt-BR" sz="2000" dirty="0" smtClean="0"/>
+              <a:t>;</a:t>
             </a:r>
           </a:p>
           <a:p>
@@ -16540,23 +16132,35 @@
               <a:buNone/>
             </a:pPr>
             <a:r>
-              <a:rPr lang="pt-BR" sz="2000" smtClean="0">
+              <a:rPr lang="pt-BR" sz="2000" dirty="0" smtClean="0"/>
+              <a:t>			</a:t>
+            </a:r>
+            <a:r>
+              <a:rPr lang="pt-BR" sz="2000" dirty="0" err="1" smtClean="0"/>
+              <a:t>public</a:t>
+            </a:r>
+            <a:r>
+              <a:rPr lang="pt-BR" sz="2000" dirty="0" smtClean="0"/>
+              <a:t> </a:t>
+            </a:r>
+            <a:r>
+              <a:rPr lang="pt-BR" sz="2000" dirty="0" err="1" smtClean="0"/>
+              <a:t>void</a:t>
+            </a:r>
+            <a:r>
+              <a:rPr lang="pt-BR" sz="2000" dirty="0" smtClean="0"/>
+              <a:t> </a:t>
+            </a:r>
+            <a:r>
+              <a:rPr lang="pt-BR" sz="2000" dirty="0" err="1" smtClean="0">
                 <a:solidFill>
                   <a:srgbClr val="FFC000"/>
                 </a:solidFill>
               </a:rPr>
-              <a:t>			public void </a:t>
-            </a:r>
-            <a:r>
-              <a:rPr lang="pt-BR" sz="2000" smtClean="0"/>
               <a:t>calcTemp</a:t>
             </a:r>
             <a:r>
-              <a:rPr lang="pt-BR" sz="2000" smtClean="0">
-                <a:solidFill>
-                  <a:srgbClr val="FFC000"/>
-                </a:solidFill>
-              </a:rPr>
+              <a:rPr lang="pt-BR" sz="2000" dirty="0" smtClean="0"/>
               <a:t>() {</a:t>
             </a:r>
           </a:p>
@@ -16569,11 +16173,7 @@
               <a:buNone/>
             </a:pPr>
             <a:r>
-              <a:rPr lang="pt-BR" sz="2000" smtClean="0">
-                <a:solidFill>
-                  <a:srgbClr val="FFC000"/>
-                </a:solidFill>
-              </a:rPr>
+              <a:rPr lang="pt-BR" sz="2000" dirty="0" smtClean="0"/>
               <a:t>				...</a:t>
             </a:r>
           </a:p>
@@ -16586,11 +16186,7 @@
               <a:buNone/>
             </a:pPr>
             <a:r>
-              <a:rPr lang="pt-BR" sz="2000" smtClean="0">
-                <a:solidFill>
-                  <a:srgbClr val="FFC000"/>
-                </a:solidFill>
-              </a:rPr>
+              <a:rPr lang="pt-BR" sz="2000" dirty="0" smtClean="0"/>
               <a:t>			}</a:t>
             </a:r>
           </a:p>
@@ -16603,11 +16199,7 @@
               <a:buNone/>
             </a:pPr>
             <a:r>
-              <a:rPr lang="pt-BR" sz="2000" smtClean="0">
-                <a:solidFill>
-                  <a:srgbClr val="FFC000"/>
-                </a:solidFill>
-              </a:rPr>
+              <a:rPr lang="pt-BR" sz="2000" dirty="0" smtClean="0"/>
               <a:t>		}</a:t>
             </a:r>
           </a:p>
@@ -16619,11 +16211,7 @@
               <a:buFont typeface="Wingdings 2" pitchFamily="18" charset="2"/>
               <a:buNone/>
             </a:pPr>
-            <a:endParaRPr lang="pt-BR" sz="2000" smtClean="0">
-              <a:solidFill>
-                <a:srgbClr val="FFC000"/>
-              </a:solidFill>
-            </a:endParaRPr>
+            <a:endParaRPr lang="pt-BR" sz="2000" dirty="0" smtClean="0"/>
           </a:p>
           <a:p>
             <a:pPr marL="0" indent="0" eaLnBrk="1" hangingPunct="1">
@@ -16634,51 +16222,39 @@
               <a:buNone/>
             </a:pPr>
             <a:r>
-              <a:rPr lang="pt-BR" sz="2000" smtClean="0">
+              <a:rPr lang="pt-BR" sz="2000" dirty="0" smtClean="0"/>
+              <a:t>		</a:t>
+            </a:r>
+            <a:r>
+              <a:rPr lang="pt-BR" sz="2000" dirty="0" err="1" smtClean="0">
                 <a:solidFill>
                   <a:srgbClr val="FFC000"/>
                 </a:solidFill>
               </a:rPr>
-              <a:t>		</a:t>
-            </a:r>
-            <a:r>
-              <a:rPr lang="pt-BR" sz="2000" smtClean="0"/>
               <a:t>ClasseLocal</a:t>
             </a:r>
             <a:r>
-              <a:rPr lang="pt-BR" sz="2000" smtClean="0">
+              <a:rPr lang="pt-BR" sz="2000" dirty="0" smtClean="0"/>
+              <a:t> local = </a:t>
+            </a:r>
+            <a:r>
+              <a:rPr lang="pt-BR" sz="2000" b="1" dirty="0" err="1" smtClean="0"/>
+              <a:t>new</a:t>
+            </a:r>
+            <a:r>
+              <a:rPr lang="pt-BR" sz="2000" dirty="0" smtClean="0"/>
+              <a:t> </a:t>
+            </a:r>
+            <a:r>
+              <a:rPr lang="pt-BR" sz="2000" dirty="0" err="1" smtClean="0">
                 <a:solidFill>
                   <a:srgbClr val="FFC000"/>
                 </a:solidFill>
               </a:rPr>
-              <a:t> local = </a:t>
-            </a:r>
-            <a:r>
-              <a:rPr lang="pt-BR" sz="2000" b="1" smtClean="0">
-                <a:solidFill>
-                  <a:srgbClr val="FFC000"/>
-                </a:solidFill>
-              </a:rPr>
-              <a:t>new</a:t>
-            </a:r>
-            <a:r>
-              <a:rPr lang="pt-BR" sz="2000" smtClean="0">
-                <a:solidFill>
-                  <a:srgbClr val="FFC000"/>
-                </a:solidFill>
-              </a:rPr>
-              <a:t> </a:t>
-            </a:r>
-            <a:r>
-              <a:rPr lang="pt-BR" sz="2000" smtClean="0"/>
               <a:t>ClasseLocal</a:t>
             </a:r>
             <a:r>
-              <a:rPr lang="pt-BR" sz="2000" smtClean="0">
-                <a:solidFill>
-                  <a:srgbClr val="FFC000"/>
-                </a:solidFill>
-              </a:rPr>
+              <a:rPr lang="pt-BR" sz="2000" dirty="0" smtClean="0"/>
               <a:t>();</a:t>
             </a:r>
           </a:p>
@@ -16691,12 +16267,16 @@
               <a:buNone/>
             </a:pPr>
             <a:r>
-              <a:rPr lang="pt-BR" sz="2000" smtClean="0">
-                <a:solidFill>
-                  <a:srgbClr val="FFC000"/>
-                </a:solidFill>
-              </a:rPr>
-              <a:t>		local.calTemp();</a:t>
+              <a:rPr lang="pt-BR" sz="2000" dirty="0" smtClean="0"/>
+              <a:t>		local.</a:t>
+            </a:r>
+            <a:r>
+              <a:rPr lang="pt-BR" sz="2000" dirty="0" err="1" smtClean="0"/>
+              <a:t>calTemp</a:t>
+            </a:r>
+            <a:r>
+              <a:rPr lang="pt-BR" sz="2000" dirty="0" smtClean="0"/>
+              <a:t>();</a:t>
             </a:r>
           </a:p>
           <a:p>
@@ -16708,11 +16288,7 @@
               <a:buNone/>
             </a:pPr>
             <a:r>
-              <a:rPr lang="pt-BR" sz="2000" smtClean="0">
-                <a:solidFill>
-                  <a:srgbClr val="FFC000"/>
-                </a:solidFill>
-              </a:rPr>
+              <a:rPr lang="pt-BR" sz="2000" dirty="0" smtClean="0"/>
               <a:t>	}</a:t>
             </a:r>
           </a:p>
@@ -16725,11 +16301,7 @@
               <a:buNone/>
             </a:pPr>
             <a:r>
-              <a:rPr lang="pt-BR" sz="2000" smtClean="0">
-                <a:solidFill>
-                  <a:srgbClr val="FFC000"/>
-                </a:solidFill>
-              </a:rPr>
+              <a:rPr lang="pt-BR" sz="2000" dirty="0" smtClean="0"/>
               <a:t>}</a:t>
             </a:r>
           </a:p>
@@ -17984,23 +17556,31 @@
               <a:buNone/>
             </a:pPr>
             <a:r>
-              <a:rPr lang="pt-BR" sz="2000" smtClean="0">
+              <a:rPr lang="pt-BR" sz="2000" dirty="0" err="1" smtClean="0"/>
+              <a:t>public</a:t>
+            </a:r>
+            <a:r>
+              <a:rPr lang="pt-BR" sz="2000" dirty="0" smtClean="0"/>
+              <a:t> </a:t>
+            </a:r>
+            <a:r>
+              <a:rPr lang="pt-BR" sz="2000" dirty="0" err="1" smtClean="0"/>
+              <a:t>class</a:t>
+            </a:r>
+            <a:r>
+              <a:rPr lang="pt-BR" sz="2000" dirty="0" smtClean="0"/>
+              <a:t> </a:t>
+            </a:r>
+            <a:r>
+              <a:rPr lang="pt-BR" sz="2000" dirty="0" err="1" smtClean="0">
                 <a:solidFill>
                   <a:srgbClr val="FFC000"/>
                 </a:solidFill>
               </a:rPr>
-              <a:t>public class </a:t>
-            </a:r>
-            <a:r>
-              <a:rPr lang="pt-BR" sz="2000" smtClean="0"/>
               <a:t>ClasseExterna</a:t>
             </a:r>
             <a:r>
-              <a:rPr lang="pt-BR" sz="2000" smtClean="0">
-                <a:solidFill>
-                  <a:srgbClr val="FFC000"/>
-                </a:solidFill>
-              </a:rPr>
+              <a:rPr lang="pt-BR" sz="2000" dirty="0" smtClean="0"/>
               <a:t> {</a:t>
             </a:r>
           </a:p>
@@ -18012,11 +17592,7 @@
               <a:buFont typeface="Wingdings 2" pitchFamily="18" charset="2"/>
               <a:buNone/>
             </a:pPr>
-            <a:endParaRPr lang="pt-BR" sz="2000" smtClean="0">
-              <a:solidFill>
-                <a:srgbClr val="FFC000"/>
-              </a:solidFill>
-            </a:endParaRPr>
+            <a:endParaRPr lang="pt-BR" sz="2000" dirty="0" smtClean="0"/>
           </a:p>
           <a:p>
             <a:pPr marL="0" indent="0" eaLnBrk="1" hangingPunct="1">
@@ -18027,23 +17603,35 @@
               <a:buNone/>
             </a:pPr>
             <a:r>
-              <a:rPr lang="pt-BR" sz="2000" smtClean="0">
+              <a:rPr lang="pt-BR" sz="2000" dirty="0" smtClean="0"/>
+              <a:t>	</a:t>
+            </a:r>
+            <a:r>
+              <a:rPr lang="pt-BR" sz="2000" dirty="0" err="1" smtClean="0"/>
+              <a:t>public</a:t>
+            </a:r>
+            <a:r>
+              <a:rPr lang="pt-BR" sz="2000" dirty="0" smtClean="0"/>
+              <a:t> </a:t>
+            </a:r>
+            <a:r>
+              <a:rPr lang="pt-BR" sz="2000" dirty="0" err="1" smtClean="0"/>
+              <a:t>void</a:t>
+            </a:r>
+            <a:r>
+              <a:rPr lang="pt-BR" sz="2000" dirty="0" smtClean="0"/>
+              <a:t> </a:t>
+            </a:r>
+            <a:r>
+              <a:rPr lang="pt-BR" sz="2000" dirty="0" err="1" smtClean="0">
                 <a:solidFill>
                   <a:srgbClr val="FFC000"/>
                 </a:solidFill>
               </a:rPr>
-              <a:t>	public void </a:t>
-            </a:r>
-            <a:r>
-              <a:rPr lang="pt-BR" sz="2000" smtClean="0"/>
               <a:t>calculaValor</a:t>
             </a:r>
             <a:r>
-              <a:rPr lang="pt-BR" sz="2000" smtClean="0">
-                <a:solidFill>
-                  <a:srgbClr val="FFC000"/>
-                </a:solidFill>
-              </a:rPr>
+              <a:rPr lang="pt-BR" sz="2000" dirty="0" smtClean="0"/>
               <a:t>() {</a:t>
             </a:r>
           </a:p>
@@ -18055,11 +17643,7 @@
               <a:buFont typeface="Wingdings 2" pitchFamily="18" charset="2"/>
               <a:buNone/>
             </a:pPr>
-            <a:endParaRPr lang="pt-BR" sz="2000" smtClean="0">
-              <a:solidFill>
-                <a:srgbClr val="FFC000"/>
-              </a:solidFill>
-            </a:endParaRPr>
+            <a:endParaRPr lang="pt-BR" sz="2000" dirty="0" smtClean="0"/>
           </a:p>
           <a:p>
             <a:pPr marL="0" indent="0" eaLnBrk="1" hangingPunct="1">
@@ -18070,35 +17654,47 @@
               <a:buNone/>
             </a:pPr>
             <a:r>
-              <a:rPr lang="pt-BR" sz="2000" smtClean="0">
+              <a:rPr lang="pt-BR" sz="2000" dirty="0" smtClean="0"/>
+              <a:t>		</a:t>
+            </a:r>
+            <a:r>
+              <a:rPr lang="pt-BR" sz="2000" dirty="0" err="1" smtClean="0">
                 <a:solidFill>
                   <a:srgbClr val="FFC000"/>
                 </a:solidFill>
               </a:rPr>
-              <a:t>		</a:t>
-            </a:r>
-            <a:r>
-              <a:rPr lang="pt-BR" sz="2000" smtClean="0"/>
               <a:t>TipoX</a:t>
             </a:r>
             <a:r>
-              <a:rPr lang="pt-BR" sz="2000" smtClean="0">
+              <a:rPr lang="pt-BR" sz="2000" dirty="0" smtClean="0"/>
+              <a:t>  </a:t>
+            </a:r>
+            <a:r>
+              <a:rPr lang="pt-BR" sz="2000" dirty="0" err="1" smtClean="0"/>
+              <a:t>temp</a:t>
+            </a:r>
+            <a:r>
+              <a:rPr lang="pt-BR" sz="2000" dirty="0" smtClean="0"/>
+              <a:t> = </a:t>
+            </a:r>
+            <a:r>
+              <a:rPr lang="pt-BR" sz="2000" dirty="0" err="1" smtClean="0"/>
+              <a:t>new</a:t>
+            </a:r>
+            <a:r>
+              <a:rPr lang="pt-BR" sz="2000" dirty="0" smtClean="0"/>
+              <a:t> </a:t>
+            </a:r>
+            <a:r>
+              <a:rPr lang="pt-BR" sz="2000" dirty="0" err="1" smtClean="0">
                 <a:solidFill>
                   <a:srgbClr val="FFC000"/>
                 </a:solidFill>
               </a:rPr>
-              <a:t>  temp = new </a:t>
-            </a:r>
-            <a:r>
-              <a:rPr lang="pt-BR" sz="2000" smtClean="0"/>
               <a:t>TipoX</a:t>
             </a:r>
             <a:r>
-              <a:rPr lang="pt-BR" sz="2000" smtClean="0">
-                <a:solidFill>
-                  <a:srgbClr val="FFC000"/>
-                </a:solidFill>
-              </a:rPr>
+              <a:rPr lang="pt-BR" sz="2000" dirty="0" smtClean="0"/>
               <a:t>() {</a:t>
             </a:r>
           </a:p>
@@ -18111,23 +17707,35 @@
               <a:buNone/>
             </a:pPr>
             <a:r>
-              <a:rPr lang="pt-BR" sz="2000" smtClean="0">
+              <a:rPr lang="pt-BR" sz="2000" dirty="0" smtClean="0"/>
+              <a:t>			</a:t>
+            </a:r>
+            <a:r>
+              <a:rPr lang="pt-BR" sz="2000" dirty="0" err="1" smtClean="0"/>
+              <a:t>public</a:t>
+            </a:r>
+            <a:r>
+              <a:rPr lang="pt-BR" sz="2000" dirty="0" smtClean="0"/>
+              <a:t> </a:t>
+            </a:r>
+            <a:r>
+              <a:rPr lang="pt-BR" sz="2000" dirty="0" err="1" smtClean="0"/>
+              <a:t>void</a:t>
+            </a:r>
+            <a:r>
+              <a:rPr lang="pt-BR" sz="2000" dirty="0" smtClean="0"/>
+              <a:t> </a:t>
+            </a:r>
+            <a:r>
+              <a:rPr lang="pt-BR" sz="2000" dirty="0" smtClean="0">
                 <a:solidFill>
                   <a:srgbClr val="FFC000"/>
                 </a:solidFill>
               </a:rPr>
-              <a:t>			public void </a:t>
-            </a:r>
-            <a:r>
-              <a:rPr lang="pt-BR" sz="2000" smtClean="0"/>
               <a:t>metodo1</a:t>
             </a:r>
             <a:r>
-              <a:rPr lang="pt-BR" sz="2000" smtClean="0">
-                <a:solidFill>
-                  <a:srgbClr val="FFC000"/>
-                </a:solidFill>
-              </a:rPr>
+              <a:rPr lang="pt-BR" sz="2000" dirty="0" smtClean="0"/>
               <a:t>() {</a:t>
             </a:r>
           </a:p>
@@ -18140,11 +17748,7 @@
               <a:buNone/>
             </a:pPr>
             <a:r>
-              <a:rPr lang="pt-BR" sz="2000" smtClean="0">
-                <a:solidFill>
-                  <a:srgbClr val="FFC000"/>
-                </a:solidFill>
-              </a:rPr>
+              <a:rPr lang="pt-BR" sz="2000" dirty="0" smtClean="0"/>
               <a:t>				...</a:t>
             </a:r>
           </a:p>
@@ -18157,11 +17761,7 @@
               <a:buNone/>
             </a:pPr>
             <a:r>
-              <a:rPr lang="pt-BR" sz="2000" smtClean="0">
-                <a:solidFill>
-                  <a:srgbClr val="FFC000"/>
-                </a:solidFill>
-              </a:rPr>
+              <a:rPr lang="pt-BR" sz="2000" dirty="0" smtClean="0"/>
               <a:t>			}</a:t>
             </a:r>
           </a:p>
@@ -18174,11 +17774,7 @@
               <a:buNone/>
             </a:pPr>
             <a:r>
-              <a:rPr lang="pt-BR" sz="2000" smtClean="0">
-                <a:solidFill>
-                  <a:srgbClr val="FFC000"/>
-                </a:solidFill>
-              </a:rPr>
+              <a:rPr lang="pt-BR" sz="2000" dirty="0" smtClean="0"/>
               <a:t>		};</a:t>
             </a:r>
           </a:p>
@@ -18190,11 +17786,7 @@
               <a:buFont typeface="Wingdings 2" pitchFamily="18" charset="2"/>
               <a:buNone/>
             </a:pPr>
-            <a:endParaRPr lang="pt-BR" sz="2000" smtClean="0">
-              <a:solidFill>
-                <a:srgbClr val="FFC000"/>
-              </a:solidFill>
-            </a:endParaRPr>
+            <a:endParaRPr lang="pt-BR" sz="2000" dirty="0" smtClean="0"/>
           </a:p>
           <a:p>
             <a:pPr marL="0" indent="0" eaLnBrk="1" hangingPunct="1">
@@ -18205,23 +17797,19 @@
               <a:buNone/>
             </a:pPr>
             <a:r>
-              <a:rPr lang="pt-BR" sz="2000" smtClean="0">
+              <a:rPr lang="pt-BR" sz="2000" dirty="0" smtClean="0"/>
+              <a:t>		temp.</a:t>
+            </a:r>
+            <a:r>
+              <a:rPr lang="pt-BR" sz="2000" dirty="0" smtClean="0">
                 <a:solidFill>
                   <a:srgbClr val="FFC000"/>
                 </a:solidFill>
               </a:rPr>
-              <a:t>		temp.</a:t>
-            </a:r>
-            <a:r>
-              <a:rPr lang="pt-BR" sz="2000" smtClean="0"/>
               <a:t>metodo1</a:t>
             </a:r>
             <a:r>
-              <a:rPr lang="pt-BR" sz="2000" smtClean="0">
-                <a:solidFill>
-                  <a:srgbClr val="FFC000"/>
-                </a:solidFill>
-              </a:rPr>
+              <a:rPr lang="pt-BR" sz="2000" dirty="0" smtClean="0"/>
               <a:t>();</a:t>
             </a:r>
           </a:p>
@@ -18234,11 +17822,7 @@
               <a:buNone/>
             </a:pPr>
             <a:r>
-              <a:rPr lang="pt-BR" sz="2000" smtClean="0">
-                <a:solidFill>
-                  <a:srgbClr val="FFC000"/>
-                </a:solidFill>
-              </a:rPr>
+              <a:rPr lang="pt-BR" sz="2000" dirty="0" smtClean="0"/>
               <a:t>	}</a:t>
             </a:r>
           </a:p>
@@ -18251,11 +17835,7 @@
               <a:buNone/>
             </a:pPr>
             <a:r>
-              <a:rPr lang="pt-BR" sz="2000" smtClean="0">
-                <a:solidFill>
-                  <a:srgbClr val="FFC000"/>
-                </a:solidFill>
-              </a:rPr>
+              <a:rPr lang="pt-BR" sz="2000" dirty="0" smtClean="0"/>
               <a:t>}</a:t>
             </a:r>
           </a:p>
@@ -18280,7 +17860,7 @@
           <a:noFill/>
           <a:ln w="9525">
             <a:solidFill>
-              <a:srgbClr val="FFC000"/>
+              <a:schemeClr val="tx1"/>
             </a:solidFill>
             <a:miter lim="800000"/>
             <a:headEnd/>

--- a/2-Java-Programmer-Modulo-II/01.Capitulo01.pptx
+++ b/2-Java-Programmer-Modulo-II/01.Capitulo01.pptx
@@ -268,7 +268,7 @@
               <a:pPr>
                 <a:defRPr/>
               </a:pPr>
-              <a:t>16/04/2012</a:t>
+              <a:t>22/04/2012</a:t>
             </a:fld>
             <a:endParaRPr lang="pt-BR"/>
           </a:p>
@@ -3404,7 +3404,7 @@
               <a:pPr>
                 <a:defRPr/>
               </a:pPr>
-              <a:t>16/04/2012</a:t>
+              <a:t>22/04/2012</a:t>
             </a:fld>
             <a:endParaRPr lang="pt-BR"/>
           </a:p>
@@ -3596,7 +3596,7 @@
               <a:pPr>
                 <a:defRPr/>
               </a:pPr>
-              <a:t>16/04/2012</a:t>
+              <a:t>22/04/2012</a:t>
             </a:fld>
             <a:endParaRPr lang="pt-BR"/>
           </a:p>
@@ -3798,7 +3798,7 @@
               <a:pPr>
                 <a:defRPr/>
               </a:pPr>
-              <a:t>16/04/2012</a:t>
+              <a:t>22/04/2012</a:t>
             </a:fld>
             <a:endParaRPr lang="pt-BR"/>
           </a:p>
@@ -3994,7 +3994,7 @@
               <a:pPr>
                 <a:defRPr/>
               </a:pPr>
-              <a:t>16/04/2012</a:t>
+              <a:t>22/04/2012</a:t>
             </a:fld>
             <a:endParaRPr lang="pt-BR"/>
           </a:p>
@@ -4500,7 +4500,7 @@
               <a:pPr>
                 <a:defRPr/>
               </a:pPr>
-              <a:t>16/04/2012</a:t>
+              <a:t>22/04/2012</a:t>
             </a:fld>
             <a:endParaRPr lang="pt-BR"/>
           </a:p>
@@ -4791,7 +4791,7 @@
               <a:pPr>
                 <a:defRPr/>
               </a:pPr>
-              <a:t>16/04/2012</a:t>
+              <a:t>22/04/2012</a:t>
             </a:fld>
             <a:endParaRPr lang="pt-BR"/>
           </a:p>
@@ -5192,7 +5192,7 @@
               <a:pPr>
                 <a:defRPr/>
               </a:pPr>
-              <a:t>16/04/2012</a:t>
+              <a:t>22/04/2012</a:t>
             </a:fld>
             <a:endParaRPr lang="pt-BR"/>
           </a:p>
@@ -5341,7 +5341,7 @@
               <a:pPr>
                 <a:defRPr/>
               </a:pPr>
-              <a:t>16/04/2012</a:t>
+              <a:t>22/04/2012</a:t>
             </a:fld>
             <a:endParaRPr lang="pt-BR"/>
           </a:p>
@@ -5458,7 +5458,7 @@
               <a:pPr>
                 <a:defRPr/>
               </a:pPr>
-              <a:t>16/04/2012</a:t>
+              <a:t>22/04/2012</a:t>
             </a:fld>
             <a:endParaRPr lang="pt-BR"/>
           </a:p>
@@ -5734,7 +5734,7 @@
               <a:pPr>
                 <a:defRPr/>
               </a:pPr>
-              <a:t>16/04/2012</a:t>
+              <a:t>22/04/2012</a:t>
             </a:fld>
             <a:endParaRPr lang="pt-BR"/>
           </a:p>
@@ -6018,7 +6018,7 @@
               <a:pPr>
                 <a:defRPr/>
               </a:pPr>
-              <a:t>16/04/2012</a:t>
+              <a:t>22/04/2012</a:t>
             </a:fld>
             <a:endParaRPr lang="pt-BR"/>
           </a:p>
@@ -6496,7 +6496,7 @@
               <a:pPr>
                 <a:defRPr/>
               </a:pPr>
-              <a:t>16/04/2012</a:t>
+              <a:t>22/04/2012</a:t>
             </a:fld>
             <a:endParaRPr lang="pt-BR"/>
           </a:p>
@@ -9870,13 +9870,8 @@
             <a:pPr eaLnBrk="1" hangingPunct="1"/>
             <a:r>
               <a:rPr lang="pt-BR" dirty="0" smtClean="0"/>
-              <a:t>Classe </a:t>
-            </a:r>
-            <a:r>
-              <a:rPr lang="pt-BR" dirty="0" smtClean="0"/>
-              <a:t>interna anônima</a:t>
-            </a:r>
-            <a:endParaRPr lang="pt-BR" dirty="0" smtClean="0"/>
+              <a:t>Classe interna anônima</a:t>
+            </a:r>
           </a:p>
         </p:txBody>
       </p:sp>
@@ -13162,7 +13157,6 @@
               <a:rPr lang="pt-BR" sz="2000" dirty="0" smtClean="0"/>
               <a:t> {</a:t>
             </a:r>
-            <a:endParaRPr lang="pt-BR" sz="2000" dirty="0" smtClean="0"/>
           </a:p>
           <a:p>
             <a:pPr marL="442913" indent="0">
@@ -13198,15 +13192,7 @@
             </a:r>
             <a:r>
               <a:rPr lang="pt-BR" sz="2000" dirty="0" smtClean="0"/>
-              <a:t> </a:t>
-            </a:r>
-            <a:r>
-              <a:rPr lang="pt-BR" sz="2000" dirty="0" smtClean="0"/>
-              <a:t>metodo1() </a:t>
-            </a:r>
-            <a:r>
-              <a:rPr lang="pt-BR" sz="2000" dirty="0" smtClean="0"/>
-              <a:t>{</a:t>
+              <a:t> metodo1() {</a:t>
             </a:r>
           </a:p>
           <a:p>
@@ -13247,17 +13233,12 @@
             </a:r>
             <a:r>
               <a:rPr lang="pt-BR" sz="2000" dirty="0" err="1" smtClean="0"/>
-              <a:t>A</a:t>
-            </a:r>
-            <a:r>
-              <a:rPr lang="pt-BR" sz="2000" dirty="0" err="1" smtClean="0"/>
-              <a:t>lpha</a:t>
+              <a:t>Alpha</a:t>
             </a:r>
             <a:r>
               <a:rPr lang="pt-BR" sz="2000" dirty="0" smtClean="0"/>
               <a:t>");</a:t>
             </a:r>
-            <a:endParaRPr lang="pt-BR" sz="2000" dirty="0" smtClean="0"/>
           </a:p>
           <a:p>
             <a:pPr marL="442913" indent="0">
@@ -13314,11 +13295,7 @@
             </a:r>
             <a:r>
               <a:rPr lang="pt-BR" sz="2000" dirty="0" smtClean="0"/>
-              <a:t> Beta </a:t>
-            </a:r>
-            <a:r>
-              <a:rPr lang="pt-BR" sz="2000" dirty="0" smtClean="0"/>
-              <a:t>{</a:t>
+              <a:t> Beta {</a:t>
             </a:r>
           </a:p>
           <a:p>
@@ -13355,15 +13332,7 @@
             </a:r>
             <a:r>
               <a:rPr lang="pt-BR" sz="2000" dirty="0" smtClean="0"/>
-              <a:t> </a:t>
-            </a:r>
-            <a:r>
-              <a:rPr lang="pt-BR" sz="2000" dirty="0" smtClean="0"/>
-              <a:t>metodo2() </a:t>
-            </a:r>
-            <a:r>
-              <a:rPr lang="pt-BR" sz="2000" dirty="0" smtClean="0"/>
-              <a:t>{</a:t>
+              <a:t> metodo2() {</a:t>
             </a:r>
           </a:p>
           <a:p>
@@ -13402,7 +13371,6 @@
               <a:rPr lang="pt-BR" sz="2000" dirty="0" smtClean="0"/>
               <a:t> da classe Beta");</a:t>
             </a:r>
-            <a:endParaRPr lang="pt-BR" sz="2000" dirty="0" smtClean="0"/>
           </a:p>
           <a:p>
             <a:pPr marL="442913" indent="0">
@@ -13459,11 +13427,7 @@
             </a:r>
             <a:r>
               <a:rPr lang="pt-BR" sz="2000" dirty="0" smtClean="0"/>
-              <a:t> Gama </a:t>
-            </a:r>
-            <a:r>
-              <a:rPr lang="pt-BR" sz="2000" dirty="0" smtClean="0"/>
-              <a:t>{</a:t>
+              <a:t> Gama {</a:t>
             </a:r>
           </a:p>
           <a:p>
@@ -13500,15 +13464,7 @@
             </a:r>
             <a:r>
               <a:rPr lang="pt-BR" sz="2000" dirty="0" smtClean="0"/>
-              <a:t> </a:t>
-            </a:r>
-            <a:r>
-              <a:rPr lang="pt-BR" sz="2000" dirty="0" smtClean="0"/>
-              <a:t>metodo3() </a:t>
-            </a:r>
-            <a:r>
-              <a:rPr lang="pt-BR" sz="2000" dirty="0" smtClean="0"/>
-              <a:t>{</a:t>
+              <a:t> metodo3() {</a:t>
             </a:r>
           </a:p>
           <a:p>
@@ -13547,7 +13503,6 @@
               <a:rPr lang="pt-BR" sz="2000" dirty="0" smtClean="0"/>
               <a:t> da classe Gama");</a:t>
             </a:r>
-            <a:endParaRPr lang="pt-BR" sz="2000" dirty="0" smtClean="0"/>
           </a:p>
           <a:p>
             <a:pPr marL="442913" indent="0">
@@ -18148,13 +18103,8 @@
             <a:pPr eaLnBrk="1" hangingPunct="1"/>
             <a:r>
               <a:rPr lang="pt-BR" dirty="0" smtClean="0"/>
-              <a:t>Classe </a:t>
-            </a:r>
-            <a:r>
-              <a:rPr lang="pt-BR" dirty="0" smtClean="0"/>
-              <a:t>interna</a:t>
-            </a:r>
-            <a:endParaRPr lang="pt-BR" dirty="0" smtClean="0"/>
+              <a:t>Classe interna</a:t>
+            </a:r>
           </a:p>
         </p:txBody>
       </p:sp>
@@ -19006,7 +18956,23 @@
                   <a:srgbClr val="00B050"/>
                 </a:solidFill>
               </a:rPr>
-              <a:t>		/* Grava os dados do aluno na base de dados (síncrono). */</a:t>
+              <a:t>		/* Grava os dados do aluno na base de </a:t>
+            </a:r>
+            <a:r>
+              <a:rPr lang="pt-BR" sz="2000" dirty="0" smtClean="0">
+                <a:solidFill>
+                  <a:srgbClr val="00B050"/>
+                </a:solidFill>
+              </a:rPr>
+              <a:t>dados. </a:t>
+            </a:r>
+            <a:r>
+              <a:rPr lang="pt-BR" sz="2000" dirty="0" smtClean="0">
+                <a:solidFill>
+                  <a:srgbClr val="00B050"/>
+                </a:solidFill>
+              </a:rPr>
+              <a:t>*/</a:t>
             </a:r>
           </a:p>
           <a:p>
@@ -19068,7 +19034,23 @@
                   <a:srgbClr val="00B050"/>
                 </a:solidFill>
               </a:rPr>
-              <a:t>		/* Envia um email ao aluno (assíncrono). */</a:t>
+              <a:t>		/* Envia um email ao aluno </a:t>
+            </a:r>
+            <a:r>
+              <a:rPr lang="pt-BR" sz="2000" dirty="0" smtClean="0">
+                <a:solidFill>
+                  <a:srgbClr val="00B050"/>
+                </a:solidFill>
+              </a:rPr>
+              <a:t>de forma assíncrona (thread). </a:t>
+            </a:r>
+            <a:r>
+              <a:rPr lang="pt-BR" sz="2000" dirty="0" smtClean="0">
+                <a:solidFill>
+                  <a:srgbClr val="00B050"/>
+                </a:solidFill>
+              </a:rPr>
+              <a:t>*/</a:t>
             </a:r>
           </a:p>
           <a:p>
@@ -19371,17 +19353,8 @@
             </a:r>
             <a:r>
               <a:rPr lang="pt-BR" sz="2000" dirty="0" smtClean="0"/>
-              <a:t> </a:t>
-            </a:r>
-            <a:r>
-              <a:rPr lang="pt-BR" sz="2000" dirty="0" smtClean="0"/>
-              <a:t>= </a:t>
-            </a:r>
-            <a:r>
-              <a:rPr lang="pt-BR" sz="2000" dirty="0" smtClean="0"/>
-              <a:t>3;</a:t>
-            </a:r>
-            <a:endParaRPr lang="pt-BR" sz="2000" dirty="0" smtClean="0"/>
+              <a:t> = 3;</a:t>
+            </a:r>
           </a:p>
           <a:p>
             <a:pPr marL="0" indent="0" eaLnBrk="1" hangingPunct="1">
@@ -19584,7 +19557,6 @@
               <a:rPr lang="pt-BR" sz="2000" dirty="0" smtClean="0"/>
               <a:t> = 8;</a:t>
             </a:r>
-            <a:endParaRPr lang="pt-BR" sz="2000" dirty="0" smtClean="0"/>
           </a:p>
           <a:p>
             <a:pPr marL="0" indent="0" eaLnBrk="1" hangingPunct="1">
@@ -19677,7 +19649,6 @@
               <a:rPr lang="pt-BR" sz="2000" dirty="0" smtClean="0"/>
               <a:t>* local;</a:t>
             </a:r>
-            <a:endParaRPr lang="pt-BR" sz="2000" dirty="0" smtClean="0"/>
           </a:p>
           <a:p>
             <a:pPr marL="0" indent="0" eaLnBrk="1" hangingPunct="1">
@@ -19805,11 +19776,7 @@
             </a:pPr>
             <a:r>
               <a:rPr lang="pt-BR" sz="2000" dirty="0" smtClean="0"/>
-              <a:t>		</a:t>
-            </a:r>
-            <a:r>
-              <a:rPr lang="pt-BR" sz="2000" dirty="0" smtClean="0"/>
-              <a:t>System.</a:t>
+              <a:t>		System.</a:t>
             </a:r>
             <a:r>
               <a:rPr lang="pt-BR" sz="2000" dirty="0" err="1" smtClean="0"/>
@@ -19827,7 +19794,6 @@
               <a:rPr lang="pt-BR" sz="2000" dirty="0" smtClean="0"/>
               <a:t>());</a:t>
             </a:r>
-            <a:endParaRPr lang="pt-BR" sz="2000" dirty="0" smtClean="0"/>
           </a:p>
           <a:p>
             <a:pPr marL="0" indent="0" eaLnBrk="1" hangingPunct="1">
@@ -21191,11 +21157,7 @@
             </a:pPr>
             <a:r>
               <a:rPr lang="pt-BR" sz="2800" dirty="0" smtClean="0"/>
-              <a:t>Uma classe interna local pode ser utilizada apenas dentro do método em que foi criada</a:t>
-            </a:r>
-            <a:r>
-              <a:rPr lang="pt-BR" sz="2800" dirty="0" smtClean="0"/>
-              <a:t>.</a:t>
+              <a:t>Uma classe interna local pode ser utilizada apenas dentro do método em que foi criada.</a:t>
             </a:r>
           </a:p>
           <a:p>
@@ -21243,7 +21205,6 @@
               <a:rPr lang="pt-BR" sz="2800" dirty="0" smtClean="0"/>
               <a:t>Uma classe interna local só pode utilizar uma variável local ao método onde ela se encontra se a variável local for uma constante (final).</a:t>
             </a:r>
-            <a:endParaRPr lang="pt-BR" sz="2800" dirty="0" smtClean="0"/>
           </a:p>
         </p:txBody>
       </p:sp>

--- a/2-Java-Programmer-Modulo-II/01.Capitulo01.pptx
+++ b/2-Java-Programmer-Modulo-II/01.Capitulo01.pptx
@@ -268,7 +268,7 @@
               <a:pPr>
                 <a:defRPr/>
               </a:pPr>
-              <a:t>22/04/2012</a:t>
+              <a:t>05/05/2012</a:t>
             </a:fld>
             <a:endParaRPr lang="pt-BR"/>
           </a:p>
@@ -3404,7 +3404,7 @@
               <a:pPr>
                 <a:defRPr/>
               </a:pPr>
-              <a:t>22/04/2012</a:t>
+              <a:t>05/05/2012</a:t>
             </a:fld>
             <a:endParaRPr lang="pt-BR"/>
           </a:p>
@@ -3596,7 +3596,7 @@
               <a:pPr>
                 <a:defRPr/>
               </a:pPr>
-              <a:t>22/04/2012</a:t>
+              <a:t>05/05/2012</a:t>
             </a:fld>
             <a:endParaRPr lang="pt-BR"/>
           </a:p>
@@ -3798,7 +3798,7 @@
               <a:pPr>
                 <a:defRPr/>
               </a:pPr>
-              <a:t>22/04/2012</a:t>
+              <a:t>05/05/2012</a:t>
             </a:fld>
             <a:endParaRPr lang="pt-BR"/>
           </a:p>
@@ -3994,7 +3994,7 @@
               <a:pPr>
                 <a:defRPr/>
               </a:pPr>
-              <a:t>22/04/2012</a:t>
+              <a:t>05/05/2012</a:t>
             </a:fld>
             <a:endParaRPr lang="pt-BR"/>
           </a:p>
@@ -4500,7 +4500,7 @@
               <a:pPr>
                 <a:defRPr/>
               </a:pPr>
-              <a:t>22/04/2012</a:t>
+              <a:t>05/05/2012</a:t>
             </a:fld>
             <a:endParaRPr lang="pt-BR"/>
           </a:p>
@@ -4791,7 +4791,7 @@
               <a:pPr>
                 <a:defRPr/>
               </a:pPr>
-              <a:t>22/04/2012</a:t>
+              <a:t>05/05/2012</a:t>
             </a:fld>
             <a:endParaRPr lang="pt-BR"/>
           </a:p>
@@ -5192,7 +5192,7 @@
               <a:pPr>
                 <a:defRPr/>
               </a:pPr>
-              <a:t>22/04/2012</a:t>
+              <a:t>05/05/2012</a:t>
             </a:fld>
             <a:endParaRPr lang="pt-BR"/>
           </a:p>
@@ -5341,7 +5341,7 @@
               <a:pPr>
                 <a:defRPr/>
               </a:pPr>
-              <a:t>22/04/2012</a:t>
+              <a:t>05/05/2012</a:t>
             </a:fld>
             <a:endParaRPr lang="pt-BR"/>
           </a:p>
@@ -5458,7 +5458,7 @@
               <a:pPr>
                 <a:defRPr/>
               </a:pPr>
-              <a:t>22/04/2012</a:t>
+              <a:t>05/05/2012</a:t>
             </a:fld>
             <a:endParaRPr lang="pt-BR"/>
           </a:p>
@@ -5734,7 +5734,7 @@
               <a:pPr>
                 <a:defRPr/>
               </a:pPr>
-              <a:t>22/04/2012</a:t>
+              <a:t>05/05/2012</a:t>
             </a:fld>
             <a:endParaRPr lang="pt-BR"/>
           </a:p>
@@ -6018,7 +6018,7 @@
               <a:pPr>
                 <a:defRPr/>
               </a:pPr>
-              <a:t>22/04/2012</a:t>
+              <a:t>05/05/2012</a:t>
             </a:fld>
             <a:endParaRPr lang="pt-BR"/>
           </a:p>
@@ -6496,7 +6496,7 @@
               <a:pPr>
                 <a:defRPr/>
               </a:pPr>
-              <a:t>22/04/2012</a:t>
+              <a:t>05/05/2012</a:t>
             </a:fld>
             <a:endParaRPr lang="pt-BR"/>
           </a:p>
@@ -7075,10 +7075,20 @@
               <a:defRPr/>
             </a:pPr>
             <a:r>
-              <a:rPr lang="pt-BR" cap="none" smtClean="0"/>
+              <a:rPr lang="pt-BR" cap="none" dirty="0" smtClean="0"/>
               <a:t>Classes Internas</a:t>
             </a:r>
-            <a:endParaRPr lang="pt-BR" cap="none"/>
+            <a:br>
+              <a:rPr lang="pt-BR" cap="none" dirty="0" smtClean="0"/>
+            </a:br>
+            <a:r>
+              <a:rPr lang="pt-BR" sz="1800" cap="none" dirty="0" smtClean="0"/>
+              <a:t>Pág. 14 a 29</a:t>
+            </a:r>
+            <a:br>
+              <a:rPr lang="pt-BR" sz="1800" cap="none" dirty="0" smtClean="0"/>
+            </a:br>
+            <a:endParaRPr lang="pt-BR" cap="none" dirty="0"/>
           </a:p>
         </p:txBody>
       </p:sp>
@@ -7104,7 +7114,7 @@
           <a:p>
             <a:pPr eaLnBrk="1" hangingPunct="1"/>
             <a:r>
-              <a:rPr lang="pt-BR" smtClean="0"/>
+              <a:rPr lang="pt-BR" dirty="0" smtClean="0"/>
               <a:t>Capítulo 1</a:t>
             </a:r>
           </a:p>
@@ -18956,23 +18966,7 @@
                   <a:srgbClr val="00B050"/>
                 </a:solidFill>
               </a:rPr>
-              <a:t>		/* Grava os dados do aluno na base de </a:t>
-            </a:r>
-            <a:r>
-              <a:rPr lang="pt-BR" sz="2000" dirty="0" smtClean="0">
-                <a:solidFill>
-                  <a:srgbClr val="00B050"/>
-                </a:solidFill>
-              </a:rPr>
-              <a:t>dados. </a:t>
-            </a:r>
-            <a:r>
-              <a:rPr lang="pt-BR" sz="2000" dirty="0" smtClean="0">
-                <a:solidFill>
-                  <a:srgbClr val="00B050"/>
-                </a:solidFill>
-              </a:rPr>
-              <a:t>*/</a:t>
+              <a:t>		/* Grava os dados do aluno na base de dados. */</a:t>
             </a:r>
           </a:p>
           <a:p>
@@ -19034,23 +19028,7 @@
                   <a:srgbClr val="00B050"/>
                 </a:solidFill>
               </a:rPr>
-              <a:t>		/* Envia um email ao aluno </a:t>
-            </a:r>
-            <a:r>
-              <a:rPr lang="pt-BR" sz="2000" dirty="0" smtClean="0">
-                <a:solidFill>
-                  <a:srgbClr val="00B050"/>
-                </a:solidFill>
-              </a:rPr>
-              <a:t>de forma assíncrona (thread). </a:t>
-            </a:r>
-            <a:r>
-              <a:rPr lang="pt-BR" sz="2000" dirty="0" smtClean="0">
-                <a:solidFill>
-                  <a:srgbClr val="00B050"/>
-                </a:solidFill>
-              </a:rPr>
-              <a:t>*/</a:t>
+              <a:t>		/* Envia um email ao aluno de forma assíncrona (thread). */</a:t>
             </a:r>
           </a:p>
           <a:p>

--- a/2-Java-Programmer-Modulo-II/01.Capitulo01.pptx
+++ b/2-Java-Programmer-Modulo-II/01.Capitulo01.pptx
@@ -268,7 +268,7 @@
               <a:pPr>
                 <a:defRPr/>
               </a:pPr>
-              <a:t>05/05/2012</a:t>
+              <a:t>30/6/2012</a:t>
             </a:fld>
             <a:endParaRPr lang="pt-BR"/>
           </a:p>
@@ -3404,7 +3404,7 @@
               <a:pPr>
                 <a:defRPr/>
               </a:pPr>
-              <a:t>05/05/2012</a:t>
+              <a:t>30/6/2012</a:t>
             </a:fld>
             <a:endParaRPr lang="pt-BR"/>
           </a:p>
@@ -3596,7 +3596,7 @@
               <a:pPr>
                 <a:defRPr/>
               </a:pPr>
-              <a:t>05/05/2012</a:t>
+              <a:t>30/6/2012</a:t>
             </a:fld>
             <a:endParaRPr lang="pt-BR"/>
           </a:p>
@@ -3798,7 +3798,7 @@
               <a:pPr>
                 <a:defRPr/>
               </a:pPr>
-              <a:t>05/05/2012</a:t>
+              <a:t>30/6/2012</a:t>
             </a:fld>
             <a:endParaRPr lang="pt-BR"/>
           </a:p>
@@ -3994,7 +3994,7 @@
               <a:pPr>
                 <a:defRPr/>
               </a:pPr>
-              <a:t>05/05/2012</a:t>
+              <a:t>30/6/2012</a:t>
             </a:fld>
             <a:endParaRPr lang="pt-BR"/>
           </a:p>
@@ -4500,7 +4500,7 @@
               <a:pPr>
                 <a:defRPr/>
               </a:pPr>
-              <a:t>05/05/2012</a:t>
+              <a:t>30/6/2012</a:t>
             </a:fld>
             <a:endParaRPr lang="pt-BR"/>
           </a:p>
@@ -4791,7 +4791,7 @@
               <a:pPr>
                 <a:defRPr/>
               </a:pPr>
-              <a:t>05/05/2012</a:t>
+              <a:t>30/6/2012</a:t>
             </a:fld>
             <a:endParaRPr lang="pt-BR"/>
           </a:p>
@@ -5192,7 +5192,7 @@
               <a:pPr>
                 <a:defRPr/>
               </a:pPr>
-              <a:t>05/05/2012</a:t>
+              <a:t>30/6/2012</a:t>
             </a:fld>
             <a:endParaRPr lang="pt-BR"/>
           </a:p>
@@ -5341,7 +5341,7 @@
               <a:pPr>
                 <a:defRPr/>
               </a:pPr>
-              <a:t>05/05/2012</a:t>
+              <a:t>30/6/2012</a:t>
             </a:fld>
             <a:endParaRPr lang="pt-BR"/>
           </a:p>
@@ -5458,7 +5458,7 @@
               <a:pPr>
                 <a:defRPr/>
               </a:pPr>
-              <a:t>05/05/2012</a:t>
+              <a:t>30/6/2012</a:t>
             </a:fld>
             <a:endParaRPr lang="pt-BR"/>
           </a:p>
@@ -5734,7 +5734,7 @@
               <a:pPr>
                 <a:defRPr/>
               </a:pPr>
-              <a:t>05/05/2012</a:t>
+              <a:t>30/6/2012</a:t>
             </a:fld>
             <a:endParaRPr lang="pt-BR"/>
           </a:p>
@@ -6018,7 +6018,7 @@
               <a:pPr>
                 <a:defRPr/>
               </a:pPr>
-              <a:t>05/05/2012</a:t>
+              <a:t>30/6/2012</a:t>
             </a:fld>
             <a:endParaRPr lang="pt-BR"/>
           </a:p>
@@ -6496,7 +6496,7 @@
               <a:pPr>
                 <a:defRPr/>
               </a:pPr>
-              <a:t>05/05/2012</a:t>
+              <a:t>30/6/2012</a:t>
             </a:fld>
             <a:endParaRPr lang="pt-BR"/>
           </a:p>
@@ -8876,7 +8876,7 @@
         <p:spPr>
           <a:xfrm>
             <a:off x="457200" y="274638"/>
-            <a:ext cx="8507288" cy="1143000"/>
+            <a:ext cx="8258204" cy="1143000"/>
           </a:xfrm>
         </p:spPr>
         <p:txBody>
@@ -8885,7 +8885,7 @@
           <a:p>
             <a:pPr eaLnBrk="1" hangingPunct="1"/>
             <a:r>
-              <a:rPr lang="pt-BR" dirty="0" smtClean="0"/>
+              <a:rPr lang="pt-BR" sz="4000" dirty="0" smtClean="0"/>
               <a:t>Classe interna anônima (exemplo)</a:t>
             </a:r>
           </a:p>

--- a/2-Java-Programmer-Modulo-II/01.Capitulo01.pptx
+++ b/2-Java-Programmer-Modulo-II/01.Capitulo01.pptx
@@ -268,7 +268,7 @@
               <a:pPr>
                 <a:defRPr/>
               </a:pPr>
-              <a:t>30/6/2012</a:t>
+              <a:t>05/05/2012</a:t>
             </a:fld>
             <a:endParaRPr lang="pt-BR"/>
           </a:p>
@@ -3404,7 +3404,7 @@
               <a:pPr>
                 <a:defRPr/>
               </a:pPr>
-              <a:t>30/6/2012</a:t>
+              <a:t>05/05/2012</a:t>
             </a:fld>
             <a:endParaRPr lang="pt-BR"/>
           </a:p>
@@ -3596,7 +3596,7 @@
               <a:pPr>
                 <a:defRPr/>
               </a:pPr>
-              <a:t>30/6/2012</a:t>
+              <a:t>05/05/2012</a:t>
             </a:fld>
             <a:endParaRPr lang="pt-BR"/>
           </a:p>
@@ -3798,7 +3798,7 @@
               <a:pPr>
                 <a:defRPr/>
               </a:pPr>
-              <a:t>30/6/2012</a:t>
+              <a:t>05/05/2012</a:t>
             </a:fld>
             <a:endParaRPr lang="pt-BR"/>
           </a:p>
@@ -3994,7 +3994,7 @@
               <a:pPr>
                 <a:defRPr/>
               </a:pPr>
-              <a:t>30/6/2012</a:t>
+              <a:t>05/05/2012</a:t>
             </a:fld>
             <a:endParaRPr lang="pt-BR"/>
           </a:p>
@@ -4500,7 +4500,7 @@
               <a:pPr>
                 <a:defRPr/>
               </a:pPr>
-              <a:t>30/6/2012</a:t>
+              <a:t>05/05/2012</a:t>
             </a:fld>
             <a:endParaRPr lang="pt-BR"/>
           </a:p>
@@ -4791,7 +4791,7 @@
               <a:pPr>
                 <a:defRPr/>
               </a:pPr>
-              <a:t>30/6/2012</a:t>
+              <a:t>05/05/2012</a:t>
             </a:fld>
             <a:endParaRPr lang="pt-BR"/>
           </a:p>
@@ -5192,7 +5192,7 @@
               <a:pPr>
                 <a:defRPr/>
               </a:pPr>
-              <a:t>30/6/2012</a:t>
+              <a:t>05/05/2012</a:t>
             </a:fld>
             <a:endParaRPr lang="pt-BR"/>
           </a:p>
@@ -5341,7 +5341,7 @@
               <a:pPr>
                 <a:defRPr/>
               </a:pPr>
-              <a:t>30/6/2012</a:t>
+              <a:t>05/05/2012</a:t>
             </a:fld>
             <a:endParaRPr lang="pt-BR"/>
           </a:p>
@@ -5458,7 +5458,7 @@
               <a:pPr>
                 <a:defRPr/>
               </a:pPr>
-              <a:t>30/6/2012</a:t>
+              <a:t>05/05/2012</a:t>
             </a:fld>
             <a:endParaRPr lang="pt-BR"/>
           </a:p>
@@ -5734,7 +5734,7 @@
               <a:pPr>
                 <a:defRPr/>
               </a:pPr>
-              <a:t>30/6/2012</a:t>
+              <a:t>05/05/2012</a:t>
             </a:fld>
             <a:endParaRPr lang="pt-BR"/>
           </a:p>
@@ -6018,7 +6018,7 @@
               <a:pPr>
                 <a:defRPr/>
               </a:pPr>
-              <a:t>30/6/2012</a:t>
+              <a:t>05/05/2012</a:t>
             </a:fld>
             <a:endParaRPr lang="pt-BR"/>
           </a:p>
@@ -6496,7 +6496,7 @@
               <a:pPr>
                 <a:defRPr/>
               </a:pPr>
-              <a:t>30/6/2012</a:t>
+              <a:t>05/05/2012</a:t>
             </a:fld>
             <a:endParaRPr lang="pt-BR"/>
           </a:p>
@@ -8876,7 +8876,7 @@
         <p:spPr>
           <a:xfrm>
             <a:off x="457200" y="274638"/>
-            <a:ext cx="8258204" cy="1143000"/>
+            <a:ext cx="8507288" cy="1143000"/>
           </a:xfrm>
         </p:spPr>
         <p:txBody>
@@ -8885,7 +8885,7 @@
           <a:p>
             <a:pPr eaLnBrk="1" hangingPunct="1"/>
             <a:r>
-              <a:rPr lang="pt-BR" sz="4000" dirty="0" smtClean="0"/>
+              <a:rPr lang="pt-BR" dirty="0" smtClean="0"/>
               <a:t>Classe interna anônima (exemplo)</a:t>
             </a:r>
           </a:p>

--- a/2-Java-Programmer-Modulo-II/01.Capitulo01.pptx
+++ b/2-Java-Programmer-Modulo-II/01.Capitulo01.pptx
@@ -268,7 +268,7 @@
               <a:pPr>
                 <a:defRPr/>
               </a:pPr>
-              <a:t>05/05/2012</a:t>
+              <a:t>24/09/2012</a:t>
             </a:fld>
             <a:endParaRPr lang="pt-BR"/>
           </a:p>
@@ -456,7 +456,7 @@
               <a:pPr>
                 <a:defRPr/>
               </a:pPr>
-              <a:t>‹nº›</a:t>
+              <a:t>‹#›</a:t>
             </a:fld>
             <a:endParaRPr lang="pt-BR"/>
           </a:p>
@@ -3404,7 +3404,7 @@
               <a:pPr>
                 <a:defRPr/>
               </a:pPr>
-              <a:t>05/05/2012</a:t>
+              <a:t>24/09/2012</a:t>
             </a:fld>
             <a:endParaRPr lang="pt-BR"/>
           </a:p>
@@ -3463,7 +3463,7 @@
               <a:pPr>
                 <a:defRPr/>
               </a:pPr>
-              <a:t>‹nº›</a:t>
+              <a:t>‹#›</a:t>
             </a:fld>
             <a:endParaRPr lang="pt-BR"/>
           </a:p>
@@ -3596,7 +3596,7 @@
               <a:pPr>
                 <a:defRPr/>
               </a:pPr>
-              <a:t>05/05/2012</a:t>
+              <a:t>24/09/2012</a:t>
             </a:fld>
             <a:endParaRPr lang="pt-BR"/>
           </a:p>
@@ -3655,7 +3655,7 @@
               <a:pPr>
                 <a:defRPr/>
               </a:pPr>
-              <a:t>‹nº›</a:t>
+              <a:t>‹#›</a:t>
             </a:fld>
             <a:endParaRPr lang="pt-BR"/>
           </a:p>
@@ -3798,7 +3798,7 @@
               <a:pPr>
                 <a:defRPr/>
               </a:pPr>
-              <a:t>05/05/2012</a:t>
+              <a:t>24/09/2012</a:t>
             </a:fld>
             <a:endParaRPr lang="pt-BR"/>
           </a:p>
@@ -3857,7 +3857,7 @@
               <a:pPr>
                 <a:defRPr/>
               </a:pPr>
-              <a:t>‹nº›</a:t>
+              <a:t>‹#›</a:t>
             </a:fld>
             <a:endParaRPr lang="pt-BR"/>
           </a:p>
@@ -3994,7 +3994,7 @@
               <a:pPr>
                 <a:defRPr/>
               </a:pPr>
-              <a:t>05/05/2012</a:t>
+              <a:t>24/09/2012</a:t>
             </a:fld>
             <a:endParaRPr lang="pt-BR"/>
           </a:p>
@@ -4053,7 +4053,7 @@
               <a:pPr>
                 <a:defRPr/>
               </a:pPr>
-              <a:t>‹nº›</a:t>
+              <a:t>‹#›</a:t>
             </a:fld>
             <a:endParaRPr lang="pt-BR"/>
           </a:p>
@@ -4500,7 +4500,7 @@
               <a:pPr>
                 <a:defRPr/>
               </a:pPr>
-              <a:t>05/05/2012</a:t>
+              <a:t>24/09/2012</a:t>
             </a:fld>
             <a:endParaRPr lang="pt-BR"/>
           </a:p>
@@ -4559,7 +4559,7 @@
               <a:pPr>
                 <a:defRPr/>
               </a:pPr>
-              <a:t>‹nº›</a:t>
+              <a:t>‹#›</a:t>
             </a:fld>
             <a:endParaRPr lang="pt-BR"/>
           </a:p>
@@ -4791,7 +4791,7 @@
               <a:pPr>
                 <a:defRPr/>
               </a:pPr>
-              <a:t>05/05/2012</a:t>
+              <a:t>24/09/2012</a:t>
             </a:fld>
             <a:endParaRPr lang="pt-BR"/>
           </a:p>
@@ -4850,7 +4850,7 @@
               <a:pPr>
                 <a:defRPr/>
               </a:pPr>
-              <a:t>‹nº›</a:t>
+              <a:t>‹#›</a:t>
             </a:fld>
             <a:endParaRPr lang="pt-BR"/>
           </a:p>
@@ -5192,7 +5192,7 @@
               <a:pPr>
                 <a:defRPr/>
               </a:pPr>
-              <a:t>05/05/2012</a:t>
+              <a:t>24/09/2012</a:t>
             </a:fld>
             <a:endParaRPr lang="pt-BR"/>
           </a:p>
@@ -5251,7 +5251,7 @@
               <a:pPr>
                 <a:defRPr/>
               </a:pPr>
-              <a:t>‹nº›</a:t>
+              <a:t>‹#›</a:t>
             </a:fld>
             <a:endParaRPr lang="pt-BR"/>
           </a:p>
@@ -5341,7 +5341,7 @@
               <a:pPr>
                 <a:defRPr/>
               </a:pPr>
-              <a:t>05/05/2012</a:t>
+              <a:t>24/09/2012</a:t>
             </a:fld>
             <a:endParaRPr lang="pt-BR"/>
           </a:p>
@@ -5400,7 +5400,7 @@
               <a:pPr>
                 <a:defRPr/>
               </a:pPr>
-              <a:t>‹nº›</a:t>
+              <a:t>‹#›</a:t>
             </a:fld>
             <a:endParaRPr lang="pt-BR"/>
           </a:p>
@@ -5458,7 +5458,7 @@
               <a:pPr>
                 <a:defRPr/>
               </a:pPr>
-              <a:t>05/05/2012</a:t>
+              <a:t>24/09/2012</a:t>
             </a:fld>
             <a:endParaRPr lang="pt-BR"/>
           </a:p>
@@ -5517,7 +5517,7 @@
               <a:pPr>
                 <a:defRPr/>
               </a:pPr>
-              <a:t>‹nº›</a:t>
+              <a:t>‹#›</a:t>
             </a:fld>
             <a:endParaRPr lang="pt-BR"/>
           </a:p>
@@ -5734,7 +5734,7 @@
               <a:pPr>
                 <a:defRPr/>
               </a:pPr>
-              <a:t>05/05/2012</a:t>
+              <a:t>24/09/2012</a:t>
             </a:fld>
             <a:endParaRPr lang="pt-BR"/>
           </a:p>
@@ -5798,7 +5798,7 @@
               <a:pPr>
                 <a:defRPr/>
               </a:pPr>
-              <a:t>‹nº›</a:t>
+              <a:t>‹#›</a:t>
             </a:fld>
             <a:endParaRPr lang="pt-BR"/>
           </a:p>
@@ -6018,7 +6018,7 @@
               <a:pPr>
                 <a:defRPr/>
               </a:pPr>
-              <a:t>05/05/2012</a:t>
+              <a:t>24/09/2012</a:t>
             </a:fld>
             <a:endParaRPr lang="pt-BR"/>
           </a:p>
@@ -6077,7 +6077,7 @@
               <a:pPr>
                 <a:defRPr/>
               </a:pPr>
-              <a:t>‹nº›</a:t>
+              <a:t>‹#›</a:t>
             </a:fld>
             <a:endParaRPr lang="pt-BR"/>
           </a:p>
@@ -6346,7 +6346,7 @@
         <p:spPr bwMode="auto">
           <a:xfrm>
             <a:off x="457200" y="274638"/>
-            <a:ext cx="7467600" cy="1143000"/>
+            <a:ext cx="8258204" cy="1143000"/>
           </a:xfrm>
           <a:prstGeom prst="rect">
             <a:avLst/>
@@ -6369,10 +6369,10 @@
           <a:p>
             <a:pPr lvl="0"/>
             <a:r>
-              <a:rPr lang="pt-BR" smtClean="0"/>
+              <a:rPr lang="pt-BR" dirty="0" smtClean="0"/>
               <a:t>Clique para editar o estilo do título mestre</a:t>
             </a:r>
-            <a:endParaRPr lang="en-US" smtClean="0"/>
+            <a:endParaRPr lang="en-US" dirty="0" smtClean="0"/>
           </a:p>
         </p:txBody>
       </p:sp>
@@ -6496,7 +6496,7 @@
               <a:pPr>
                 <a:defRPr/>
               </a:pPr>
-              <a:t>05/05/2012</a:t>
+              <a:t>24/09/2012</a:t>
             </a:fld>
             <a:endParaRPr lang="pt-BR"/>
           </a:p>
@@ -6599,7 +6599,7 @@
               <a:pPr>
                 <a:defRPr/>
               </a:pPr>
-              <a:t>‹nº›</a:t>
+              <a:t>‹#›</a:t>
             </a:fld>
             <a:endParaRPr lang="pt-BR"/>
           </a:p>
@@ -8885,7 +8885,7 @@
           <a:p>
             <a:pPr eaLnBrk="1" hangingPunct="1"/>
             <a:r>
-              <a:rPr lang="pt-BR" dirty="0" smtClean="0"/>
+              <a:rPr lang="pt-BR" sz="4400" dirty="0" smtClean="0"/>
               <a:t>Classe interna anônima (exemplo)</a:t>
             </a:r>
           </a:p>
